--- a/000-HowToHack/WTH-Lectures-Template.pptx
+++ b/000-HowToHack/WTH-Lectures-Template.pptx
@@ -2,28 +2,28 @@
 <file path=ppt/presentation.xml><?xml version="1.0" encoding="utf-8"?>
 <p:presentation xmlns:a="http://schemas.openxmlformats.org/drawingml/2006/main" xmlns:r="http://schemas.openxmlformats.org/officeDocument/2006/relationships" xmlns:p="http://schemas.openxmlformats.org/presentationml/2006/main" removePersonalInfoOnSave="1" saveSubsetFonts="1">
   <p:sldMasterIdLst>
-    <p:sldMasterId id="2147483986" r:id="rId1"/>
+    <p:sldMasterId id="2147483986" r:id="rId4"/>
   </p:sldMasterIdLst>
   <p:notesMasterIdLst>
-    <p:notesMasterId r:id="rId15"/>
+    <p:notesMasterId r:id="rId18"/>
   </p:notesMasterIdLst>
   <p:handoutMasterIdLst>
-    <p:handoutMasterId r:id="rId16"/>
+    <p:handoutMasterId r:id="rId19"/>
   </p:handoutMasterIdLst>
   <p:sldIdLst>
-    <p:sldId id="3635" r:id="rId2"/>
-    <p:sldId id="3636" r:id="rId3"/>
-    <p:sldId id="509" r:id="rId4"/>
-    <p:sldId id="3648" r:id="rId5"/>
-    <p:sldId id="3660" r:id="rId6"/>
-    <p:sldId id="528" r:id="rId7"/>
-    <p:sldId id="3666" r:id="rId8"/>
-    <p:sldId id="3667" r:id="rId9"/>
-    <p:sldId id="3664" r:id="rId10"/>
-    <p:sldId id="3668" r:id="rId11"/>
-    <p:sldId id="3669" r:id="rId12"/>
-    <p:sldId id="3665" r:id="rId13"/>
-    <p:sldId id="3663" r:id="rId14"/>
+    <p:sldId id="3635" r:id="rId5"/>
+    <p:sldId id="3636" r:id="rId6"/>
+    <p:sldId id="509" r:id="rId7"/>
+    <p:sldId id="3673" r:id="rId8"/>
+    <p:sldId id="3660" r:id="rId9"/>
+    <p:sldId id="528" r:id="rId10"/>
+    <p:sldId id="3674" r:id="rId11"/>
+    <p:sldId id="3671" r:id="rId12"/>
+    <p:sldId id="3664" r:id="rId13"/>
+    <p:sldId id="3675" r:id="rId14"/>
+    <p:sldId id="3672" r:id="rId15"/>
+    <p:sldId id="3665" r:id="rId16"/>
+    <p:sldId id="3663" r:id="rId17"/>
   </p:sldIdLst>
   <p:sldSz cx="12192000" cy="6858000"/>
   <p:notesSz cx="6858000" cy="9144000"/>
@@ -136,6 +136,160 @@
 </p188:authorLst>
 </file>
 
+<file path=ppt/revisionInfo.xml><?xml version="1.0" encoding="utf-8"?>
+<p1510:revInfo xmlns:a="http://schemas.openxmlformats.org/drawingml/2006/main" xmlns:r="http://schemas.openxmlformats.org/officeDocument/2006/relationships" xmlns:p1510="http://schemas.microsoft.com/office/powerpoint/2015/10/main">
+  <p1510:revLst>
+    <p1510:client id="{58E3B4D3-A2DF-7F4C-AAEA-BED2DE260FD9}" v="11" dt="2022-09-09T01:43:33.704"/>
+  </p1510:revLst>
+</p1510:revInfo>
+</file>
+
+<file path=ppt/changesInfos/changesInfo1.xml><?xml version="1.0" encoding="utf-8"?>
+<pc:chgInfo xmlns:a="http://schemas.openxmlformats.org/drawingml/2006/main" xmlns:r="http://schemas.openxmlformats.org/officeDocument/2006/relationships" xmlns:ac="http://schemas.microsoft.com/office/drawing/2013/main/command" xmlns:pc="http://schemas.microsoft.com/office/powerpoint/2013/main/command">
+  <pc:docChgLst>
+    <pc:chgData name="Peter Laudati" userId="fc1173ac-280e-4cfe-aafb-65006f84bb93" providerId="ADAL" clId="{58E3B4D3-A2DF-7F4C-AAEA-BED2DE260FD9}"/>
+    <pc:docChg chg="custSel addSld delSld modSld">
+      <pc:chgData name="Peter Laudati" userId="fc1173ac-280e-4cfe-aafb-65006f84bb93" providerId="ADAL" clId="{58E3B4D3-A2DF-7F4C-AAEA-BED2DE260FD9}" dt="2022-08-18T18:53:15.105" v="9" actId="2696"/>
+      <pc:docMkLst>
+        <pc:docMk/>
+      </pc:docMkLst>
+      <pc:sldChg chg="addSp delSp modSp mod chgLayout">
+        <pc:chgData name="Peter Laudati" userId="fc1173ac-280e-4cfe-aafb-65006f84bb93" providerId="ADAL" clId="{58E3B4D3-A2DF-7F4C-AAEA-BED2DE260FD9}" dt="2022-08-18T18:50:40.408" v="0" actId="700"/>
+        <pc:sldMkLst>
+          <pc:docMk/>
+          <pc:sldMk cId="1858828968" sldId="3635"/>
+        </pc:sldMkLst>
+        <pc:spChg chg="add mod ord">
+          <ac:chgData name="Peter Laudati" userId="fc1173ac-280e-4cfe-aafb-65006f84bb93" providerId="ADAL" clId="{58E3B4D3-A2DF-7F4C-AAEA-BED2DE260FD9}" dt="2022-08-18T18:50:40.408" v="0" actId="700"/>
+          <ac:spMkLst>
+            <pc:docMk/>
+            <pc:sldMk cId="1858828968" sldId="3635"/>
+            <ac:spMk id="2" creationId="{8FF79584-2A68-E4C0-6F82-610A3B2D774A}"/>
+          </ac:spMkLst>
+        </pc:spChg>
+        <pc:spChg chg="mod ord">
+          <ac:chgData name="Peter Laudati" userId="fc1173ac-280e-4cfe-aafb-65006f84bb93" providerId="ADAL" clId="{58E3B4D3-A2DF-7F4C-AAEA-BED2DE260FD9}" dt="2022-08-18T18:50:40.408" v="0" actId="700"/>
+          <ac:spMkLst>
+            <pc:docMk/>
+            <pc:sldMk cId="1858828968" sldId="3635"/>
+            <ac:spMk id="4" creationId="{00000000-0000-0000-0000-000000000000}"/>
+          </ac:spMkLst>
+        </pc:spChg>
+        <pc:spChg chg="del">
+          <ac:chgData name="Peter Laudati" userId="fc1173ac-280e-4cfe-aafb-65006f84bb93" providerId="ADAL" clId="{58E3B4D3-A2DF-7F4C-AAEA-BED2DE260FD9}" dt="2022-08-18T18:50:40.408" v="0" actId="700"/>
+          <ac:spMkLst>
+            <pc:docMk/>
+            <pc:sldMk cId="1858828968" sldId="3635"/>
+            <ac:spMk id="6" creationId="{ADCCA4A4-85CC-CBC9-9F7D-0FADD8287C35}"/>
+          </ac:spMkLst>
+        </pc:spChg>
+      </pc:sldChg>
+      <pc:sldChg chg="addSp delSp modSp new del mod modClrScheme chgLayout">
+        <pc:chgData name="Peter Laudati" userId="fc1173ac-280e-4cfe-aafb-65006f84bb93" providerId="ADAL" clId="{58E3B4D3-A2DF-7F4C-AAEA-BED2DE260FD9}" dt="2022-08-18T18:53:15.105" v="9" actId="2696"/>
+        <pc:sldMkLst>
+          <pc:docMk/>
+          <pc:sldMk cId="2955131668" sldId="3676"/>
+        </pc:sldMkLst>
+        <pc:spChg chg="del mod ord">
+          <ac:chgData name="Peter Laudati" userId="fc1173ac-280e-4cfe-aafb-65006f84bb93" providerId="ADAL" clId="{58E3B4D3-A2DF-7F4C-AAEA-BED2DE260FD9}" dt="2022-08-18T18:53:00.294" v="6" actId="700"/>
+          <ac:spMkLst>
+            <pc:docMk/>
+            <pc:sldMk cId="2955131668" sldId="3676"/>
+            <ac:spMk id="2" creationId="{8B96030A-A5AF-0231-924B-D611237E8878}"/>
+          </ac:spMkLst>
+        </pc:spChg>
+        <pc:spChg chg="del">
+          <ac:chgData name="Peter Laudati" userId="fc1173ac-280e-4cfe-aafb-65006f84bb93" providerId="ADAL" clId="{58E3B4D3-A2DF-7F4C-AAEA-BED2DE260FD9}" dt="2022-08-18T18:53:00.294" v="6" actId="700"/>
+          <ac:spMkLst>
+            <pc:docMk/>
+            <pc:sldMk cId="2955131668" sldId="3676"/>
+            <ac:spMk id="3" creationId="{092B7AF9-7723-AAF9-77C0-EA960710F7A9}"/>
+          </ac:spMkLst>
+        </pc:spChg>
+        <pc:spChg chg="del">
+          <ac:chgData name="Peter Laudati" userId="fc1173ac-280e-4cfe-aafb-65006f84bb93" providerId="ADAL" clId="{58E3B4D3-A2DF-7F4C-AAEA-BED2DE260FD9}" dt="2022-08-18T18:53:00.294" v="6" actId="700"/>
+          <ac:spMkLst>
+            <pc:docMk/>
+            <pc:sldMk cId="2955131668" sldId="3676"/>
+            <ac:spMk id="4" creationId="{CB2032A5-869A-2D79-CDA7-0D1245A03EB0}"/>
+          </ac:spMkLst>
+        </pc:spChg>
+        <pc:spChg chg="add del mod ord">
+          <ac:chgData name="Peter Laudati" userId="fc1173ac-280e-4cfe-aafb-65006f84bb93" providerId="ADAL" clId="{58E3B4D3-A2DF-7F4C-AAEA-BED2DE260FD9}" dt="2022-08-18T18:53:04.406" v="7" actId="700"/>
+          <ac:spMkLst>
+            <pc:docMk/>
+            <pc:sldMk cId="2955131668" sldId="3676"/>
+            <ac:spMk id="5" creationId="{E02AD455-A414-0690-1A17-CE7C8B748C6C}"/>
+          </ac:spMkLst>
+        </pc:spChg>
+        <pc:spChg chg="add del mod ord">
+          <ac:chgData name="Peter Laudati" userId="fc1173ac-280e-4cfe-aafb-65006f84bb93" providerId="ADAL" clId="{58E3B4D3-A2DF-7F4C-AAEA-BED2DE260FD9}" dt="2022-08-18T18:53:10.590" v="8" actId="700"/>
+          <ac:spMkLst>
+            <pc:docMk/>
+            <pc:sldMk cId="2955131668" sldId="3676"/>
+            <ac:spMk id="6" creationId="{1BF74B6F-2880-3AFF-B91D-BB103E599E77}"/>
+          </ac:spMkLst>
+        </pc:spChg>
+        <pc:spChg chg="add del mod ord">
+          <ac:chgData name="Peter Laudati" userId="fc1173ac-280e-4cfe-aafb-65006f84bb93" providerId="ADAL" clId="{58E3B4D3-A2DF-7F4C-AAEA-BED2DE260FD9}" dt="2022-08-18T18:53:10.590" v="8" actId="700"/>
+          <ac:spMkLst>
+            <pc:docMk/>
+            <pc:sldMk cId="2955131668" sldId="3676"/>
+            <ac:spMk id="7" creationId="{EF4C5732-2F8A-471E-987C-A61C94B1CD14}"/>
+          </ac:spMkLst>
+        </pc:spChg>
+        <pc:spChg chg="add del mod ord">
+          <ac:chgData name="Peter Laudati" userId="fc1173ac-280e-4cfe-aafb-65006f84bb93" providerId="ADAL" clId="{58E3B4D3-A2DF-7F4C-AAEA-BED2DE260FD9}" dt="2022-08-18T18:53:10.590" v="8" actId="700"/>
+          <ac:spMkLst>
+            <pc:docMk/>
+            <pc:sldMk cId="2955131668" sldId="3676"/>
+            <ac:spMk id="8" creationId="{4ACF6CF9-205A-DE12-0C54-EA712F8CBECE}"/>
+          </ac:spMkLst>
+        </pc:spChg>
+        <pc:spChg chg="add mod ord">
+          <ac:chgData name="Peter Laudati" userId="fc1173ac-280e-4cfe-aafb-65006f84bb93" providerId="ADAL" clId="{58E3B4D3-A2DF-7F4C-AAEA-BED2DE260FD9}" dt="2022-08-18T18:53:10.590" v="8" actId="700"/>
+          <ac:spMkLst>
+            <pc:docMk/>
+            <pc:sldMk cId="2955131668" sldId="3676"/>
+            <ac:spMk id="9" creationId="{24EDC00B-2681-1031-C0BE-FA0A65853705}"/>
+          </ac:spMkLst>
+        </pc:spChg>
+        <pc:spChg chg="add mod ord">
+          <ac:chgData name="Peter Laudati" userId="fc1173ac-280e-4cfe-aafb-65006f84bb93" providerId="ADAL" clId="{58E3B4D3-A2DF-7F4C-AAEA-BED2DE260FD9}" dt="2022-08-18T18:53:10.590" v="8" actId="700"/>
+          <ac:spMkLst>
+            <pc:docMk/>
+            <pc:sldMk cId="2955131668" sldId="3676"/>
+            <ac:spMk id="10" creationId="{7C627F91-8906-F394-82D7-60756A7DE665}"/>
+          </ac:spMkLst>
+        </pc:spChg>
+        <pc:spChg chg="add mod ord">
+          <ac:chgData name="Peter Laudati" userId="fc1173ac-280e-4cfe-aafb-65006f84bb93" providerId="ADAL" clId="{58E3B4D3-A2DF-7F4C-AAEA-BED2DE260FD9}" dt="2022-08-18T18:53:10.590" v="8" actId="700"/>
+          <ac:spMkLst>
+            <pc:docMk/>
+            <pc:sldMk cId="2955131668" sldId="3676"/>
+            <ac:spMk id="11" creationId="{1ACE53EE-561F-CAC3-090B-2A3B8177FDFA}"/>
+          </ac:spMkLst>
+        </pc:spChg>
+      </pc:sldChg>
+      <pc:sldChg chg="new del">
+        <pc:chgData name="Peter Laudati" userId="fc1173ac-280e-4cfe-aafb-65006f84bb93" providerId="ADAL" clId="{58E3B4D3-A2DF-7F4C-AAEA-BED2DE260FD9}" dt="2022-08-18T18:52:46.477" v="4" actId="2696"/>
+        <pc:sldMkLst>
+          <pc:docMk/>
+          <pc:sldMk cId="4059191753" sldId="3676"/>
+        </pc:sldMkLst>
+      </pc:sldChg>
+      <pc:sldChg chg="new del">
+        <pc:chgData name="Peter Laudati" userId="fc1173ac-280e-4cfe-aafb-65006f84bb93" providerId="ADAL" clId="{58E3B4D3-A2DF-7F4C-AAEA-BED2DE260FD9}" dt="2022-08-18T18:52:44.654" v="3" actId="2696"/>
+        <pc:sldMkLst>
+          <pc:docMk/>
+          <pc:sldMk cId="80496332" sldId="3677"/>
+        </pc:sldMkLst>
+      </pc:sldChg>
+    </pc:docChg>
+  </pc:docChgLst>
+</pc:chgInfo>
+</file>
+
 <file path=ppt/handoutMasters/handoutMaster1.xml><?xml version="1.0" encoding="utf-8"?>
 <p:handoutMaster xmlns:a="http://schemas.openxmlformats.org/drawingml/2006/main" xmlns:r="http://schemas.openxmlformats.org/officeDocument/2006/relationships" xmlns:p="http://schemas.openxmlformats.org/presentationml/2006/main">
   <p:cSld>
@@ -218,7 +372,7 @@
           <a:p>
             <a:fld id="{D2F29697-4A6D-AC4B-B035-E737BE26C24F}" type="datetimeFigureOut">
               <a:rPr lang="en-US" smtClean="0"/>
-              <a:t>5/7/2022</a:t>
+              <a:t>9/8/22</a:t>
             </a:fld>
             <a:endParaRPr lang="en-US"/>
           </a:p>
@@ -383,7 +537,7 @@
           <a:p>
             <a:fld id="{3B795838-E26F-BF4F-AF40-5695E293B9BE}" type="datetimeFigureOut">
               <a:rPr lang="en-US" smtClean="0"/>
-              <a:t>5/7/2022</a:t>
+              <a:t>9/8/22</a:t>
             </a:fld>
             <a:endParaRPr lang="en-US"/>
           </a:p>
@@ -865,44 +1019,13 @@
           <a:bodyPr/>
           <a:lstStyle/>
           <a:p>
-            <a:pPr marL="171450" indent="-171450">
-              <a:buFont typeface="Arial" panose="020B0604020202020204" pitchFamily="34" charset="0"/>
-              <a:buChar char="•"/>
-            </a:pPr>
             <a:r>
               <a:rPr lang="en-US" dirty="0"/>
-              <a:t>For each “mini-lecture”, have a topic title and/or sub-topic title.</a:t>
-            </a:r>
-          </a:p>
-          <a:p>
-            <a:pPr marL="171450" indent="-171450">
-              <a:buFont typeface="Arial" panose="020B0604020202020204" pitchFamily="34" charset="0"/>
-              <a:buChar char="•"/>
-            </a:pPr>
-            <a:r>
-              <a:rPr lang="en-US" dirty="0"/>
-              <a:t>Each mini-lecture should be no longer than 5-10 minutes in length.</a:t>
-            </a:r>
-          </a:p>
-          <a:p>
-            <a:pPr marL="171450" indent="-171450">
-              <a:buFont typeface="Arial" panose="020B0604020202020204" pitchFamily="34" charset="0"/>
-              <a:buChar char="•"/>
-            </a:pPr>
-            <a:r>
-              <a:rPr lang="en-US" dirty="0"/>
-              <a:t>Only deliver one lecture ahead of each challenge.  </a:t>
-            </a:r>
-          </a:p>
-          <a:p>
-            <a:pPr marL="171450" indent="-171450">
-              <a:buFont typeface="Arial" panose="020B0604020202020204" pitchFamily="34" charset="0"/>
-              <a:buChar char="•"/>
-            </a:pPr>
-            <a:r>
-              <a:rPr lang="en-US" dirty="0"/>
-              <a:t>Do not attempt to present all of the lectures before students start hacking.</a:t>
-            </a:r>
+              <a:t>Thank students for attending and share the link to the What The Hack website with them.</a:t>
+            </a:r>
+          </a:p>
+          <a:p>
+            <a:endParaRPr lang="en-US" dirty="0"/>
           </a:p>
           <a:p>
             <a:endParaRPr lang="en-US" dirty="0"/>
@@ -973,7 +1096,199 @@
                 <a:tabLst/>
                 <a:defRPr/>
               </a:pPr>
-              <a:t>10</a:t>
+              <a:t>13</a:t>
+            </a:fld>
+            <a:endParaRPr kumimoji="0" lang="en-US" sz="1200" b="0" i="0" u="none" strike="noStrike" kern="1200" cap="none" spc="0" normalizeH="0" baseline="0" noProof="0" dirty="0">
+              <a:ln>
+                <a:noFill/>
+              </a:ln>
+              <a:solidFill>
+                <a:prstClr val="black"/>
+              </a:solidFill>
+              <a:effectLst/>
+              <a:uLnTx/>
+              <a:uFillTx/>
+              <a:latin typeface="Calibri" panose="020F0502020204030204"/>
+              <a:ea typeface="+mn-ea"/>
+              <a:cs typeface="+mn-cs"/>
+            </a:endParaRPr>
+          </a:p>
+        </p:txBody>
+      </p:sp>
+    </p:spTree>
+    <p:extLst>
+      <p:ext uri="{BB962C8B-B14F-4D97-AF65-F5344CB8AC3E}">
+        <p14:creationId xmlns:p14="http://schemas.microsoft.com/office/powerpoint/2010/main" val="1917725678"/>
+      </p:ext>
+    </p:extLst>
+  </p:cSld>
+  <p:clrMapOvr>
+    <a:masterClrMapping/>
+  </p:clrMapOvr>
+</p:notes>
+</file>
+
+<file path=ppt/notesSlides/notesSlide2.xml><?xml version="1.0" encoding="utf-8"?>
+<p:notes xmlns:a="http://schemas.openxmlformats.org/drawingml/2006/main" xmlns:r="http://schemas.openxmlformats.org/officeDocument/2006/relationships" xmlns:p="http://schemas.openxmlformats.org/presentationml/2006/main">
+  <p:cSld>
+    <p:spTree>
+      <p:nvGrpSpPr>
+        <p:cNvPr id="1" name=""/>
+        <p:cNvGrpSpPr/>
+        <p:nvPr/>
+      </p:nvGrpSpPr>
+      <p:grpSpPr>
+        <a:xfrm>
+          <a:off x="0" y="0"/>
+          <a:ext cx="0" cy="0"/>
+          <a:chOff x="0" y="0"/>
+          <a:chExt cx="0" cy="0"/>
+        </a:xfrm>
+      </p:grpSpPr>
+      <p:sp>
+        <p:nvSpPr>
+          <p:cNvPr id="2" name="Slide Image Placeholder 1"/>
+          <p:cNvSpPr>
+            <a:spLocks noGrp="1" noRot="1" noChangeAspect="1"/>
+          </p:cNvSpPr>
+          <p:nvPr>
+            <p:ph type="sldImg"/>
+          </p:nvPr>
+        </p:nvSpPr>
+        <p:spPr/>
+      </p:sp>
+      <p:sp>
+        <p:nvSpPr>
+          <p:cNvPr id="3" name="Notes Placeholder 2"/>
+          <p:cNvSpPr>
+            <a:spLocks noGrp="1"/>
+          </p:cNvSpPr>
+          <p:nvPr>
+            <p:ph type="body" idx="1"/>
+          </p:nvPr>
+        </p:nvSpPr>
+        <p:spPr/>
+        <p:txBody>
+          <a:bodyPr/>
+          <a:lstStyle/>
+          <a:p>
+            <a:r>
+              <a:rPr lang="en-US" b="1" dirty="0"/>
+              <a:t>Coaches/Presenters for THIS hack/lecture event should be listed on this slide.</a:t>
+            </a:r>
+          </a:p>
+          <a:p>
+            <a:endParaRPr lang="en-US" dirty="0"/>
+          </a:p>
+          <a:p>
+            <a:r>
+              <a:rPr lang="en-US" dirty="0"/>
+              <a:t>Original contributors to the hack content &amp; these slides include:</a:t>
+            </a:r>
+          </a:p>
+          <a:p>
+            <a:endParaRPr lang="en-US" dirty="0"/>
+          </a:p>
+          <a:p>
+            <a:r>
+              <a:rPr lang="en-US" dirty="0"/>
+              <a:t>Please list original contributors to this hack here in the speaker notes and give them credit when delivering this content.</a:t>
+            </a:r>
+          </a:p>
+          <a:p>
+            <a:endParaRPr lang="en-US" dirty="0"/>
+          </a:p>
+          <a:p>
+            <a:r>
+              <a:rPr lang="en-US" dirty="0"/>
+              <a:t>&lt;Original Author 1&gt;</a:t>
+            </a:r>
+          </a:p>
+          <a:p>
+            <a:r>
+              <a:rPr lang="en-US" dirty="0"/>
+              <a:t>&lt;Original Author 2&gt;</a:t>
+            </a:r>
+          </a:p>
+          <a:p>
+            <a:r>
+              <a:rPr lang="en-US" dirty="0"/>
+              <a:t>…</a:t>
+            </a:r>
+          </a:p>
+          <a:p>
+            <a:r>
+              <a:rPr lang="en-US" dirty="0"/>
+              <a:t>&lt;Original Author N&gt;</a:t>
+            </a:r>
+          </a:p>
+        </p:txBody>
+      </p:sp>
+      <p:sp>
+        <p:nvSpPr>
+          <p:cNvPr id="4" name="Slide Number Placeholder 3"/>
+          <p:cNvSpPr>
+            <a:spLocks noGrp="1"/>
+          </p:cNvSpPr>
+          <p:nvPr>
+            <p:ph type="sldNum" sz="quarter" idx="10"/>
+          </p:nvPr>
+        </p:nvSpPr>
+        <p:spPr/>
+        <p:txBody>
+          <a:bodyPr/>
+          <a:lstStyle/>
+          <a:p>
+            <a:pPr marL="0" marR="0" lvl="0" indent="0" algn="r" defTabSz="914400" rtl="0" eaLnBrk="1" fontAlgn="auto" latinLnBrk="0" hangingPunct="1">
+              <a:lnSpc>
+                <a:spcPct val="100000"/>
+              </a:lnSpc>
+              <a:spcBef>
+                <a:spcPts val="0"/>
+              </a:spcBef>
+              <a:spcAft>
+                <a:spcPts val="0"/>
+              </a:spcAft>
+              <a:buClrTx/>
+              <a:buSzTx/>
+              <a:buFontTx/>
+              <a:buNone/>
+              <a:tabLst/>
+              <a:defRPr/>
+            </a:pPr>
+            <a:fld id="{4C3A18DF-2E2C-4B51-B31A-8EAAD44872AA}" type="slidenum">
+              <a:rPr kumimoji="0" lang="en-US" sz="1200" b="0" i="0" u="none" strike="noStrike" kern="1200" cap="none" spc="0" normalizeH="0" baseline="0" noProof="0" smtClean="0">
+                <a:ln>
+                  <a:noFill/>
+                </a:ln>
+                <a:solidFill>
+                  <a:prstClr val="black"/>
+                </a:solidFill>
+                <a:effectLst/>
+                <a:uLnTx/>
+                <a:uFillTx/>
+                <a:latin typeface="Calibri" panose="020F0502020204030204"/>
+                <a:ea typeface="+mn-ea"/>
+                <a:cs typeface="+mn-cs"/>
+              </a:rPr>
+              <a:pPr marL="0" marR="0" lvl="0" indent="0" algn="r" defTabSz="914400" rtl="0" eaLnBrk="1" fontAlgn="auto" latinLnBrk="0" hangingPunct="1">
+                <a:lnSpc>
+                  <a:spcPct val="100000"/>
+                </a:lnSpc>
+                <a:spcBef>
+                  <a:spcPts val="0"/>
+                </a:spcBef>
+                <a:spcAft>
+                  <a:spcPts val="0"/>
+                </a:spcAft>
+                <a:buClrTx/>
+                <a:buSzTx/>
+                <a:buFontTx/>
+                <a:buNone/>
+                <a:tabLst/>
+                <a:defRPr/>
+              </a:pPr>
+              <a:t>2</a:t>
             </a:fld>
             <a:endParaRPr kumimoji="0" lang="en-US" sz="1200" b="0" i="0" u="none" strike="noStrike" kern="1200" cap="none" spc="0" normalizeH="0" baseline="0" noProof="0">
               <a:ln>
@@ -995,7 +1310,7 @@
     </p:spTree>
     <p:extLst>
       <p:ext uri="{BB962C8B-B14F-4D97-AF65-F5344CB8AC3E}">
-        <p14:creationId xmlns:p14="http://schemas.microsoft.com/office/powerpoint/2010/main" val="2284184425"/>
+        <p14:creationId xmlns:p14="http://schemas.microsoft.com/office/powerpoint/2010/main" val="2439682645"/>
       </p:ext>
     </p:extLst>
   </p:cSld>
@@ -1005,7 +1320,834 @@
 </p:notes>
 </file>
 
-<file path=ppt/notesSlides/notesSlide11.xml><?xml version="1.0" encoding="utf-8"?>
+<file path=ppt/notesSlides/notesSlide3.xml><?xml version="1.0" encoding="utf-8"?>
+<p:notes xmlns:a="http://schemas.openxmlformats.org/drawingml/2006/main" xmlns:r="http://schemas.openxmlformats.org/officeDocument/2006/relationships" xmlns:p="http://schemas.openxmlformats.org/presentationml/2006/main">
+  <p:cSld>
+    <p:spTree>
+      <p:nvGrpSpPr>
+        <p:cNvPr id="1" name=""/>
+        <p:cNvGrpSpPr/>
+        <p:nvPr/>
+      </p:nvGrpSpPr>
+      <p:grpSpPr>
+        <a:xfrm>
+          <a:off x="0" y="0"/>
+          <a:ext cx="0" cy="0"/>
+          <a:chOff x="0" y="0"/>
+          <a:chExt cx="0" cy="0"/>
+        </a:xfrm>
+      </p:grpSpPr>
+      <p:sp>
+        <p:nvSpPr>
+          <p:cNvPr id="2" name="Slide Image Placeholder 1"/>
+          <p:cNvSpPr>
+            <a:spLocks noGrp="1" noRot="1" noChangeAspect="1"/>
+          </p:cNvSpPr>
+          <p:nvPr>
+            <p:ph type="sldImg"/>
+          </p:nvPr>
+        </p:nvSpPr>
+        <p:spPr/>
+      </p:sp>
+      <p:sp>
+        <p:nvSpPr>
+          <p:cNvPr id="3" name="Notes Placeholder 2"/>
+          <p:cNvSpPr>
+            <a:spLocks noGrp="1"/>
+          </p:cNvSpPr>
+          <p:nvPr>
+            <p:ph type="body" idx="1"/>
+          </p:nvPr>
+        </p:nvSpPr>
+        <p:spPr/>
+        <p:txBody>
+          <a:bodyPr/>
+          <a:lstStyle/>
+          <a:p>
+            <a:r>
+              <a:rPr lang="en-US" dirty="0"/>
+              <a:t>Modify this slide and add the pre-</a:t>
+            </a:r>
+            <a:r>
+              <a:rPr lang="en-US" dirty="0" err="1"/>
+              <a:t>reqs</a:t>
+            </a:r>
+            <a:r>
+              <a:rPr lang="en-US" dirty="0"/>
+              <a:t> specific to your hack here.</a:t>
+            </a:r>
+          </a:p>
+          <a:p>
+            <a:endParaRPr lang="en-US" dirty="0"/>
+          </a:p>
+          <a:p>
+            <a:r>
+              <a:rPr lang="en-US" dirty="0"/>
+              <a:t>Each challenge slide should list the key goals for the challenge.</a:t>
+            </a:r>
+          </a:p>
+          <a:p>
+            <a:endParaRPr lang="en-US" dirty="0"/>
+          </a:p>
+        </p:txBody>
+      </p:sp>
+      <p:sp>
+        <p:nvSpPr>
+          <p:cNvPr id="4" name="Slide Number Placeholder 3"/>
+          <p:cNvSpPr>
+            <a:spLocks noGrp="1"/>
+          </p:cNvSpPr>
+          <p:nvPr>
+            <p:ph type="sldNum" sz="quarter" idx="10"/>
+          </p:nvPr>
+        </p:nvSpPr>
+        <p:spPr/>
+        <p:txBody>
+          <a:bodyPr/>
+          <a:lstStyle/>
+          <a:p>
+            <a:pPr marL="0" marR="0" lvl="0" indent="0" algn="r" defTabSz="914400" rtl="0" eaLnBrk="1" fontAlgn="auto" latinLnBrk="0" hangingPunct="1">
+              <a:lnSpc>
+                <a:spcPct val="100000"/>
+              </a:lnSpc>
+              <a:spcBef>
+                <a:spcPts val="0"/>
+              </a:spcBef>
+              <a:spcAft>
+                <a:spcPts val="0"/>
+              </a:spcAft>
+              <a:buClrTx/>
+              <a:buSzTx/>
+              <a:buFontTx/>
+              <a:buNone/>
+              <a:tabLst/>
+              <a:defRPr/>
+            </a:pPr>
+            <a:fld id="{871D71AE-08D6-4951-B1CF-CF97299DB5EB}" type="slidenum">
+              <a:rPr kumimoji="0" lang="en-US" sz="1200" b="0" i="0" u="none" strike="noStrike" kern="1200" cap="none" spc="0" normalizeH="0" baseline="0" noProof="0" smtClean="0">
+                <a:ln>
+                  <a:noFill/>
+                </a:ln>
+                <a:solidFill>
+                  <a:prstClr val="black"/>
+                </a:solidFill>
+                <a:effectLst/>
+                <a:uLnTx/>
+                <a:uFillTx/>
+                <a:latin typeface="Calibri" panose="020F0502020204030204"/>
+                <a:ea typeface="+mn-ea"/>
+                <a:cs typeface="+mn-cs"/>
+              </a:rPr>
+              <a:pPr marL="0" marR="0" lvl="0" indent="0" algn="r" defTabSz="914400" rtl="0" eaLnBrk="1" fontAlgn="auto" latinLnBrk="0" hangingPunct="1">
+                <a:lnSpc>
+                  <a:spcPct val="100000"/>
+                </a:lnSpc>
+                <a:spcBef>
+                  <a:spcPts val="0"/>
+                </a:spcBef>
+                <a:spcAft>
+                  <a:spcPts val="0"/>
+                </a:spcAft>
+                <a:buClrTx/>
+                <a:buSzTx/>
+                <a:buFontTx/>
+                <a:buNone/>
+                <a:tabLst/>
+                <a:defRPr/>
+              </a:pPr>
+              <a:t>3</a:t>
+            </a:fld>
+            <a:endParaRPr kumimoji="0" lang="en-US" sz="1200" b="0" i="0" u="none" strike="noStrike" kern="1200" cap="none" spc="0" normalizeH="0" baseline="0" noProof="0">
+              <a:ln>
+                <a:noFill/>
+              </a:ln>
+              <a:solidFill>
+                <a:prstClr val="black"/>
+              </a:solidFill>
+              <a:effectLst/>
+              <a:uLnTx/>
+              <a:uFillTx/>
+              <a:latin typeface="Calibri" panose="020F0502020204030204"/>
+              <a:ea typeface="+mn-ea"/>
+              <a:cs typeface="+mn-cs"/>
+            </a:endParaRPr>
+          </a:p>
+        </p:txBody>
+      </p:sp>
+    </p:spTree>
+    <p:extLst>
+      <p:ext uri="{BB962C8B-B14F-4D97-AF65-F5344CB8AC3E}">
+        <p14:creationId xmlns:p14="http://schemas.microsoft.com/office/powerpoint/2010/main" val="448403279"/>
+      </p:ext>
+    </p:extLst>
+  </p:cSld>
+  <p:clrMapOvr>
+    <a:masterClrMapping/>
+  </p:clrMapOvr>
+</p:notes>
+</file>
+
+<file path=ppt/notesSlides/notesSlide4.xml><?xml version="1.0" encoding="utf-8"?>
+<p:notes xmlns:a="http://schemas.openxmlformats.org/drawingml/2006/main" xmlns:r="http://schemas.openxmlformats.org/officeDocument/2006/relationships" xmlns:p="http://schemas.openxmlformats.org/presentationml/2006/main">
+  <p:cSld>
+    <p:spTree>
+      <p:nvGrpSpPr>
+        <p:cNvPr id="1" name=""/>
+        <p:cNvGrpSpPr/>
+        <p:nvPr/>
+      </p:nvGrpSpPr>
+      <p:grpSpPr>
+        <a:xfrm>
+          <a:off x="0" y="0"/>
+          <a:ext cx="0" cy="0"/>
+          <a:chOff x="0" y="0"/>
+          <a:chExt cx="0" cy="0"/>
+        </a:xfrm>
+      </p:grpSpPr>
+      <p:sp>
+        <p:nvSpPr>
+          <p:cNvPr id="2" name="Slide Image Placeholder 1"/>
+          <p:cNvSpPr>
+            <a:spLocks noGrp="1" noRot="1" noChangeAspect="1"/>
+          </p:cNvSpPr>
+          <p:nvPr>
+            <p:ph type="sldImg"/>
+          </p:nvPr>
+        </p:nvSpPr>
+        <p:spPr/>
+      </p:sp>
+      <p:sp>
+        <p:nvSpPr>
+          <p:cNvPr id="3" name="Notes Placeholder 2"/>
+          <p:cNvSpPr>
+            <a:spLocks noGrp="1"/>
+          </p:cNvSpPr>
+          <p:nvPr>
+            <p:ph type="body" idx="1"/>
+          </p:nvPr>
+        </p:nvSpPr>
+        <p:spPr/>
+        <p:txBody>
+          <a:bodyPr/>
+          <a:lstStyle/>
+          <a:p>
+            <a:r>
+              <a:rPr lang="en-US" dirty="0"/>
+              <a:t>Template for a lecture slide with bullets (if you need them).</a:t>
+            </a:r>
+          </a:p>
+          <a:p>
+            <a:endParaRPr lang="en-US" dirty="0"/>
+          </a:p>
+          <a:p>
+            <a:r>
+              <a:rPr lang="en-US" dirty="0"/>
+              <a:t>Try to NOT use bullet lists in your presentation.  </a:t>
+            </a:r>
+          </a:p>
+          <a:p>
+            <a:r>
+              <a:rPr lang="en-US" dirty="0"/>
+              <a:t>Diagrams, puppy pictures, </a:t>
+            </a:r>
+            <a:r>
+              <a:rPr lang="en-US" dirty="0" err="1"/>
+              <a:t>etc</a:t>
+            </a:r>
+            <a:r>
+              <a:rPr lang="en-US" dirty="0"/>
+              <a:t> are always better. </a:t>
+            </a:r>
+            <a:r>
+              <a:rPr lang="en-US" dirty="0">
+                <a:sym typeface="Wingdings" panose="05000000000000000000" pitchFamily="2" charset="2"/>
+              </a:rPr>
+              <a:t></a:t>
+            </a:r>
+            <a:endParaRPr lang="en-US" dirty="0"/>
+          </a:p>
+        </p:txBody>
+      </p:sp>
+      <p:sp>
+        <p:nvSpPr>
+          <p:cNvPr id="4" name="Slide Number Placeholder 3"/>
+          <p:cNvSpPr>
+            <a:spLocks noGrp="1"/>
+          </p:cNvSpPr>
+          <p:nvPr>
+            <p:ph type="sldNum" sz="quarter" idx="5"/>
+          </p:nvPr>
+        </p:nvSpPr>
+        <p:spPr/>
+        <p:txBody>
+          <a:bodyPr/>
+          <a:lstStyle/>
+          <a:p>
+            <a:pPr marL="0" marR="0" lvl="0" indent="0" algn="r" defTabSz="914400" rtl="0" eaLnBrk="1" fontAlgn="auto" latinLnBrk="0" hangingPunct="1">
+              <a:lnSpc>
+                <a:spcPct val="100000"/>
+              </a:lnSpc>
+              <a:spcBef>
+                <a:spcPts val="0"/>
+              </a:spcBef>
+              <a:spcAft>
+                <a:spcPts val="0"/>
+              </a:spcAft>
+              <a:buClrTx/>
+              <a:buSzTx/>
+              <a:buFontTx/>
+              <a:buNone/>
+              <a:tabLst/>
+              <a:defRPr/>
+            </a:pPr>
+            <a:fld id="{72A19410-49C3-46C5-A633-999FD8C4418C}" type="slidenum">
+              <a:rPr kumimoji="0" lang="en-US" sz="1200" b="0" i="0" u="none" strike="noStrike" kern="1200" cap="none" spc="0" normalizeH="0" baseline="0" noProof="0" smtClean="0">
+                <a:ln>
+                  <a:noFill/>
+                </a:ln>
+                <a:solidFill>
+                  <a:prstClr val="black"/>
+                </a:solidFill>
+                <a:effectLst/>
+                <a:uLnTx/>
+                <a:uFillTx/>
+                <a:latin typeface="Calibri" panose="020F0502020204030204"/>
+                <a:ea typeface="+mn-ea"/>
+                <a:cs typeface="+mn-cs"/>
+              </a:rPr>
+              <a:pPr marL="0" marR="0" lvl="0" indent="0" algn="r" defTabSz="914400" rtl="0" eaLnBrk="1" fontAlgn="auto" latinLnBrk="0" hangingPunct="1">
+                <a:lnSpc>
+                  <a:spcPct val="100000"/>
+                </a:lnSpc>
+                <a:spcBef>
+                  <a:spcPts val="0"/>
+                </a:spcBef>
+                <a:spcAft>
+                  <a:spcPts val="0"/>
+                </a:spcAft>
+                <a:buClrTx/>
+                <a:buSzTx/>
+                <a:buFontTx/>
+                <a:buNone/>
+                <a:tabLst/>
+                <a:defRPr/>
+              </a:pPr>
+              <a:t>5</a:t>
+            </a:fld>
+            <a:endParaRPr kumimoji="0" lang="en-US" sz="1200" b="0" i="0" u="none" strike="noStrike" kern="1200" cap="none" spc="0" normalizeH="0" baseline="0" noProof="0">
+              <a:ln>
+                <a:noFill/>
+              </a:ln>
+              <a:solidFill>
+                <a:prstClr val="black"/>
+              </a:solidFill>
+              <a:effectLst/>
+              <a:uLnTx/>
+              <a:uFillTx/>
+              <a:latin typeface="Calibri" panose="020F0502020204030204"/>
+              <a:ea typeface="+mn-ea"/>
+              <a:cs typeface="+mn-cs"/>
+            </a:endParaRPr>
+          </a:p>
+        </p:txBody>
+      </p:sp>
+    </p:spTree>
+    <p:extLst>
+      <p:ext uri="{BB962C8B-B14F-4D97-AF65-F5344CB8AC3E}">
+        <p14:creationId xmlns:p14="http://schemas.microsoft.com/office/powerpoint/2010/main" val="1249804079"/>
+      </p:ext>
+    </p:extLst>
+  </p:cSld>
+  <p:clrMapOvr>
+    <a:masterClrMapping/>
+  </p:clrMapOvr>
+</p:notes>
+</file>
+
+<file path=ppt/notesSlides/notesSlide5.xml><?xml version="1.0" encoding="utf-8"?>
+<p:notes xmlns:a="http://schemas.openxmlformats.org/drawingml/2006/main" xmlns:r="http://schemas.openxmlformats.org/officeDocument/2006/relationships" xmlns:p="http://schemas.openxmlformats.org/presentationml/2006/main">
+  <p:cSld>
+    <p:spTree>
+      <p:nvGrpSpPr>
+        <p:cNvPr id="1" name=""/>
+        <p:cNvGrpSpPr/>
+        <p:nvPr/>
+      </p:nvGrpSpPr>
+      <p:grpSpPr>
+        <a:xfrm>
+          <a:off x="0" y="0"/>
+          <a:ext cx="0" cy="0"/>
+          <a:chOff x="0" y="0"/>
+          <a:chExt cx="0" cy="0"/>
+        </a:xfrm>
+      </p:grpSpPr>
+      <p:sp>
+        <p:nvSpPr>
+          <p:cNvPr id="2" name="Slide Image Placeholder 1"/>
+          <p:cNvSpPr>
+            <a:spLocks noGrp="1" noRot="1" noChangeAspect="1"/>
+          </p:cNvSpPr>
+          <p:nvPr>
+            <p:ph type="sldImg"/>
+          </p:nvPr>
+        </p:nvSpPr>
+        <p:spPr/>
+      </p:sp>
+      <p:sp>
+        <p:nvSpPr>
+          <p:cNvPr id="3" name="Notes Placeholder 2"/>
+          <p:cNvSpPr>
+            <a:spLocks noGrp="1"/>
+          </p:cNvSpPr>
+          <p:nvPr>
+            <p:ph type="body" idx="1"/>
+          </p:nvPr>
+        </p:nvSpPr>
+        <p:spPr/>
+        <p:txBody>
+          <a:bodyPr/>
+          <a:lstStyle/>
+          <a:p>
+            <a:r>
+              <a:rPr lang="en-US" dirty="0"/>
+              <a:t>For each challenge, list out the key high-level goals.</a:t>
+            </a:r>
+          </a:p>
+          <a:p>
+            <a:r>
+              <a:rPr lang="en-US" dirty="0"/>
+              <a:t>If there are important specifications, list them here, or remind students to “read the student guide!” </a:t>
+            </a:r>
+          </a:p>
+        </p:txBody>
+      </p:sp>
+      <p:sp>
+        <p:nvSpPr>
+          <p:cNvPr id="4" name="Slide Number Placeholder 3"/>
+          <p:cNvSpPr>
+            <a:spLocks noGrp="1"/>
+          </p:cNvSpPr>
+          <p:nvPr>
+            <p:ph type="sldNum" sz="quarter" idx="10"/>
+          </p:nvPr>
+        </p:nvSpPr>
+        <p:spPr/>
+        <p:txBody>
+          <a:bodyPr/>
+          <a:lstStyle/>
+          <a:p>
+            <a:pPr marL="0" marR="0" lvl="0" indent="0" algn="r" defTabSz="914400" rtl="0" eaLnBrk="1" fontAlgn="auto" latinLnBrk="0" hangingPunct="1">
+              <a:lnSpc>
+                <a:spcPct val="100000"/>
+              </a:lnSpc>
+              <a:spcBef>
+                <a:spcPts val="0"/>
+              </a:spcBef>
+              <a:spcAft>
+                <a:spcPts val="0"/>
+              </a:spcAft>
+              <a:buClrTx/>
+              <a:buSzTx/>
+              <a:buFontTx/>
+              <a:buNone/>
+              <a:tabLst/>
+              <a:defRPr/>
+            </a:pPr>
+            <a:fld id="{871D71AE-08D6-4951-B1CF-CF97299DB5EB}" type="slidenum">
+              <a:rPr kumimoji="0" lang="en-US" sz="1200" b="0" i="0" u="none" strike="noStrike" kern="1200" cap="none" spc="0" normalizeH="0" baseline="0" noProof="0" smtClean="0">
+                <a:ln>
+                  <a:noFill/>
+                </a:ln>
+                <a:solidFill>
+                  <a:prstClr val="black"/>
+                </a:solidFill>
+                <a:effectLst/>
+                <a:uLnTx/>
+                <a:uFillTx/>
+                <a:latin typeface="Calibri" panose="020F0502020204030204"/>
+                <a:ea typeface="+mn-ea"/>
+                <a:cs typeface="+mn-cs"/>
+              </a:rPr>
+              <a:pPr marL="0" marR="0" lvl="0" indent="0" algn="r" defTabSz="914400" rtl="0" eaLnBrk="1" fontAlgn="auto" latinLnBrk="0" hangingPunct="1">
+                <a:lnSpc>
+                  <a:spcPct val="100000"/>
+                </a:lnSpc>
+                <a:spcBef>
+                  <a:spcPts val="0"/>
+                </a:spcBef>
+                <a:spcAft>
+                  <a:spcPts val="0"/>
+                </a:spcAft>
+                <a:buClrTx/>
+                <a:buSzTx/>
+                <a:buFontTx/>
+                <a:buNone/>
+                <a:tabLst/>
+                <a:defRPr/>
+              </a:pPr>
+              <a:t>6</a:t>
+            </a:fld>
+            <a:endParaRPr kumimoji="0" lang="en-US" sz="1200" b="0" i="0" u="none" strike="noStrike" kern="1200" cap="none" spc="0" normalizeH="0" baseline="0" noProof="0">
+              <a:ln>
+                <a:noFill/>
+              </a:ln>
+              <a:solidFill>
+                <a:prstClr val="black"/>
+              </a:solidFill>
+              <a:effectLst/>
+              <a:uLnTx/>
+              <a:uFillTx/>
+              <a:latin typeface="Calibri" panose="020F0502020204030204"/>
+              <a:ea typeface="+mn-ea"/>
+              <a:cs typeface="+mn-cs"/>
+            </a:endParaRPr>
+          </a:p>
+        </p:txBody>
+      </p:sp>
+    </p:spTree>
+    <p:extLst>
+      <p:ext uri="{BB962C8B-B14F-4D97-AF65-F5344CB8AC3E}">
+        <p14:creationId xmlns:p14="http://schemas.microsoft.com/office/powerpoint/2010/main" val="76796664"/>
+      </p:ext>
+    </p:extLst>
+  </p:cSld>
+  <p:clrMapOvr>
+    <a:masterClrMapping/>
+  </p:clrMapOvr>
+</p:notes>
+</file>
+
+<file path=ppt/notesSlides/notesSlide6.xml><?xml version="1.0" encoding="utf-8"?>
+<p:notes xmlns:a="http://schemas.openxmlformats.org/drawingml/2006/main" xmlns:r="http://schemas.openxmlformats.org/officeDocument/2006/relationships" xmlns:p="http://schemas.openxmlformats.org/presentationml/2006/main">
+  <p:cSld>
+    <p:spTree>
+      <p:nvGrpSpPr>
+        <p:cNvPr id="1" name=""/>
+        <p:cNvGrpSpPr/>
+        <p:nvPr/>
+      </p:nvGrpSpPr>
+      <p:grpSpPr>
+        <a:xfrm>
+          <a:off x="0" y="0"/>
+          <a:ext cx="0" cy="0"/>
+          <a:chOff x="0" y="0"/>
+          <a:chExt cx="0" cy="0"/>
+        </a:xfrm>
+      </p:grpSpPr>
+      <p:sp>
+        <p:nvSpPr>
+          <p:cNvPr id="2" name="Slide Image Placeholder 1"/>
+          <p:cNvSpPr>
+            <a:spLocks noGrp="1" noRot="1" noChangeAspect="1"/>
+          </p:cNvSpPr>
+          <p:nvPr>
+            <p:ph type="sldImg"/>
+          </p:nvPr>
+        </p:nvSpPr>
+        <p:spPr/>
+      </p:sp>
+      <p:sp>
+        <p:nvSpPr>
+          <p:cNvPr id="3" name="Notes Placeholder 2"/>
+          <p:cNvSpPr>
+            <a:spLocks noGrp="1"/>
+          </p:cNvSpPr>
+          <p:nvPr>
+            <p:ph type="body" idx="1"/>
+          </p:nvPr>
+        </p:nvSpPr>
+        <p:spPr/>
+        <p:txBody>
+          <a:bodyPr/>
+          <a:lstStyle/>
+          <a:p>
+            <a:r>
+              <a:rPr lang="en-US" dirty="0"/>
+              <a:t>Template for a lecture slide with bullets (if you need them).</a:t>
+            </a:r>
+          </a:p>
+          <a:p>
+            <a:endParaRPr lang="en-US" dirty="0"/>
+          </a:p>
+          <a:p>
+            <a:r>
+              <a:rPr lang="en-US" dirty="0"/>
+              <a:t>Try to NOT use bullet lists in your presentation.  </a:t>
+            </a:r>
+          </a:p>
+          <a:p>
+            <a:r>
+              <a:rPr lang="en-US" dirty="0"/>
+              <a:t>Diagrams, puppy pictures, </a:t>
+            </a:r>
+            <a:r>
+              <a:rPr lang="en-US" dirty="0" err="1"/>
+              <a:t>etc</a:t>
+            </a:r>
+            <a:r>
+              <a:rPr lang="en-US" dirty="0"/>
+              <a:t> are always better. </a:t>
+            </a:r>
+            <a:r>
+              <a:rPr lang="en-US" dirty="0">
+                <a:sym typeface="Wingdings" panose="05000000000000000000" pitchFamily="2" charset="2"/>
+              </a:rPr>
+              <a:t></a:t>
+            </a:r>
+            <a:endParaRPr lang="en-US" dirty="0"/>
+          </a:p>
+        </p:txBody>
+      </p:sp>
+      <p:sp>
+        <p:nvSpPr>
+          <p:cNvPr id="4" name="Slide Number Placeholder 3"/>
+          <p:cNvSpPr>
+            <a:spLocks noGrp="1"/>
+          </p:cNvSpPr>
+          <p:nvPr>
+            <p:ph type="sldNum" sz="quarter" idx="5"/>
+          </p:nvPr>
+        </p:nvSpPr>
+        <p:spPr/>
+        <p:txBody>
+          <a:bodyPr/>
+          <a:lstStyle/>
+          <a:p>
+            <a:pPr marL="0" marR="0" lvl="0" indent="0" algn="r" defTabSz="914400" rtl="0" eaLnBrk="1" fontAlgn="auto" latinLnBrk="0" hangingPunct="1">
+              <a:lnSpc>
+                <a:spcPct val="100000"/>
+              </a:lnSpc>
+              <a:spcBef>
+                <a:spcPts val="0"/>
+              </a:spcBef>
+              <a:spcAft>
+                <a:spcPts val="0"/>
+              </a:spcAft>
+              <a:buClrTx/>
+              <a:buSzTx/>
+              <a:buFontTx/>
+              <a:buNone/>
+              <a:tabLst/>
+              <a:defRPr/>
+            </a:pPr>
+            <a:fld id="{72A19410-49C3-46C5-A633-999FD8C4418C}" type="slidenum">
+              <a:rPr kumimoji="0" lang="en-US" sz="1200" b="0" i="0" u="none" strike="noStrike" kern="1200" cap="none" spc="0" normalizeH="0" baseline="0" noProof="0" smtClean="0">
+                <a:ln>
+                  <a:noFill/>
+                </a:ln>
+                <a:solidFill>
+                  <a:prstClr val="black"/>
+                </a:solidFill>
+                <a:effectLst/>
+                <a:uLnTx/>
+                <a:uFillTx/>
+                <a:latin typeface="Calibri" panose="020F0502020204030204"/>
+                <a:ea typeface="+mn-ea"/>
+                <a:cs typeface="+mn-cs"/>
+              </a:rPr>
+              <a:pPr marL="0" marR="0" lvl="0" indent="0" algn="r" defTabSz="914400" rtl="0" eaLnBrk="1" fontAlgn="auto" latinLnBrk="0" hangingPunct="1">
+                <a:lnSpc>
+                  <a:spcPct val="100000"/>
+                </a:lnSpc>
+                <a:spcBef>
+                  <a:spcPts val="0"/>
+                </a:spcBef>
+                <a:spcAft>
+                  <a:spcPts val="0"/>
+                </a:spcAft>
+                <a:buClrTx/>
+                <a:buSzTx/>
+                <a:buFontTx/>
+                <a:buNone/>
+                <a:tabLst/>
+                <a:defRPr/>
+              </a:pPr>
+              <a:t>8</a:t>
+            </a:fld>
+            <a:endParaRPr kumimoji="0" lang="en-US" sz="1200" b="0" i="0" u="none" strike="noStrike" kern="1200" cap="none" spc="0" normalizeH="0" baseline="0" noProof="0">
+              <a:ln>
+                <a:noFill/>
+              </a:ln>
+              <a:solidFill>
+                <a:prstClr val="black"/>
+              </a:solidFill>
+              <a:effectLst/>
+              <a:uLnTx/>
+              <a:uFillTx/>
+              <a:latin typeface="Calibri" panose="020F0502020204030204"/>
+              <a:ea typeface="+mn-ea"/>
+              <a:cs typeface="+mn-cs"/>
+            </a:endParaRPr>
+          </a:p>
+        </p:txBody>
+      </p:sp>
+    </p:spTree>
+    <p:extLst>
+      <p:ext uri="{BB962C8B-B14F-4D97-AF65-F5344CB8AC3E}">
+        <p14:creationId xmlns:p14="http://schemas.microsoft.com/office/powerpoint/2010/main" val="3411555569"/>
+      </p:ext>
+    </p:extLst>
+  </p:cSld>
+  <p:clrMapOvr>
+    <a:masterClrMapping/>
+  </p:clrMapOvr>
+</p:notes>
+</file>
+
+<file path=ppt/notesSlides/notesSlide7.xml><?xml version="1.0" encoding="utf-8"?>
+<p:notes xmlns:a="http://schemas.openxmlformats.org/drawingml/2006/main" xmlns:r="http://schemas.openxmlformats.org/officeDocument/2006/relationships" xmlns:p="http://schemas.openxmlformats.org/presentationml/2006/main">
+  <p:cSld>
+    <p:spTree>
+      <p:nvGrpSpPr>
+        <p:cNvPr id="1" name=""/>
+        <p:cNvGrpSpPr/>
+        <p:nvPr/>
+      </p:nvGrpSpPr>
+      <p:grpSpPr>
+        <a:xfrm>
+          <a:off x="0" y="0"/>
+          <a:ext cx="0" cy="0"/>
+          <a:chOff x="0" y="0"/>
+          <a:chExt cx="0" cy="0"/>
+        </a:xfrm>
+      </p:grpSpPr>
+      <p:sp>
+        <p:nvSpPr>
+          <p:cNvPr id="2" name="Slide Image Placeholder 1"/>
+          <p:cNvSpPr>
+            <a:spLocks noGrp="1" noRot="1" noChangeAspect="1"/>
+          </p:cNvSpPr>
+          <p:nvPr>
+            <p:ph type="sldImg"/>
+          </p:nvPr>
+        </p:nvSpPr>
+        <p:spPr/>
+      </p:sp>
+      <p:sp>
+        <p:nvSpPr>
+          <p:cNvPr id="3" name="Notes Placeholder 2"/>
+          <p:cNvSpPr>
+            <a:spLocks noGrp="1"/>
+          </p:cNvSpPr>
+          <p:nvPr>
+            <p:ph type="body" idx="1"/>
+          </p:nvPr>
+        </p:nvSpPr>
+        <p:spPr/>
+        <p:txBody>
+          <a:bodyPr/>
+          <a:lstStyle/>
+          <a:p>
+            <a:r>
+              <a:rPr lang="en-US" dirty="0"/>
+              <a:t>For each challenge, list out the key high-level goals.</a:t>
+            </a:r>
+          </a:p>
+          <a:p>
+            <a:r>
+              <a:rPr lang="en-US" dirty="0"/>
+              <a:t>If there are important specifications, list them here, or remind students to “read the student guide!” </a:t>
+            </a:r>
+          </a:p>
+        </p:txBody>
+      </p:sp>
+      <p:sp>
+        <p:nvSpPr>
+          <p:cNvPr id="4" name="Slide Number Placeholder 3"/>
+          <p:cNvSpPr>
+            <a:spLocks noGrp="1"/>
+          </p:cNvSpPr>
+          <p:nvPr>
+            <p:ph type="sldNum" sz="quarter" idx="10"/>
+          </p:nvPr>
+        </p:nvSpPr>
+        <p:spPr/>
+        <p:txBody>
+          <a:bodyPr/>
+          <a:lstStyle/>
+          <a:p>
+            <a:pPr marL="0" marR="0" lvl="0" indent="0" algn="r" defTabSz="914400" rtl="0" eaLnBrk="1" fontAlgn="auto" latinLnBrk="0" hangingPunct="1">
+              <a:lnSpc>
+                <a:spcPct val="100000"/>
+              </a:lnSpc>
+              <a:spcBef>
+                <a:spcPts val="0"/>
+              </a:spcBef>
+              <a:spcAft>
+                <a:spcPts val="0"/>
+              </a:spcAft>
+              <a:buClrTx/>
+              <a:buSzTx/>
+              <a:buFontTx/>
+              <a:buNone/>
+              <a:tabLst/>
+              <a:defRPr/>
+            </a:pPr>
+            <a:fld id="{871D71AE-08D6-4951-B1CF-CF97299DB5EB}" type="slidenum">
+              <a:rPr kumimoji="0" lang="en-US" sz="1200" b="0" i="0" u="none" strike="noStrike" kern="1200" cap="none" spc="0" normalizeH="0" baseline="0" noProof="0" smtClean="0">
+                <a:ln>
+                  <a:noFill/>
+                </a:ln>
+                <a:solidFill>
+                  <a:prstClr val="black"/>
+                </a:solidFill>
+                <a:effectLst/>
+                <a:uLnTx/>
+                <a:uFillTx/>
+                <a:latin typeface="Calibri" panose="020F0502020204030204"/>
+                <a:ea typeface="+mn-ea"/>
+                <a:cs typeface="+mn-cs"/>
+              </a:rPr>
+              <a:pPr marL="0" marR="0" lvl="0" indent="0" algn="r" defTabSz="914400" rtl="0" eaLnBrk="1" fontAlgn="auto" latinLnBrk="0" hangingPunct="1">
+                <a:lnSpc>
+                  <a:spcPct val="100000"/>
+                </a:lnSpc>
+                <a:spcBef>
+                  <a:spcPts val="0"/>
+                </a:spcBef>
+                <a:spcAft>
+                  <a:spcPts val="0"/>
+                </a:spcAft>
+                <a:buClrTx/>
+                <a:buSzTx/>
+                <a:buFontTx/>
+                <a:buNone/>
+                <a:tabLst/>
+                <a:defRPr/>
+              </a:pPr>
+              <a:t>9</a:t>
+            </a:fld>
+            <a:endParaRPr kumimoji="0" lang="en-US" sz="1200" b="0" i="0" u="none" strike="noStrike" kern="1200" cap="none" spc="0" normalizeH="0" baseline="0" noProof="0">
+              <a:ln>
+                <a:noFill/>
+              </a:ln>
+              <a:solidFill>
+                <a:prstClr val="black"/>
+              </a:solidFill>
+              <a:effectLst/>
+              <a:uLnTx/>
+              <a:uFillTx/>
+              <a:latin typeface="Calibri" panose="020F0502020204030204"/>
+              <a:ea typeface="+mn-ea"/>
+              <a:cs typeface="+mn-cs"/>
+            </a:endParaRPr>
+          </a:p>
+        </p:txBody>
+      </p:sp>
+    </p:spTree>
+    <p:extLst>
+      <p:ext uri="{BB962C8B-B14F-4D97-AF65-F5344CB8AC3E}">
+        <p14:creationId xmlns:p14="http://schemas.microsoft.com/office/powerpoint/2010/main" val="705387831"/>
+      </p:ext>
+    </p:extLst>
+  </p:cSld>
+  <p:clrMapOvr>
+    <a:masterClrMapping/>
+  </p:clrMapOvr>
+</p:notes>
+</file>
+
+<file path=ppt/notesSlides/notesSlide8.xml><?xml version="1.0" encoding="utf-8"?>
 <p:notes xmlns:a="http://schemas.openxmlformats.org/drawingml/2006/main" xmlns:r="http://schemas.openxmlformats.org/officeDocument/2006/relationships" xmlns:p="http://schemas.openxmlformats.org/presentationml/2006/main">
   <p:cSld>
     <p:spTree>
@@ -1172,7 +2314,7 @@
     </p:spTree>
     <p:extLst>
       <p:ext uri="{BB962C8B-B14F-4D97-AF65-F5344CB8AC3E}">
-        <p14:creationId xmlns:p14="http://schemas.microsoft.com/office/powerpoint/2010/main" val="711079993"/>
+        <p14:creationId xmlns:p14="http://schemas.microsoft.com/office/powerpoint/2010/main" val="1826291477"/>
       </p:ext>
     </p:extLst>
   </p:cSld>
@@ -1182,7 +2324,7 @@
 </p:notes>
 </file>
 
-<file path=ppt/notesSlides/notesSlide12.xml><?xml version="1.0" encoding="utf-8"?>
+<file path=ppt/notesSlides/notesSlide9.xml><?xml version="1.0" encoding="utf-8"?>
 <p:notes xmlns:a="http://schemas.openxmlformats.org/drawingml/2006/main" xmlns:r="http://schemas.openxmlformats.org/officeDocument/2006/relationships" xmlns:p="http://schemas.openxmlformats.org/presentationml/2006/main">
   <p:cSld>
     <p:spTree>
@@ -1335,9 +2477,20 @@
 </p:notes>
 </file>
 
-<file path=ppt/notesSlides/notesSlide13.xml><?xml version="1.0" encoding="utf-8"?>
-<p:notes xmlns:a="http://schemas.openxmlformats.org/drawingml/2006/main" xmlns:r="http://schemas.openxmlformats.org/officeDocument/2006/relationships" xmlns:p="http://schemas.openxmlformats.org/presentationml/2006/main">
-  <p:cSld>
+<file path=ppt/slideLayouts/slideLayout1.xml><?xml version="1.0" encoding="utf-8"?>
+<p:sldLayout xmlns:a="http://schemas.openxmlformats.org/drawingml/2006/main" xmlns:r="http://schemas.openxmlformats.org/officeDocument/2006/relationships" xmlns:p="http://schemas.openxmlformats.org/presentationml/2006/main" showMasterSp="0" type="title" preserve="1">
+  <p:cSld name="Title Slide">
+    <p:bg>
+      <p:bgPr>
+        <a:solidFill>
+          <a:schemeClr val="tx1">
+            <a:lumMod val="85000"/>
+            <a:lumOff val="15000"/>
+          </a:schemeClr>
+        </a:solidFill>
+        <a:effectLst/>
+      </p:bgPr>
+    </p:bg>
     <p:spTree>
       <p:nvGrpSpPr>
         <p:cNvPr id="1" name=""/>
@@ -1354,1546 +2507,6 @@
       </p:grpSpPr>
       <p:sp>
         <p:nvSpPr>
-          <p:cNvPr id="2" name="Slide Image Placeholder 1"/>
-          <p:cNvSpPr>
-            <a:spLocks noGrp="1" noRot="1" noChangeAspect="1"/>
-          </p:cNvSpPr>
-          <p:nvPr>
-            <p:ph type="sldImg"/>
-          </p:nvPr>
-        </p:nvSpPr>
-        <p:spPr/>
-      </p:sp>
-      <p:sp>
-        <p:nvSpPr>
-          <p:cNvPr id="3" name="Notes Placeholder 2"/>
-          <p:cNvSpPr>
-            <a:spLocks noGrp="1"/>
-          </p:cNvSpPr>
-          <p:nvPr>
-            <p:ph type="body" idx="1"/>
-          </p:nvPr>
-        </p:nvSpPr>
-        <p:spPr/>
-        <p:txBody>
-          <a:bodyPr/>
-          <a:lstStyle/>
-          <a:p>
-            <a:r>
-              <a:rPr lang="en-US" dirty="0"/>
-              <a:t>Thank students for attending and share the link to the What The Hack website with them.</a:t>
-            </a:r>
-          </a:p>
-          <a:p>
-            <a:endParaRPr lang="en-US" dirty="0"/>
-          </a:p>
-          <a:p>
-            <a:endParaRPr lang="en-US" dirty="0"/>
-          </a:p>
-        </p:txBody>
-      </p:sp>
-      <p:sp>
-        <p:nvSpPr>
-          <p:cNvPr id="4" name="Slide Number Placeholder 3"/>
-          <p:cNvSpPr>
-            <a:spLocks noGrp="1"/>
-          </p:cNvSpPr>
-          <p:nvPr>
-            <p:ph type="sldNum" sz="quarter" idx="10"/>
-          </p:nvPr>
-        </p:nvSpPr>
-        <p:spPr/>
-        <p:txBody>
-          <a:bodyPr/>
-          <a:lstStyle/>
-          <a:p>
-            <a:pPr marL="0" marR="0" lvl="0" indent="0" algn="r" defTabSz="914400" rtl="0" eaLnBrk="1" fontAlgn="auto" latinLnBrk="0" hangingPunct="1">
-              <a:lnSpc>
-                <a:spcPct val="100000"/>
-              </a:lnSpc>
-              <a:spcBef>
-                <a:spcPts val="0"/>
-              </a:spcBef>
-              <a:spcAft>
-                <a:spcPts val="0"/>
-              </a:spcAft>
-              <a:buClrTx/>
-              <a:buSzTx/>
-              <a:buFontTx/>
-              <a:buNone/>
-              <a:tabLst/>
-              <a:defRPr/>
-            </a:pPr>
-            <a:fld id="{315375D1-61FB-3243-8074-59CD809395A7}" type="slidenum">
-              <a:rPr kumimoji="0" lang="en-US" sz="1200" b="0" i="0" u="none" strike="noStrike" kern="1200" cap="none" spc="0" normalizeH="0" baseline="0" noProof="0" smtClean="0">
-                <a:ln>
-                  <a:noFill/>
-                </a:ln>
-                <a:solidFill>
-                  <a:prstClr val="black"/>
-                </a:solidFill>
-                <a:effectLst/>
-                <a:uLnTx/>
-                <a:uFillTx/>
-                <a:latin typeface="Calibri" panose="020F0502020204030204"/>
-                <a:ea typeface="+mn-ea"/>
-                <a:cs typeface="+mn-cs"/>
-              </a:rPr>
-              <a:pPr marL="0" marR="0" lvl="0" indent="0" algn="r" defTabSz="914400" rtl="0" eaLnBrk="1" fontAlgn="auto" latinLnBrk="0" hangingPunct="1">
-                <a:lnSpc>
-                  <a:spcPct val="100000"/>
-                </a:lnSpc>
-                <a:spcBef>
-                  <a:spcPts val="0"/>
-                </a:spcBef>
-                <a:spcAft>
-                  <a:spcPts val="0"/>
-                </a:spcAft>
-                <a:buClrTx/>
-                <a:buSzTx/>
-                <a:buFontTx/>
-                <a:buNone/>
-                <a:tabLst/>
-                <a:defRPr/>
-              </a:pPr>
-              <a:t>13</a:t>
-            </a:fld>
-            <a:endParaRPr kumimoji="0" lang="en-US" sz="1200" b="0" i="0" u="none" strike="noStrike" kern="1200" cap="none" spc="0" normalizeH="0" baseline="0" noProof="0" dirty="0">
-              <a:ln>
-                <a:noFill/>
-              </a:ln>
-              <a:solidFill>
-                <a:prstClr val="black"/>
-              </a:solidFill>
-              <a:effectLst/>
-              <a:uLnTx/>
-              <a:uFillTx/>
-              <a:latin typeface="Calibri" panose="020F0502020204030204"/>
-              <a:ea typeface="+mn-ea"/>
-              <a:cs typeface="+mn-cs"/>
-            </a:endParaRPr>
-          </a:p>
-        </p:txBody>
-      </p:sp>
-    </p:spTree>
-    <p:extLst>
-      <p:ext uri="{BB962C8B-B14F-4D97-AF65-F5344CB8AC3E}">
-        <p14:creationId xmlns:p14="http://schemas.microsoft.com/office/powerpoint/2010/main" val="1917725678"/>
-      </p:ext>
-    </p:extLst>
-  </p:cSld>
-  <p:clrMapOvr>
-    <a:masterClrMapping/>
-  </p:clrMapOvr>
-</p:notes>
-</file>
-
-<file path=ppt/notesSlides/notesSlide2.xml><?xml version="1.0" encoding="utf-8"?>
-<p:notes xmlns:a="http://schemas.openxmlformats.org/drawingml/2006/main" xmlns:r="http://schemas.openxmlformats.org/officeDocument/2006/relationships" xmlns:p="http://schemas.openxmlformats.org/presentationml/2006/main">
-  <p:cSld>
-    <p:spTree>
-      <p:nvGrpSpPr>
-        <p:cNvPr id="1" name=""/>
-        <p:cNvGrpSpPr/>
-        <p:nvPr/>
-      </p:nvGrpSpPr>
-      <p:grpSpPr>
-        <a:xfrm>
-          <a:off x="0" y="0"/>
-          <a:ext cx="0" cy="0"/>
-          <a:chOff x="0" y="0"/>
-          <a:chExt cx="0" cy="0"/>
-        </a:xfrm>
-      </p:grpSpPr>
-      <p:sp>
-        <p:nvSpPr>
-          <p:cNvPr id="2" name="Slide Image Placeholder 1"/>
-          <p:cNvSpPr>
-            <a:spLocks noGrp="1" noRot="1" noChangeAspect="1"/>
-          </p:cNvSpPr>
-          <p:nvPr>
-            <p:ph type="sldImg"/>
-          </p:nvPr>
-        </p:nvSpPr>
-        <p:spPr/>
-      </p:sp>
-      <p:sp>
-        <p:nvSpPr>
-          <p:cNvPr id="3" name="Notes Placeholder 2"/>
-          <p:cNvSpPr>
-            <a:spLocks noGrp="1"/>
-          </p:cNvSpPr>
-          <p:nvPr>
-            <p:ph type="body" idx="1"/>
-          </p:nvPr>
-        </p:nvSpPr>
-        <p:spPr/>
-        <p:txBody>
-          <a:bodyPr/>
-          <a:lstStyle/>
-          <a:p>
-            <a:r>
-              <a:rPr lang="en-US" b="1" dirty="0"/>
-              <a:t>Coaches/Presenters for THIS hack/lecture event should be listed on this slide.</a:t>
-            </a:r>
-          </a:p>
-          <a:p>
-            <a:endParaRPr lang="en-US" dirty="0"/>
-          </a:p>
-          <a:p>
-            <a:r>
-              <a:rPr lang="en-US" dirty="0"/>
-              <a:t>Original contributors to the hack content &amp; these slides include:</a:t>
-            </a:r>
-          </a:p>
-          <a:p>
-            <a:endParaRPr lang="en-US" dirty="0"/>
-          </a:p>
-          <a:p>
-            <a:r>
-              <a:rPr lang="en-US" dirty="0"/>
-              <a:t>Please list original contributors to this hack here in the speaker notes and give them credit when delivering this content.</a:t>
-            </a:r>
-          </a:p>
-          <a:p>
-            <a:endParaRPr lang="en-US" dirty="0"/>
-          </a:p>
-          <a:p>
-            <a:r>
-              <a:rPr lang="en-US" dirty="0"/>
-              <a:t>&lt;Original Author 1&gt;</a:t>
-            </a:r>
-          </a:p>
-          <a:p>
-            <a:r>
-              <a:rPr lang="en-US" dirty="0"/>
-              <a:t>&lt;Original Author 2&gt;</a:t>
-            </a:r>
-          </a:p>
-          <a:p>
-            <a:r>
-              <a:rPr lang="en-US" dirty="0"/>
-              <a:t>…</a:t>
-            </a:r>
-          </a:p>
-          <a:p>
-            <a:r>
-              <a:rPr lang="en-US" dirty="0"/>
-              <a:t>&lt;Original Author N&gt;</a:t>
-            </a:r>
-          </a:p>
-        </p:txBody>
-      </p:sp>
-      <p:sp>
-        <p:nvSpPr>
-          <p:cNvPr id="4" name="Slide Number Placeholder 3"/>
-          <p:cNvSpPr>
-            <a:spLocks noGrp="1"/>
-          </p:cNvSpPr>
-          <p:nvPr>
-            <p:ph type="sldNum" sz="quarter" idx="10"/>
-          </p:nvPr>
-        </p:nvSpPr>
-        <p:spPr/>
-        <p:txBody>
-          <a:bodyPr/>
-          <a:lstStyle/>
-          <a:p>
-            <a:pPr marL="0" marR="0" lvl="0" indent="0" algn="r" defTabSz="914400" rtl="0" eaLnBrk="1" fontAlgn="auto" latinLnBrk="0" hangingPunct="1">
-              <a:lnSpc>
-                <a:spcPct val="100000"/>
-              </a:lnSpc>
-              <a:spcBef>
-                <a:spcPts val="0"/>
-              </a:spcBef>
-              <a:spcAft>
-                <a:spcPts val="0"/>
-              </a:spcAft>
-              <a:buClrTx/>
-              <a:buSzTx/>
-              <a:buFontTx/>
-              <a:buNone/>
-              <a:tabLst/>
-              <a:defRPr/>
-            </a:pPr>
-            <a:fld id="{4C3A18DF-2E2C-4B51-B31A-8EAAD44872AA}" type="slidenum">
-              <a:rPr kumimoji="0" lang="en-US" sz="1200" b="0" i="0" u="none" strike="noStrike" kern="1200" cap="none" spc="0" normalizeH="0" baseline="0" noProof="0" smtClean="0">
-                <a:ln>
-                  <a:noFill/>
-                </a:ln>
-                <a:solidFill>
-                  <a:prstClr val="black"/>
-                </a:solidFill>
-                <a:effectLst/>
-                <a:uLnTx/>
-                <a:uFillTx/>
-                <a:latin typeface="Calibri" panose="020F0502020204030204"/>
-                <a:ea typeface="+mn-ea"/>
-                <a:cs typeface="+mn-cs"/>
-              </a:rPr>
-              <a:pPr marL="0" marR="0" lvl="0" indent="0" algn="r" defTabSz="914400" rtl="0" eaLnBrk="1" fontAlgn="auto" latinLnBrk="0" hangingPunct="1">
-                <a:lnSpc>
-                  <a:spcPct val="100000"/>
-                </a:lnSpc>
-                <a:spcBef>
-                  <a:spcPts val="0"/>
-                </a:spcBef>
-                <a:spcAft>
-                  <a:spcPts val="0"/>
-                </a:spcAft>
-                <a:buClrTx/>
-                <a:buSzTx/>
-                <a:buFontTx/>
-                <a:buNone/>
-                <a:tabLst/>
-                <a:defRPr/>
-              </a:pPr>
-              <a:t>2</a:t>
-            </a:fld>
-            <a:endParaRPr kumimoji="0" lang="en-US" sz="1200" b="0" i="0" u="none" strike="noStrike" kern="1200" cap="none" spc="0" normalizeH="0" baseline="0" noProof="0">
-              <a:ln>
-                <a:noFill/>
-              </a:ln>
-              <a:solidFill>
-                <a:prstClr val="black"/>
-              </a:solidFill>
-              <a:effectLst/>
-              <a:uLnTx/>
-              <a:uFillTx/>
-              <a:latin typeface="Calibri" panose="020F0502020204030204"/>
-              <a:ea typeface="+mn-ea"/>
-              <a:cs typeface="+mn-cs"/>
-            </a:endParaRPr>
-          </a:p>
-        </p:txBody>
-      </p:sp>
-    </p:spTree>
-    <p:extLst>
-      <p:ext uri="{BB962C8B-B14F-4D97-AF65-F5344CB8AC3E}">
-        <p14:creationId xmlns:p14="http://schemas.microsoft.com/office/powerpoint/2010/main" val="2439682645"/>
-      </p:ext>
-    </p:extLst>
-  </p:cSld>
-  <p:clrMapOvr>
-    <a:masterClrMapping/>
-  </p:clrMapOvr>
-</p:notes>
-</file>
-
-<file path=ppt/notesSlides/notesSlide3.xml><?xml version="1.0" encoding="utf-8"?>
-<p:notes xmlns:a="http://schemas.openxmlformats.org/drawingml/2006/main" xmlns:r="http://schemas.openxmlformats.org/officeDocument/2006/relationships" xmlns:p="http://schemas.openxmlformats.org/presentationml/2006/main">
-  <p:cSld>
-    <p:spTree>
-      <p:nvGrpSpPr>
-        <p:cNvPr id="1" name=""/>
-        <p:cNvGrpSpPr/>
-        <p:nvPr/>
-      </p:nvGrpSpPr>
-      <p:grpSpPr>
-        <a:xfrm>
-          <a:off x="0" y="0"/>
-          <a:ext cx="0" cy="0"/>
-          <a:chOff x="0" y="0"/>
-          <a:chExt cx="0" cy="0"/>
-        </a:xfrm>
-      </p:grpSpPr>
-      <p:sp>
-        <p:nvSpPr>
-          <p:cNvPr id="2" name="Slide Image Placeholder 1"/>
-          <p:cNvSpPr>
-            <a:spLocks noGrp="1" noRot="1" noChangeAspect="1"/>
-          </p:cNvSpPr>
-          <p:nvPr>
-            <p:ph type="sldImg"/>
-          </p:nvPr>
-        </p:nvSpPr>
-        <p:spPr/>
-      </p:sp>
-      <p:sp>
-        <p:nvSpPr>
-          <p:cNvPr id="3" name="Notes Placeholder 2"/>
-          <p:cNvSpPr>
-            <a:spLocks noGrp="1"/>
-          </p:cNvSpPr>
-          <p:nvPr>
-            <p:ph type="body" idx="1"/>
-          </p:nvPr>
-        </p:nvSpPr>
-        <p:spPr/>
-        <p:txBody>
-          <a:bodyPr/>
-          <a:lstStyle/>
-          <a:p>
-            <a:r>
-              <a:rPr lang="en-US" dirty="0"/>
-              <a:t>Modify this slide and add the pre-</a:t>
-            </a:r>
-            <a:r>
-              <a:rPr lang="en-US" dirty="0" err="1"/>
-              <a:t>reqs</a:t>
-            </a:r>
-            <a:r>
-              <a:rPr lang="en-US" dirty="0"/>
-              <a:t> specific to your hack here.</a:t>
-            </a:r>
-          </a:p>
-          <a:p>
-            <a:endParaRPr lang="en-US" dirty="0"/>
-          </a:p>
-          <a:p>
-            <a:r>
-              <a:rPr lang="en-US" dirty="0"/>
-              <a:t>Each challenge slide should list the key goals for the challenge.</a:t>
-            </a:r>
-          </a:p>
-          <a:p>
-            <a:endParaRPr lang="en-US" dirty="0"/>
-          </a:p>
-        </p:txBody>
-      </p:sp>
-      <p:sp>
-        <p:nvSpPr>
-          <p:cNvPr id="4" name="Slide Number Placeholder 3"/>
-          <p:cNvSpPr>
-            <a:spLocks noGrp="1"/>
-          </p:cNvSpPr>
-          <p:nvPr>
-            <p:ph type="sldNum" sz="quarter" idx="10"/>
-          </p:nvPr>
-        </p:nvSpPr>
-        <p:spPr/>
-        <p:txBody>
-          <a:bodyPr/>
-          <a:lstStyle/>
-          <a:p>
-            <a:pPr marL="0" marR="0" lvl="0" indent="0" algn="r" defTabSz="914400" rtl="0" eaLnBrk="1" fontAlgn="auto" latinLnBrk="0" hangingPunct="1">
-              <a:lnSpc>
-                <a:spcPct val="100000"/>
-              </a:lnSpc>
-              <a:spcBef>
-                <a:spcPts val="0"/>
-              </a:spcBef>
-              <a:spcAft>
-                <a:spcPts val="0"/>
-              </a:spcAft>
-              <a:buClrTx/>
-              <a:buSzTx/>
-              <a:buFontTx/>
-              <a:buNone/>
-              <a:tabLst/>
-              <a:defRPr/>
-            </a:pPr>
-            <a:fld id="{871D71AE-08D6-4951-B1CF-CF97299DB5EB}" type="slidenum">
-              <a:rPr kumimoji="0" lang="en-US" sz="1200" b="0" i="0" u="none" strike="noStrike" kern="1200" cap="none" spc="0" normalizeH="0" baseline="0" noProof="0" smtClean="0">
-                <a:ln>
-                  <a:noFill/>
-                </a:ln>
-                <a:solidFill>
-                  <a:prstClr val="black"/>
-                </a:solidFill>
-                <a:effectLst/>
-                <a:uLnTx/>
-                <a:uFillTx/>
-                <a:latin typeface="Calibri" panose="020F0502020204030204"/>
-                <a:ea typeface="+mn-ea"/>
-                <a:cs typeface="+mn-cs"/>
-              </a:rPr>
-              <a:pPr marL="0" marR="0" lvl="0" indent="0" algn="r" defTabSz="914400" rtl="0" eaLnBrk="1" fontAlgn="auto" latinLnBrk="0" hangingPunct="1">
-                <a:lnSpc>
-                  <a:spcPct val="100000"/>
-                </a:lnSpc>
-                <a:spcBef>
-                  <a:spcPts val="0"/>
-                </a:spcBef>
-                <a:spcAft>
-                  <a:spcPts val="0"/>
-                </a:spcAft>
-                <a:buClrTx/>
-                <a:buSzTx/>
-                <a:buFontTx/>
-                <a:buNone/>
-                <a:tabLst/>
-                <a:defRPr/>
-              </a:pPr>
-              <a:t>3</a:t>
-            </a:fld>
-            <a:endParaRPr kumimoji="0" lang="en-US" sz="1200" b="0" i="0" u="none" strike="noStrike" kern="1200" cap="none" spc="0" normalizeH="0" baseline="0" noProof="0">
-              <a:ln>
-                <a:noFill/>
-              </a:ln>
-              <a:solidFill>
-                <a:prstClr val="black"/>
-              </a:solidFill>
-              <a:effectLst/>
-              <a:uLnTx/>
-              <a:uFillTx/>
-              <a:latin typeface="Calibri" panose="020F0502020204030204"/>
-              <a:ea typeface="+mn-ea"/>
-              <a:cs typeface="+mn-cs"/>
-            </a:endParaRPr>
-          </a:p>
-        </p:txBody>
-      </p:sp>
-    </p:spTree>
-    <p:extLst>
-      <p:ext uri="{BB962C8B-B14F-4D97-AF65-F5344CB8AC3E}">
-        <p14:creationId xmlns:p14="http://schemas.microsoft.com/office/powerpoint/2010/main" val="448403279"/>
-      </p:ext>
-    </p:extLst>
-  </p:cSld>
-  <p:clrMapOvr>
-    <a:masterClrMapping/>
-  </p:clrMapOvr>
-</p:notes>
-</file>
-
-<file path=ppt/notesSlides/notesSlide4.xml><?xml version="1.0" encoding="utf-8"?>
-<p:notes xmlns:a="http://schemas.openxmlformats.org/drawingml/2006/main" xmlns:r="http://schemas.openxmlformats.org/officeDocument/2006/relationships" xmlns:p="http://schemas.openxmlformats.org/presentationml/2006/main">
-  <p:cSld>
-    <p:spTree>
-      <p:nvGrpSpPr>
-        <p:cNvPr id="1" name=""/>
-        <p:cNvGrpSpPr/>
-        <p:nvPr/>
-      </p:nvGrpSpPr>
-      <p:grpSpPr>
-        <a:xfrm>
-          <a:off x="0" y="0"/>
-          <a:ext cx="0" cy="0"/>
-          <a:chOff x="0" y="0"/>
-          <a:chExt cx="0" cy="0"/>
-        </a:xfrm>
-      </p:grpSpPr>
-      <p:sp>
-        <p:nvSpPr>
-          <p:cNvPr id="2" name="Slide Image Placeholder 1"/>
-          <p:cNvSpPr>
-            <a:spLocks noGrp="1" noRot="1" noChangeAspect="1"/>
-          </p:cNvSpPr>
-          <p:nvPr>
-            <p:ph type="sldImg"/>
-          </p:nvPr>
-        </p:nvSpPr>
-        <p:spPr/>
-      </p:sp>
-      <p:sp>
-        <p:nvSpPr>
-          <p:cNvPr id="3" name="Notes Placeholder 2"/>
-          <p:cNvSpPr>
-            <a:spLocks noGrp="1"/>
-          </p:cNvSpPr>
-          <p:nvPr>
-            <p:ph type="body" idx="1"/>
-          </p:nvPr>
-        </p:nvSpPr>
-        <p:spPr/>
-        <p:txBody>
-          <a:bodyPr/>
-          <a:lstStyle/>
-          <a:p>
-            <a:pPr marL="171450" indent="-171450">
-              <a:buFont typeface="Arial" panose="020B0604020202020204" pitchFamily="34" charset="0"/>
-              <a:buChar char="•"/>
-            </a:pPr>
-            <a:r>
-              <a:rPr lang="en-US" dirty="0"/>
-              <a:t>For each “mini-lecture”, have a topic title and/or sub-topic title.</a:t>
-            </a:r>
-          </a:p>
-          <a:p>
-            <a:pPr marL="171450" indent="-171450">
-              <a:buFont typeface="Arial" panose="020B0604020202020204" pitchFamily="34" charset="0"/>
-              <a:buChar char="•"/>
-            </a:pPr>
-            <a:r>
-              <a:rPr lang="en-US" dirty="0"/>
-              <a:t>Each mini-lecture should be no longer than 5-10 minutes in length.</a:t>
-            </a:r>
-          </a:p>
-          <a:p>
-            <a:pPr marL="171450" indent="-171450">
-              <a:buFont typeface="Arial" panose="020B0604020202020204" pitchFamily="34" charset="0"/>
-              <a:buChar char="•"/>
-            </a:pPr>
-            <a:r>
-              <a:rPr lang="en-US" dirty="0"/>
-              <a:t>Only deliver one lecture ahead of each challenge.  </a:t>
-            </a:r>
-          </a:p>
-          <a:p>
-            <a:pPr marL="171450" indent="-171450">
-              <a:buFont typeface="Arial" panose="020B0604020202020204" pitchFamily="34" charset="0"/>
-              <a:buChar char="•"/>
-            </a:pPr>
-            <a:r>
-              <a:rPr lang="en-US" dirty="0"/>
-              <a:t>Do not attempt to present all of the lectures before students start hacking.</a:t>
-            </a:r>
-          </a:p>
-          <a:p>
-            <a:endParaRPr lang="en-US" dirty="0"/>
-          </a:p>
-        </p:txBody>
-      </p:sp>
-      <p:sp>
-        <p:nvSpPr>
-          <p:cNvPr id="4" name="Slide Number Placeholder 3"/>
-          <p:cNvSpPr>
-            <a:spLocks noGrp="1"/>
-          </p:cNvSpPr>
-          <p:nvPr>
-            <p:ph type="sldNum" sz="quarter" idx="10"/>
-          </p:nvPr>
-        </p:nvSpPr>
-        <p:spPr/>
-        <p:txBody>
-          <a:bodyPr/>
-          <a:lstStyle/>
-          <a:p>
-            <a:pPr marL="0" marR="0" lvl="0" indent="0" algn="r" defTabSz="914400" rtl="0" eaLnBrk="1" fontAlgn="auto" latinLnBrk="0" hangingPunct="1">
-              <a:lnSpc>
-                <a:spcPct val="100000"/>
-              </a:lnSpc>
-              <a:spcBef>
-                <a:spcPts val="0"/>
-              </a:spcBef>
-              <a:spcAft>
-                <a:spcPts val="0"/>
-              </a:spcAft>
-              <a:buClrTx/>
-              <a:buSzTx/>
-              <a:buFontTx/>
-              <a:buNone/>
-              <a:tabLst/>
-              <a:defRPr/>
-            </a:pPr>
-            <a:fld id="{315375D1-61FB-3243-8074-59CD809395A7}" type="slidenum">
-              <a:rPr kumimoji="0" lang="en-US" sz="1200" b="0" i="0" u="none" strike="noStrike" kern="1200" cap="none" spc="0" normalizeH="0" baseline="0" noProof="0" smtClean="0">
-                <a:ln>
-                  <a:noFill/>
-                </a:ln>
-                <a:solidFill>
-                  <a:prstClr val="black"/>
-                </a:solidFill>
-                <a:effectLst/>
-                <a:uLnTx/>
-                <a:uFillTx/>
-                <a:latin typeface="Calibri" panose="020F0502020204030204"/>
-                <a:ea typeface="+mn-ea"/>
-                <a:cs typeface="+mn-cs"/>
-              </a:rPr>
-              <a:pPr marL="0" marR="0" lvl="0" indent="0" algn="r" defTabSz="914400" rtl="0" eaLnBrk="1" fontAlgn="auto" latinLnBrk="0" hangingPunct="1">
-                <a:lnSpc>
-                  <a:spcPct val="100000"/>
-                </a:lnSpc>
-                <a:spcBef>
-                  <a:spcPts val="0"/>
-                </a:spcBef>
-                <a:spcAft>
-                  <a:spcPts val="0"/>
-                </a:spcAft>
-                <a:buClrTx/>
-                <a:buSzTx/>
-                <a:buFontTx/>
-                <a:buNone/>
-                <a:tabLst/>
-                <a:defRPr/>
-              </a:pPr>
-              <a:t>4</a:t>
-            </a:fld>
-            <a:endParaRPr kumimoji="0" lang="en-US" sz="1200" b="0" i="0" u="none" strike="noStrike" kern="1200" cap="none" spc="0" normalizeH="0" baseline="0" noProof="0">
-              <a:ln>
-                <a:noFill/>
-              </a:ln>
-              <a:solidFill>
-                <a:prstClr val="black"/>
-              </a:solidFill>
-              <a:effectLst/>
-              <a:uLnTx/>
-              <a:uFillTx/>
-              <a:latin typeface="Calibri" panose="020F0502020204030204"/>
-              <a:ea typeface="+mn-ea"/>
-              <a:cs typeface="+mn-cs"/>
-            </a:endParaRPr>
-          </a:p>
-        </p:txBody>
-      </p:sp>
-    </p:spTree>
-    <p:extLst>
-      <p:ext uri="{BB962C8B-B14F-4D97-AF65-F5344CB8AC3E}">
-        <p14:creationId xmlns:p14="http://schemas.microsoft.com/office/powerpoint/2010/main" val="2235409605"/>
-      </p:ext>
-    </p:extLst>
-  </p:cSld>
-  <p:clrMapOvr>
-    <a:masterClrMapping/>
-  </p:clrMapOvr>
-</p:notes>
-</file>
-
-<file path=ppt/notesSlides/notesSlide5.xml><?xml version="1.0" encoding="utf-8"?>
-<p:notes xmlns:a="http://schemas.openxmlformats.org/drawingml/2006/main" xmlns:r="http://schemas.openxmlformats.org/officeDocument/2006/relationships" xmlns:p="http://schemas.openxmlformats.org/presentationml/2006/main">
-  <p:cSld>
-    <p:spTree>
-      <p:nvGrpSpPr>
-        <p:cNvPr id="1" name=""/>
-        <p:cNvGrpSpPr/>
-        <p:nvPr/>
-      </p:nvGrpSpPr>
-      <p:grpSpPr>
-        <a:xfrm>
-          <a:off x="0" y="0"/>
-          <a:ext cx="0" cy="0"/>
-          <a:chOff x="0" y="0"/>
-          <a:chExt cx="0" cy="0"/>
-        </a:xfrm>
-      </p:grpSpPr>
-      <p:sp>
-        <p:nvSpPr>
-          <p:cNvPr id="2" name="Slide Image Placeholder 1"/>
-          <p:cNvSpPr>
-            <a:spLocks noGrp="1" noRot="1" noChangeAspect="1"/>
-          </p:cNvSpPr>
-          <p:nvPr>
-            <p:ph type="sldImg"/>
-          </p:nvPr>
-        </p:nvSpPr>
-        <p:spPr/>
-      </p:sp>
-      <p:sp>
-        <p:nvSpPr>
-          <p:cNvPr id="3" name="Notes Placeholder 2"/>
-          <p:cNvSpPr>
-            <a:spLocks noGrp="1"/>
-          </p:cNvSpPr>
-          <p:nvPr>
-            <p:ph type="body" idx="1"/>
-          </p:nvPr>
-        </p:nvSpPr>
-        <p:spPr/>
-        <p:txBody>
-          <a:bodyPr/>
-          <a:lstStyle/>
-          <a:p>
-            <a:r>
-              <a:rPr lang="en-US" dirty="0"/>
-              <a:t>Template for a lecture slide with bullets (if you need them).</a:t>
-            </a:r>
-          </a:p>
-          <a:p>
-            <a:endParaRPr lang="en-US" dirty="0"/>
-          </a:p>
-          <a:p>
-            <a:r>
-              <a:rPr lang="en-US" dirty="0"/>
-              <a:t>Try to NOT use bullet lists in your presentation.  </a:t>
-            </a:r>
-          </a:p>
-          <a:p>
-            <a:r>
-              <a:rPr lang="en-US" dirty="0"/>
-              <a:t>Diagrams, puppy pictures, </a:t>
-            </a:r>
-            <a:r>
-              <a:rPr lang="en-US" dirty="0" err="1"/>
-              <a:t>etc</a:t>
-            </a:r>
-            <a:r>
-              <a:rPr lang="en-US" dirty="0"/>
-              <a:t> are always better. </a:t>
-            </a:r>
-            <a:r>
-              <a:rPr lang="en-US" dirty="0">
-                <a:sym typeface="Wingdings" panose="05000000000000000000" pitchFamily="2" charset="2"/>
-              </a:rPr>
-              <a:t></a:t>
-            </a:r>
-            <a:endParaRPr lang="en-US" dirty="0"/>
-          </a:p>
-        </p:txBody>
-      </p:sp>
-      <p:sp>
-        <p:nvSpPr>
-          <p:cNvPr id="4" name="Slide Number Placeholder 3"/>
-          <p:cNvSpPr>
-            <a:spLocks noGrp="1"/>
-          </p:cNvSpPr>
-          <p:nvPr>
-            <p:ph type="sldNum" sz="quarter" idx="5"/>
-          </p:nvPr>
-        </p:nvSpPr>
-        <p:spPr/>
-        <p:txBody>
-          <a:bodyPr/>
-          <a:lstStyle/>
-          <a:p>
-            <a:pPr marL="0" marR="0" lvl="0" indent="0" algn="r" defTabSz="914400" rtl="0" eaLnBrk="1" fontAlgn="auto" latinLnBrk="0" hangingPunct="1">
-              <a:lnSpc>
-                <a:spcPct val="100000"/>
-              </a:lnSpc>
-              <a:spcBef>
-                <a:spcPts val="0"/>
-              </a:spcBef>
-              <a:spcAft>
-                <a:spcPts val="0"/>
-              </a:spcAft>
-              <a:buClrTx/>
-              <a:buSzTx/>
-              <a:buFontTx/>
-              <a:buNone/>
-              <a:tabLst/>
-              <a:defRPr/>
-            </a:pPr>
-            <a:fld id="{72A19410-49C3-46C5-A633-999FD8C4418C}" type="slidenum">
-              <a:rPr kumimoji="0" lang="en-US" sz="1200" b="0" i="0" u="none" strike="noStrike" kern="1200" cap="none" spc="0" normalizeH="0" baseline="0" noProof="0" smtClean="0">
-                <a:ln>
-                  <a:noFill/>
-                </a:ln>
-                <a:solidFill>
-                  <a:prstClr val="black"/>
-                </a:solidFill>
-                <a:effectLst/>
-                <a:uLnTx/>
-                <a:uFillTx/>
-                <a:latin typeface="Calibri" panose="020F0502020204030204"/>
-                <a:ea typeface="+mn-ea"/>
-                <a:cs typeface="+mn-cs"/>
-              </a:rPr>
-              <a:pPr marL="0" marR="0" lvl="0" indent="0" algn="r" defTabSz="914400" rtl="0" eaLnBrk="1" fontAlgn="auto" latinLnBrk="0" hangingPunct="1">
-                <a:lnSpc>
-                  <a:spcPct val="100000"/>
-                </a:lnSpc>
-                <a:spcBef>
-                  <a:spcPts val="0"/>
-                </a:spcBef>
-                <a:spcAft>
-                  <a:spcPts val="0"/>
-                </a:spcAft>
-                <a:buClrTx/>
-                <a:buSzTx/>
-                <a:buFontTx/>
-                <a:buNone/>
-                <a:tabLst/>
-                <a:defRPr/>
-              </a:pPr>
-              <a:t>5</a:t>
-            </a:fld>
-            <a:endParaRPr kumimoji="0" lang="en-US" sz="1200" b="0" i="0" u="none" strike="noStrike" kern="1200" cap="none" spc="0" normalizeH="0" baseline="0" noProof="0">
-              <a:ln>
-                <a:noFill/>
-              </a:ln>
-              <a:solidFill>
-                <a:prstClr val="black"/>
-              </a:solidFill>
-              <a:effectLst/>
-              <a:uLnTx/>
-              <a:uFillTx/>
-              <a:latin typeface="Calibri" panose="020F0502020204030204"/>
-              <a:ea typeface="+mn-ea"/>
-              <a:cs typeface="+mn-cs"/>
-            </a:endParaRPr>
-          </a:p>
-        </p:txBody>
-      </p:sp>
-    </p:spTree>
-    <p:extLst>
-      <p:ext uri="{BB962C8B-B14F-4D97-AF65-F5344CB8AC3E}">
-        <p14:creationId xmlns:p14="http://schemas.microsoft.com/office/powerpoint/2010/main" val="1249804079"/>
-      </p:ext>
-    </p:extLst>
-  </p:cSld>
-  <p:clrMapOvr>
-    <a:masterClrMapping/>
-  </p:clrMapOvr>
-</p:notes>
-</file>
-
-<file path=ppt/notesSlides/notesSlide6.xml><?xml version="1.0" encoding="utf-8"?>
-<p:notes xmlns:a="http://schemas.openxmlformats.org/drawingml/2006/main" xmlns:r="http://schemas.openxmlformats.org/officeDocument/2006/relationships" xmlns:p="http://schemas.openxmlformats.org/presentationml/2006/main">
-  <p:cSld>
-    <p:spTree>
-      <p:nvGrpSpPr>
-        <p:cNvPr id="1" name=""/>
-        <p:cNvGrpSpPr/>
-        <p:nvPr/>
-      </p:nvGrpSpPr>
-      <p:grpSpPr>
-        <a:xfrm>
-          <a:off x="0" y="0"/>
-          <a:ext cx="0" cy="0"/>
-          <a:chOff x="0" y="0"/>
-          <a:chExt cx="0" cy="0"/>
-        </a:xfrm>
-      </p:grpSpPr>
-      <p:sp>
-        <p:nvSpPr>
-          <p:cNvPr id="2" name="Slide Image Placeholder 1"/>
-          <p:cNvSpPr>
-            <a:spLocks noGrp="1" noRot="1" noChangeAspect="1"/>
-          </p:cNvSpPr>
-          <p:nvPr>
-            <p:ph type="sldImg"/>
-          </p:nvPr>
-        </p:nvSpPr>
-        <p:spPr/>
-      </p:sp>
-      <p:sp>
-        <p:nvSpPr>
-          <p:cNvPr id="3" name="Notes Placeholder 2"/>
-          <p:cNvSpPr>
-            <a:spLocks noGrp="1"/>
-          </p:cNvSpPr>
-          <p:nvPr>
-            <p:ph type="body" idx="1"/>
-          </p:nvPr>
-        </p:nvSpPr>
-        <p:spPr/>
-        <p:txBody>
-          <a:bodyPr/>
-          <a:lstStyle/>
-          <a:p>
-            <a:r>
-              <a:rPr lang="en-US" dirty="0"/>
-              <a:t>For each challenge, list out the key high-level goals.</a:t>
-            </a:r>
-          </a:p>
-          <a:p>
-            <a:r>
-              <a:rPr lang="en-US" dirty="0"/>
-              <a:t>If there are important specifications, list them here, or remind students to “read the student guide!” </a:t>
-            </a:r>
-          </a:p>
-        </p:txBody>
-      </p:sp>
-      <p:sp>
-        <p:nvSpPr>
-          <p:cNvPr id="4" name="Slide Number Placeholder 3"/>
-          <p:cNvSpPr>
-            <a:spLocks noGrp="1"/>
-          </p:cNvSpPr>
-          <p:nvPr>
-            <p:ph type="sldNum" sz="quarter" idx="10"/>
-          </p:nvPr>
-        </p:nvSpPr>
-        <p:spPr/>
-        <p:txBody>
-          <a:bodyPr/>
-          <a:lstStyle/>
-          <a:p>
-            <a:pPr marL="0" marR="0" lvl="0" indent="0" algn="r" defTabSz="914400" rtl="0" eaLnBrk="1" fontAlgn="auto" latinLnBrk="0" hangingPunct="1">
-              <a:lnSpc>
-                <a:spcPct val="100000"/>
-              </a:lnSpc>
-              <a:spcBef>
-                <a:spcPts val="0"/>
-              </a:spcBef>
-              <a:spcAft>
-                <a:spcPts val="0"/>
-              </a:spcAft>
-              <a:buClrTx/>
-              <a:buSzTx/>
-              <a:buFontTx/>
-              <a:buNone/>
-              <a:tabLst/>
-              <a:defRPr/>
-            </a:pPr>
-            <a:fld id="{871D71AE-08D6-4951-B1CF-CF97299DB5EB}" type="slidenum">
-              <a:rPr kumimoji="0" lang="en-US" sz="1200" b="0" i="0" u="none" strike="noStrike" kern="1200" cap="none" spc="0" normalizeH="0" baseline="0" noProof="0" smtClean="0">
-                <a:ln>
-                  <a:noFill/>
-                </a:ln>
-                <a:solidFill>
-                  <a:prstClr val="black"/>
-                </a:solidFill>
-                <a:effectLst/>
-                <a:uLnTx/>
-                <a:uFillTx/>
-                <a:latin typeface="Calibri" panose="020F0502020204030204"/>
-                <a:ea typeface="+mn-ea"/>
-                <a:cs typeface="+mn-cs"/>
-              </a:rPr>
-              <a:pPr marL="0" marR="0" lvl="0" indent="0" algn="r" defTabSz="914400" rtl="0" eaLnBrk="1" fontAlgn="auto" latinLnBrk="0" hangingPunct="1">
-                <a:lnSpc>
-                  <a:spcPct val="100000"/>
-                </a:lnSpc>
-                <a:spcBef>
-                  <a:spcPts val="0"/>
-                </a:spcBef>
-                <a:spcAft>
-                  <a:spcPts val="0"/>
-                </a:spcAft>
-                <a:buClrTx/>
-                <a:buSzTx/>
-                <a:buFontTx/>
-                <a:buNone/>
-                <a:tabLst/>
-                <a:defRPr/>
-              </a:pPr>
-              <a:t>6</a:t>
-            </a:fld>
-            <a:endParaRPr kumimoji="0" lang="en-US" sz="1200" b="0" i="0" u="none" strike="noStrike" kern="1200" cap="none" spc="0" normalizeH="0" baseline="0" noProof="0">
-              <a:ln>
-                <a:noFill/>
-              </a:ln>
-              <a:solidFill>
-                <a:prstClr val="black"/>
-              </a:solidFill>
-              <a:effectLst/>
-              <a:uLnTx/>
-              <a:uFillTx/>
-              <a:latin typeface="Calibri" panose="020F0502020204030204"/>
-              <a:ea typeface="+mn-ea"/>
-              <a:cs typeface="+mn-cs"/>
-            </a:endParaRPr>
-          </a:p>
-        </p:txBody>
-      </p:sp>
-    </p:spTree>
-    <p:extLst>
-      <p:ext uri="{BB962C8B-B14F-4D97-AF65-F5344CB8AC3E}">
-        <p14:creationId xmlns:p14="http://schemas.microsoft.com/office/powerpoint/2010/main" val="76796664"/>
-      </p:ext>
-    </p:extLst>
-  </p:cSld>
-  <p:clrMapOvr>
-    <a:masterClrMapping/>
-  </p:clrMapOvr>
-</p:notes>
-</file>
-
-<file path=ppt/notesSlides/notesSlide7.xml><?xml version="1.0" encoding="utf-8"?>
-<p:notes xmlns:a="http://schemas.openxmlformats.org/drawingml/2006/main" xmlns:r="http://schemas.openxmlformats.org/officeDocument/2006/relationships" xmlns:p="http://schemas.openxmlformats.org/presentationml/2006/main">
-  <p:cSld>
-    <p:spTree>
-      <p:nvGrpSpPr>
-        <p:cNvPr id="1" name=""/>
-        <p:cNvGrpSpPr/>
-        <p:nvPr/>
-      </p:nvGrpSpPr>
-      <p:grpSpPr>
-        <a:xfrm>
-          <a:off x="0" y="0"/>
-          <a:ext cx="0" cy="0"/>
-          <a:chOff x="0" y="0"/>
-          <a:chExt cx="0" cy="0"/>
-        </a:xfrm>
-      </p:grpSpPr>
-      <p:sp>
-        <p:nvSpPr>
-          <p:cNvPr id="2" name="Slide Image Placeholder 1"/>
-          <p:cNvSpPr>
-            <a:spLocks noGrp="1" noRot="1" noChangeAspect="1"/>
-          </p:cNvSpPr>
-          <p:nvPr>
-            <p:ph type="sldImg"/>
-          </p:nvPr>
-        </p:nvSpPr>
-        <p:spPr/>
-      </p:sp>
-      <p:sp>
-        <p:nvSpPr>
-          <p:cNvPr id="3" name="Notes Placeholder 2"/>
-          <p:cNvSpPr>
-            <a:spLocks noGrp="1"/>
-          </p:cNvSpPr>
-          <p:nvPr>
-            <p:ph type="body" idx="1"/>
-          </p:nvPr>
-        </p:nvSpPr>
-        <p:spPr/>
-        <p:txBody>
-          <a:bodyPr/>
-          <a:lstStyle/>
-          <a:p>
-            <a:pPr marL="171450" indent="-171450">
-              <a:buFont typeface="Arial" panose="020B0604020202020204" pitchFamily="34" charset="0"/>
-              <a:buChar char="•"/>
-            </a:pPr>
-            <a:r>
-              <a:rPr lang="en-US" dirty="0"/>
-              <a:t>For each “mini-lecture”, have a topic title and/or sub-topic title.</a:t>
-            </a:r>
-          </a:p>
-          <a:p>
-            <a:pPr marL="171450" indent="-171450">
-              <a:buFont typeface="Arial" panose="020B0604020202020204" pitchFamily="34" charset="0"/>
-              <a:buChar char="•"/>
-            </a:pPr>
-            <a:r>
-              <a:rPr lang="en-US" dirty="0"/>
-              <a:t>Each mini-lecture should be no longer than 5-10 minutes in length.</a:t>
-            </a:r>
-          </a:p>
-          <a:p>
-            <a:pPr marL="171450" indent="-171450">
-              <a:buFont typeface="Arial" panose="020B0604020202020204" pitchFamily="34" charset="0"/>
-              <a:buChar char="•"/>
-            </a:pPr>
-            <a:r>
-              <a:rPr lang="en-US" dirty="0"/>
-              <a:t>Only deliver one lecture ahead of each challenge.  </a:t>
-            </a:r>
-          </a:p>
-          <a:p>
-            <a:pPr marL="171450" indent="-171450">
-              <a:buFont typeface="Arial" panose="020B0604020202020204" pitchFamily="34" charset="0"/>
-              <a:buChar char="•"/>
-            </a:pPr>
-            <a:r>
-              <a:rPr lang="en-US" dirty="0"/>
-              <a:t>Do not attempt to present all of the lectures before students start hacking.</a:t>
-            </a:r>
-          </a:p>
-          <a:p>
-            <a:endParaRPr lang="en-US" dirty="0"/>
-          </a:p>
-        </p:txBody>
-      </p:sp>
-      <p:sp>
-        <p:nvSpPr>
-          <p:cNvPr id="4" name="Slide Number Placeholder 3"/>
-          <p:cNvSpPr>
-            <a:spLocks noGrp="1"/>
-          </p:cNvSpPr>
-          <p:nvPr>
-            <p:ph type="sldNum" sz="quarter" idx="10"/>
-          </p:nvPr>
-        </p:nvSpPr>
-        <p:spPr/>
-        <p:txBody>
-          <a:bodyPr/>
-          <a:lstStyle/>
-          <a:p>
-            <a:pPr marL="0" marR="0" lvl="0" indent="0" algn="r" defTabSz="914400" rtl="0" eaLnBrk="1" fontAlgn="auto" latinLnBrk="0" hangingPunct="1">
-              <a:lnSpc>
-                <a:spcPct val="100000"/>
-              </a:lnSpc>
-              <a:spcBef>
-                <a:spcPts val="0"/>
-              </a:spcBef>
-              <a:spcAft>
-                <a:spcPts val="0"/>
-              </a:spcAft>
-              <a:buClrTx/>
-              <a:buSzTx/>
-              <a:buFontTx/>
-              <a:buNone/>
-              <a:tabLst/>
-              <a:defRPr/>
-            </a:pPr>
-            <a:fld id="{315375D1-61FB-3243-8074-59CD809395A7}" type="slidenum">
-              <a:rPr kumimoji="0" lang="en-US" sz="1200" b="0" i="0" u="none" strike="noStrike" kern="1200" cap="none" spc="0" normalizeH="0" baseline="0" noProof="0" smtClean="0">
-                <a:ln>
-                  <a:noFill/>
-                </a:ln>
-                <a:solidFill>
-                  <a:prstClr val="black"/>
-                </a:solidFill>
-                <a:effectLst/>
-                <a:uLnTx/>
-                <a:uFillTx/>
-                <a:latin typeface="Calibri" panose="020F0502020204030204"/>
-                <a:ea typeface="+mn-ea"/>
-                <a:cs typeface="+mn-cs"/>
-              </a:rPr>
-              <a:pPr marL="0" marR="0" lvl="0" indent="0" algn="r" defTabSz="914400" rtl="0" eaLnBrk="1" fontAlgn="auto" latinLnBrk="0" hangingPunct="1">
-                <a:lnSpc>
-                  <a:spcPct val="100000"/>
-                </a:lnSpc>
-                <a:spcBef>
-                  <a:spcPts val="0"/>
-                </a:spcBef>
-                <a:spcAft>
-                  <a:spcPts val="0"/>
-                </a:spcAft>
-                <a:buClrTx/>
-                <a:buSzTx/>
-                <a:buFontTx/>
-                <a:buNone/>
-                <a:tabLst/>
-                <a:defRPr/>
-              </a:pPr>
-              <a:t>7</a:t>
-            </a:fld>
-            <a:endParaRPr kumimoji="0" lang="en-US" sz="1200" b="0" i="0" u="none" strike="noStrike" kern="1200" cap="none" spc="0" normalizeH="0" baseline="0" noProof="0">
-              <a:ln>
-                <a:noFill/>
-              </a:ln>
-              <a:solidFill>
-                <a:prstClr val="black"/>
-              </a:solidFill>
-              <a:effectLst/>
-              <a:uLnTx/>
-              <a:uFillTx/>
-              <a:latin typeface="Calibri" panose="020F0502020204030204"/>
-              <a:ea typeface="+mn-ea"/>
-              <a:cs typeface="+mn-cs"/>
-            </a:endParaRPr>
-          </a:p>
-        </p:txBody>
-      </p:sp>
-    </p:spTree>
-    <p:extLst>
-      <p:ext uri="{BB962C8B-B14F-4D97-AF65-F5344CB8AC3E}">
-        <p14:creationId xmlns:p14="http://schemas.microsoft.com/office/powerpoint/2010/main" val="3691617920"/>
-      </p:ext>
-    </p:extLst>
-  </p:cSld>
-  <p:clrMapOvr>
-    <a:masterClrMapping/>
-  </p:clrMapOvr>
-</p:notes>
-</file>
-
-<file path=ppt/notesSlides/notesSlide8.xml><?xml version="1.0" encoding="utf-8"?>
-<p:notes xmlns:a="http://schemas.openxmlformats.org/drawingml/2006/main" xmlns:r="http://schemas.openxmlformats.org/officeDocument/2006/relationships" xmlns:p="http://schemas.openxmlformats.org/presentationml/2006/main">
-  <p:cSld>
-    <p:spTree>
-      <p:nvGrpSpPr>
-        <p:cNvPr id="1" name=""/>
-        <p:cNvGrpSpPr/>
-        <p:nvPr/>
-      </p:nvGrpSpPr>
-      <p:grpSpPr>
-        <a:xfrm>
-          <a:off x="0" y="0"/>
-          <a:ext cx="0" cy="0"/>
-          <a:chOff x="0" y="0"/>
-          <a:chExt cx="0" cy="0"/>
-        </a:xfrm>
-      </p:grpSpPr>
-      <p:sp>
-        <p:nvSpPr>
-          <p:cNvPr id="2" name="Slide Image Placeholder 1"/>
-          <p:cNvSpPr>
-            <a:spLocks noGrp="1" noRot="1" noChangeAspect="1"/>
-          </p:cNvSpPr>
-          <p:nvPr>
-            <p:ph type="sldImg"/>
-          </p:nvPr>
-        </p:nvSpPr>
-        <p:spPr/>
-      </p:sp>
-      <p:sp>
-        <p:nvSpPr>
-          <p:cNvPr id="3" name="Notes Placeholder 2"/>
-          <p:cNvSpPr>
-            <a:spLocks noGrp="1"/>
-          </p:cNvSpPr>
-          <p:nvPr>
-            <p:ph type="body" idx="1"/>
-          </p:nvPr>
-        </p:nvSpPr>
-        <p:spPr/>
-        <p:txBody>
-          <a:bodyPr/>
-          <a:lstStyle/>
-          <a:p>
-            <a:r>
-              <a:rPr lang="en-US" dirty="0"/>
-              <a:t>Template for a lecture slide with bullets (if you need them).</a:t>
-            </a:r>
-          </a:p>
-          <a:p>
-            <a:endParaRPr lang="en-US" dirty="0"/>
-          </a:p>
-          <a:p>
-            <a:r>
-              <a:rPr lang="en-US" dirty="0"/>
-              <a:t>Try to NOT use bullet lists in your presentation.  </a:t>
-            </a:r>
-          </a:p>
-          <a:p>
-            <a:r>
-              <a:rPr lang="en-US" dirty="0"/>
-              <a:t>Diagrams, puppy pictures, </a:t>
-            </a:r>
-            <a:r>
-              <a:rPr lang="en-US" dirty="0" err="1"/>
-              <a:t>etc</a:t>
-            </a:r>
-            <a:r>
-              <a:rPr lang="en-US" dirty="0"/>
-              <a:t> are always better. </a:t>
-            </a:r>
-            <a:r>
-              <a:rPr lang="en-US" dirty="0">
-                <a:sym typeface="Wingdings" panose="05000000000000000000" pitchFamily="2" charset="2"/>
-              </a:rPr>
-              <a:t></a:t>
-            </a:r>
-            <a:endParaRPr lang="en-US" dirty="0"/>
-          </a:p>
-        </p:txBody>
-      </p:sp>
-      <p:sp>
-        <p:nvSpPr>
-          <p:cNvPr id="4" name="Slide Number Placeholder 3"/>
-          <p:cNvSpPr>
-            <a:spLocks noGrp="1"/>
-          </p:cNvSpPr>
-          <p:nvPr>
-            <p:ph type="sldNum" sz="quarter" idx="5"/>
-          </p:nvPr>
-        </p:nvSpPr>
-        <p:spPr/>
-        <p:txBody>
-          <a:bodyPr/>
-          <a:lstStyle/>
-          <a:p>
-            <a:pPr marL="0" marR="0" lvl="0" indent="0" algn="r" defTabSz="914400" rtl="0" eaLnBrk="1" fontAlgn="auto" latinLnBrk="0" hangingPunct="1">
-              <a:lnSpc>
-                <a:spcPct val="100000"/>
-              </a:lnSpc>
-              <a:spcBef>
-                <a:spcPts val="0"/>
-              </a:spcBef>
-              <a:spcAft>
-                <a:spcPts val="0"/>
-              </a:spcAft>
-              <a:buClrTx/>
-              <a:buSzTx/>
-              <a:buFontTx/>
-              <a:buNone/>
-              <a:tabLst/>
-              <a:defRPr/>
-            </a:pPr>
-            <a:fld id="{72A19410-49C3-46C5-A633-999FD8C4418C}" type="slidenum">
-              <a:rPr kumimoji="0" lang="en-US" sz="1200" b="0" i="0" u="none" strike="noStrike" kern="1200" cap="none" spc="0" normalizeH="0" baseline="0" noProof="0" smtClean="0">
-                <a:ln>
-                  <a:noFill/>
-                </a:ln>
-                <a:solidFill>
-                  <a:prstClr val="black"/>
-                </a:solidFill>
-                <a:effectLst/>
-                <a:uLnTx/>
-                <a:uFillTx/>
-                <a:latin typeface="Calibri" panose="020F0502020204030204"/>
-                <a:ea typeface="+mn-ea"/>
-                <a:cs typeface="+mn-cs"/>
-              </a:rPr>
-              <a:pPr marL="0" marR="0" lvl="0" indent="0" algn="r" defTabSz="914400" rtl="0" eaLnBrk="1" fontAlgn="auto" latinLnBrk="0" hangingPunct="1">
-                <a:lnSpc>
-                  <a:spcPct val="100000"/>
-                </a:lnSpc>
-                <a:spcBef>
-                  <a:spcPts val="0"/>
-                </a:spcBef>
-                <a:spcAft>
-                  <a:spcPts val="0"/>
-                </a:spcAft>
-                <a:buClrTx/>
-                <a:buSzTx/>
-                <a:buFontTx/>
-                <a:buNone/>
-                <a:tabLst/>
-                <a:defRPr/>
-              </a:pPr>
-              <a:t>8</a:t>
-            </a:fld>
-            <a:endParaRPr kumimoji="0" lang="en-US" sz="1200" b="0" i="0" u="none" strike="noStrike" kern="1200" cap="none" spc="0" normalizeH="0" baseline="0" noProof="0">
-              <a:ln>
-                <a:noFill/>
-              </a:ln>
-              <a:solidFill>
-                <a:prstClr val="black"/>
-              </a:solidFill>
-              <a:effectLst/>
-              <a:uLnTx/>
-              <a:uFillTx/>
-              <a:latin typeface="Calibri" panose="020F0502020204030204"/>
-              <a:ea typeface="+mn-ea"/>
-              <a:cs typeface="+mn-cs"/>
-            </a:endParaRPr>
-          </a:p>
-        </p:txBody>
-      </p:sp>
-    </p:spTree>
-    <p:extLst>
-      <p:ext uri="{BB962C8B-B14F-4D97-AF65-F5344CB8AC3E}">
-        <p14:creationId xmlns:p14="http://schemas.microsoft.com/office/powerpoint/2010/main" val="314071106"/>
-      </p:ext>
-    </p:extLst>
-  </p:cSld>
-  <p:clrMapOvr>
-    <a:masterClrMapping/>
-  </p:clrMapOvr>
-</p:notes>
-</file>
-
-<file path=ppt/notesSlides/notesSlide9.xml><?xml version="1.0" encoding="utf-8"?>
-<p:notes xmlns:a="http://schemas.openxmlformats.org/drawingml/2006/main" xmlns:r="http://schemas.openxmlformats.org/officeDocument/2006/relationships" xmlns:p="http://schemas.openxmlformats.org/presentationml/2006/main">
-  <p:cSld>
-    <p:spTree>
-      <p:nvGrpSpPr>
-        <p:cNvPr id="1" name=""/>
-        <p:cNvGrpSpPr/>
-        <p:nvPr/>
-      </p:nvGrpSpPr>
-      <p:grpSpPr>
-        <a:xfrm>
-          <a:off x="0" y="0"/>
-          <a:ext cx="0" cy="0"/>
-          <a:chOff x="0" y="0"/>
-          <a:chExt cx="0" cy="0"/>
-        </a:xfrm>
-      </p:grpSpPr>
-      <p:sp>
-        <p:nvSpPr>
-          <p:cNvPr id="2" name="Slide Image Placeholder 1"/>
-          <p:cNvSpPr>
-            <a:spLocks noGrp="1" noRot="1" noChangeAspect="1"/>
-          </p:cNvSpPr>
-          <p:nvPr>
-            <p:ph type="sldImg"/>
-          </p:nvPr>
-        </p:nvSpPr>
-        <p:spPr/>
-      </p:sp>
-      <p:sp>
-        <p:nvSpPr>
-          <p:cNvPr id="3" name="Notes Placeholder 2"/>
-          <p:cNvSpPr>
-            <a:spLocks noGrp="1"/>
-          </p:cNvSpPr>
-          <p:nvPr>
-            <p:ph type="body" idx="1"/>
-          </p:nvPr>
-        </p:nvSpPr>
-        <p:spPr/>
-        <p:txBody>
-          <a:bodyPr/>
-          <a:lstStyle/>
-          <a:p>
-            <a:r>
-              <a:rPr lang="en-US" dirty="0"/>
-              <a:t>For each challenge, list out the key high-level goals.</a:t>
-            </a:r>
-          </a:p>
-          <a:p>
-            <a:r>
-              <a:rPr lang="en-US" dirty="0"/>
-              <a:t>If there are important specifications, list them here, or remind students to “read the student guide!” </a:t>
-            </a:r>
-          </a:p>
-        </p:txBody>
-      </p:sp>
-      <p:sp>
-        <p:nvSpPr>
-          <p:cNvPr id="4" name="Slide Number Placeholder 3"/>
-          <p:cNvSpPr>
-            <a:spLocks noGrp="1"/>
-          </p:cNvSpPr>
-          <p:nvPr>
-            <p:ph type="sldNum" sz="quarter" idx="10"/>
-          </p:nvPr>
-        </p:nvSpPr>
-        <p:spPr/>
-        <p:txBody>
-          <a:bodyPr/>
-          <a:lstStyle/>
-          <a:p>
-            <a:pPr marL="0" marR="0" lvl="0" indent="0" algn="r" defTabSz="914400" rtl="0" eaLnBrk="1" fontAlgn="auto" latinLnBrk="0" hangingPunct="1">
-              <a:lnSpc>
-                <a:spcPct val="100000"/>
-              </a:lnSpc>
-              <a:spcBef>
-                <a:spcPts val="0"/>
-              </a:spcBef>
-              <a:spcAft>
-                <a:spcPts val="0"/>
-              </a:spcAft>
-              <a:buClrTx/>
-              <a:buSzTx/>
-              <a:buFontTx/>
-              <a:buNone/>
-              <a:tabLst/>
-              <a:defRPr/>
-            </a:pPr>
-            <a:fld id="{871D71AE-08D6-4951-B1CF-CF97299DB5EB}" type="slidenum">
-              <a:rPr kumimoji="0" lang="en-US" sz="1200" b="0" i="0" u="none" strike="noStrike" kern="1200" cap="none" spc="0" normalizeH="0" baseline="0" noProof="0" smtClean="0">
-                <a:ln>
-                  <a:noFill/>
-                </a:ln>
-                <a:solidFill>
-                  <a:prstClr val="black"/>
-                </a:solidFill>
-                <a:effectLst/>
-                <a:uLnTx/>
-                <a:uFillTx/>
-                <a:latin typeface="Calibri" panose="020F0502020204030204"/>
-                <a:ea typeface="+mn-ea"/>
-                <a:cs typeface="+mn-cs"/>
-              </a:rPr>
-              <a:pPr marL="0" marR="0" lvl="0" indent="0" algn="r" defTabSz="914400" rtl="0" eaLnBrk="1" fontAlgn="auto" latinLnBrk="0" hangingPunct="1">
-                <a:lnSpc>
-                  <a:spcPct val="100000"/>
-                </a:lnSpc>
-                <a:spcBef>
-                  <a:spcPts val="0"/>
-                </a:spcBef>
-                <a:spcAft>
-                  <a:spcPts val="0"/>
-                </a:spcAft>
-                <a:buClrTx/>
-                <a:buSzTx/>
-                <a:buFontTx/>
-                <a:buNone/>
-                <a:tabLst/>
-                <a:defRPr/>
-              </a:pPr>
-              <a:t>9</a:t>
-            </a:fld>
-            <a:endParaRPr kumimoji="0" lang="en-US" sz="1200" b="0" i="0" u="none" strike="noStrike" kern="1200" cap="none" spc="0" normalizeH="0" baseline="0" noProof="0">
-              <a:ln>
-                <a:noFill/>
-              </a:ln>
-              <a:solidFill>
-                <a:prstClr val="black"/>
-              </a:solidFill>
-              <a:effectLst/>
-              <a:uLnTx/>
-              <a:uFillTx/>
-              <a:latin typeface="Calibri" panose="020F0502020204030204"/>
-              <a:ea typeface="+mn-ea"/>
-              <a:cs typeface="+mn-cs"/>
-            </a:endParaRPr>
-          </a:p>
-        </p:txBody>
-      </p:sp>
-    </p:spTree>
-    <p:extLst>
-      <p:ext uri="{BB962C8B-B14F-4D97-AF65-F5344CB8AC3E}">
-        <p14:creationId xmlns:p14="http://schemas.microsoft.com/office/powerpoint/2010/main" val="705387831"/>
-      </p:ext>
-    </p:extLst>
-  </p:cSld>
-  <p:clrMapOvr>
-    <a:masterClrMapping/>
-  </p:clrMapOvr>
-</p:notes>
-</file>
-
-<file path=ppt/slideLayouts/slideLayout1.xml><?xml version="1.0" encoding="utf-8"?>
-<p:sldLayout xmlns:a="http://schemas.openxmlformats.org/drawingml/2006/main" xmlns:r="http://schemas.openxmlformats.org/officeDocument/2006/relationships" xmlns:p="http://schemas.openxmlformats.org/presentationml/2006/main" type="title" preserve="1">
-  <p:cSld name="Title Slide">
-    <p:spTree>
-      <p:nvGrpSpPr>
-        <p:cNvPr id="1" name=""/>
-        <p:cNvGrpSpPr/>
-        <p:nvPr/>
-      </p:nvGrpSpPr>
-      <p:grpSpPr>
-        <a:xfrm>
-          <a:off x="0" y="0"/>
-          <a:ext cx="0" cy="0"/>
-          <a:chOff x="0" y="0"/>
-          <a:chExt cx="0" cy="0"/>
-        </a:xfrm>
-      </p:grpSpPr>
-      <p:sp>
-        <p:nvSpPr>
           <p:cNvPr id="2" name="Title 1">
             <a:extLst>
               <a:ext uri="{FF2B5EF4-FFF2-40B4-BE49-F238E27FC236}">
@@ -2910,20 +2523,26 @@
         </p:nvSpPr>
         <p:spPr>
           <a:xfrm>
-            <a:off x="1524000" y="1122363"/>
-            <a:ext cx="9144000" cy="2387600"/>
+            <a:off x="1524000" y="2062162"/>
+            <a:ext cx="9144000" cy="1856695"/>
           </a:xfrm>
         </p:spPr>
         <p:txBody>
-          <a:bodyPr anchor="b"/>
+          <a:bodyPr anchor="b" anchorCtr="1">
+            <a:normAutofit/>
+          </a:bodyPr>
           <a:lstStyle>
             <a:lvl1pPr algn="ctr">
-              <a:defRPr sz="6000"/>
+              <a:defRPr sz="5400">
+                <a:solidFill>
+                  <a:srgbClr val="9966FF"/>
+                </a:solidFill>
+              </a:defRPr>
             </a:lvl1pPr>
           </a:lstStyle>
           <a:p>
             <a:r>
-              <a:rPr lang="en-US"/>
+              <a:rPr lang="en-US" dirty="0"/>
               <a:t>Click to edit Master title style</a:t>
             </a:r>
           </a:p>
@@ -2947,16 +2566,22 @@
         </p:nvSpPr>
         <p:spPr>
           <a:xfrm>
-            <a:off x="1524000" y="3602038"/>
+            <a:off x="1524000" y="3918857"/>
             <a:ext cx="9144000" cy="1655762"/>
           </a:xfrm>
         </p:spPr>
         <p:txBody>
-          <a:bodyPr/>
+          <a:bodyPr>
+            <a:normAutofit/>
+          </a:bodyPr>
           <a:lstStyle>
             <a:lvl1pPr marL="0" indent="0" algn="ctr">
               <a:buNone/>
-              <a:defRPr sz="2400"/>
+              <a:defRPr sz="3200" b="1">
+                <a:solidFill>
+                  <a:srgbClr val="FFC000"/>
+                </a:solidFill>
+              </a:defRPr>
             </a:lvl1pPr>
             <a:lvl2pPr marL="457200" indent="0" algn="ctr">
               <a:buNone/>
@@ -2993,7 +2618,7 @@
           </a:lstStyle>
           <a:p>
             <a:r>
-              <a:rPr lang="en-US"/>
+              <a:rPr lang="en-US" dirty="0"/>
               <a:t>Click to edit Master subtitle style</a:t>
             </a:r>
           </a:p>
@@ -3022,7 +2647,7 @@
           <a:p>
             <a:fld id="{DFED49D2-CC62-47A6-8FD4-1840AC422660}" type="datetimeFigureOut">
               <a:rPr lang="en-US" smtClean="0"/>
-              <a:t>5/7/2022</a:t>
+              <a:t>9/8/22</a:t>
             </a:fld>
             <a:endParaRPr lang="en-US"/>
           </a:p>
@@ -3078,6 +2703,73 @@
               <a:rPr lang="en-US" smtClean="0"/>
               <a:t>‹#›</a:t>
             </a:fld>
+            <a:endParaRPr lang="en-US"/>
+          </a:p>
+        </p:txBody>
+      </p:sp>
+      <p:pic>
+        <p:nvPicPr>
+          <p:cNvPr id="10" name="Picture 9" descr="Text&#10;&#10;Description automatically generated">
+            <a:extLst>
+              <a:ext uri="{FF2B5EF4-FFF2-40B4-BE49-F238E27FC236}">
+                <a16:creationId xmlns:a16="http://schemas.microsoft.com/office/drawing/2014/main" id="{7D08AF1E-B0D5-63DF-0F2D-FD629FBF1285}"/>
+              </a:ext>
+            </a:extLst>
+          </p:cNvPr>
+          <p:cNvPicPr>
+            <a:picLocks noChangeAspect="1"/>
+          </p:cNvPicPr>
+          <p:nvPr userDrawn="1"/>
+        </p:nvPicPr>
+        <p:blipFill rotWithShape="1">
+          <a:blip r:embed="rId2" cstate="print">
+            <a:extLst>
+              <a:ext uri="{28A0092B-C50C-407E-A947-70E740481C1C}">
+                <a14:useLocalDpi xmlns:a14="http://schemas.microsoft.com/office/drawing/2010/main"/>
+              </a:ext>
+            </a:extLst>
+          </a:blip>
+          <a:srcRect/>
+          <a:stretch/>
+        </p:blipFill>
+        <p:spPr>
+          <a:xfrm>
+            <a:off x="1802610" y="23813"/>
+            <a:ext cx="8586780" cy="2227730"/>
+          </a:xfrm>
+          <a:prstGeom prst="rect">
+            <a:avLst/>
+          </a:prstGeom>
+        </p:spPr>
+      </p:pic>
+      <p:sp>
+        <p:nvSpPr>
+          <p:cNvPr id="11" name="TextBox 10">
+            <a:extLst>
+              <a:ext uri="{FF2B5EF4-FFF2-40B4-BE49-F238E27FC236}">
+                <a16:creationId xmlns:a16="http://schemas.microsoft.com/office/drawing/2014/main" id="{8546358A-FFF7-5AD1-79D7-CD5BFC6B9788}"/>
+              </a:ext>
+            </a:extLst>
+          </p:cNvPr>
+          <p:cNvSpPr txBox="1"/>
+          <p:nvPr userDrawn="1"/>
+        </p:nvSpPr>
+        <p:spPr>
+          <a:xfrm>
+            <a:off x="11752976" y="6535024"/>
+            <a:ext cx="184731" cy="369332"/>
+          </a:xfrm>
+          <a:prstGeom prst="rect">
+            <a:avLst/>
+          </a:prstGeom>
+          <a:noFill/>
+        </p:spPr>
+        <p:txBody>
+          <a:bodyPr wrap="none" rtlCol="0">
+            <a:spAutoFit/>
+          </a:bodyPr>
+          <a:lstStyle/>
+          <a:p>
             <a:endParaRPr lang="en-US"/>
           </a:p>
         </p:txBody>
@@ -3096,6 +2788,294 @@
 </file>
 
 <file path=ppt/slideLayouts/slideLayout10.xml><?xml version="1.0" encoding="utf-8"?>
+<p:sldLayout xmlns:a="http://schemas.openxmlformats.org/drawingml/2006/main" xmlns:r="http://schemas.openxmlformats.org/officeDocument/2006/relationships" xmlns:p="http://schemas.openxmlformats.org/presentationml/2006/main" type="picTx" preserve="1">
+  <p:cSld name="Picture with Caption">
+    <p:spTree>
+      <p:nvGrpSpPr>
+        <p:cNvPr id="1" name=""/>
+        <p:cNvGrpSpPr/>
+        <p:nvPr/>
+      </p:nvGrpSpPr>
+      <p:grpSpPr>
+        <a:xfrm>
+          <a:off x="0" y="0"/>
+          <a:ext cx="0" cy="0"/>
+          <a:chOff x="0" y="0"/>
+          <a:chExt cx="0" cy="0"/>
+        </a:xfrm>
+      </p:grpSpPr>
+      <p:sp>
+        <p:nvSpPr>
+          <p:cNvPr id="2" name="Title 1">
+            <a:extLst>
+              <a:ext uri="{FF2B5EF4-FFF2-40B4-BE49-F238E27FC236}">
+                <a16:creationId xmlns:a16="http://schemas.microsoft.com/office/drawing/2014/main" id="{2E97F801-6C81-4D6B-B7B2-97230A4900CF}"/>
+              </a:ext>
+            </a:extLst>
+          </p:cNvPr>
+          <p:cNvSpPr>
+            <a:spLocks noGrp="1"/>
+          </p:cNvSpPr>
+          <p:nvPr>
+            <p:ph type="title"/>
+          </p:nvPr>
+        </p:nvSpPr>
+        <p:spPr>
+          <a:xfrm>
+            <a:off x="839788" y="457200"/>
+            <a:ext cx="3932237" cy="1600200"/>
+          </a:xfrm>
+        </p:spPr>
+        <p:txBody>
+          <a:bodyPr anchor="b"/>
+          <a:lstStyle>
+            <a:lvl1pPr>
+              <a:defRPr sz="3200"/>
+            </a:lvl1pPr>
+          </a:lstStyle>
+          <a:p>
+            <a:r>
+              <a:rPr lang="en-US"/>
+              <a:t>Click to edit Master title style</a:t>
+            </a:r>
+          </a:p>
+        </p:txBody>
+      </p:sp>
+      <p:sp>
+        <p:nvSpPr>
+          <p:cNvPr id="3" name="Picture Placeholder 2">
+            <a:extLst>
+              <a:ext uri="{FF2B5EF4-FFF2-40B4-BE49-F238E27FC236}">
+                <a16:creationId xmlns:a16="http://schemas.microsoft.com/office/drawing/2014/main" id="{8CBAB416-3074-4995-B313-66AF64E94B6B}"/>
+              </a:ext>
+            </a:extLst>
+          </p:cNvPr>
+          <p:cNvSpPr>
+            <a:spLocks noGrp="1"/>
+          </p:cNvSpPr>
+          <p:nvPr>
+            <p:ph type="pic" idx="1"/>
+          </p:nvPr>
+        </p:nvSpPr>
+        <p:spPr>
+          <a:xfrm>
+            <a:off x="5183188" y="987425"/>
+            <a:ext cx="6172200" cy="4873625"/>
+          </a:xfrm>
+        </p:spPr>
+        <p:txBody>
+          <a:bodyPr/>
+          <a:lstStyle>
+            <a:lvl1pPr marL="0" indent="0">
+              <a:buNone/>
+              <a:defRPr sz="3200"/>
+            </a:lvl1pPr>
+            <a:lvl2pPr marL="457200" indent="0">
+              <a:buNone/>
+              <a:defRPr sz="2800"/>
+            </a:lvl2pPr>
+            <a:lvl3pPr marL="914400" indent="0">
+              <a:buNone/>
+              <a:defRPr sz="2400"/>
+            </a:lvl3pPr>
+            <a:lvl4pPr marL="1371600" indent="0">
+              <a:buNone/>
+              <a:defRPr sz="2000"/>
+            </a:lvl4pPr>
+            <a:lvl5pPr marL="1828800" indent="0">
+              <a:buNone/>
+              <a:defRPr sz="2000"/>
+            </a:lvl5pPr>
+            <a:lvl6pPr marL="2286000" indent="0">
+              <a:buNone/>
+              <a:defRPr sz="2000"/>
+            </a:lvl6pPr>
+            <a:lvl7pPr marL="2743200" indent="0">
+              <a:buNone/>
+              <a:defRPr sz="2000"/>
+            </a:lvl7pPr>
+            <a:lvl8pPr marL="3200400" indent="0">
+              <a:buNone/>
+              <a:defRPr sz="2000"/>
+            </a:lvl8pPr>
+            <a:lvl9pPr marL="3657600" indent="0">
+              <a:buNone/>
+              <a:defRPr sz="2000"/>
+            </a:lvl9pPr>
+          </a:lstStyle>
+          <a:p>
+            <a:endParaRPr lang="en-US"/>
+          </a:p>
+        </p:txBody>
+      </p:sp>
+      <p:sp>
+        <p:nvSpPr>
+          <p:cNvPr id="4" name="Text Placeholder 3">
+            <a:extLst>
+              <a:ext uri="{FF2B5EF4-FFF2-40B4-BE49-F238E27FC236}">
+                <a16:creationId xmlns:a16="http://schemas.microsoft.com/office/drawing/2014/main" id="{7CFFE19C-018D-48CD-8969-93801731930C}"/>
+              </a:ext>
+            </a:extLst>
+          </p:cNvPr>
+          <p:cNvSpPr>
+            <a:spLocks noGrp="1"/>
+          </p:cNvSpPr>
+          <p:nvPr>
+            <p:ph type="body" sz="half" idx="2"/>
+          </p:nvPr>
+        </p:nvSpPr>
+        <p:spPr>
+          <a:xfrm>
+            <a:off x="839788" y="2057400"/>
+            <a:ext cx="3932237" cy="3811588"/>
+          </a:xfrm>
+        </p:spPr>
+        <p:txBody>
+          <a:bodyPr/>
+          <a:lstStyle>
+            <a:lvl1pPr marL="0" indent="0">
+              <a:buNone/>
+              <a:defRPr sz="1600"/>
+            </a:lvl1pPr>
+            <a:lvl2pPr marL="457200" indent="0">
+              <a:buNone/>
+              <a:defRPr sz="1400"/>
+            </a:lvl2pPr>
+            <a:lvl3pPr marL="914400" indent="0">
+              <a:buNone/>
+              <a:defRPr sz="1200"/>
+            </a:lvl3pPr>
+            <a:lvl4pPr marL="1371600" indent="0">
+              <a:buNone/>
+              <a:defRPr sz="1000"/>
+            </a:lvl4pPr>
+            <a:lvl5pPr marL="1828800" indent="0">
+              <a:buNone/>
+              <a:defRPr sz="1000"/>
+            </a:lvl5pPr>
+            <a:lvl6pPr marL="2286000" indent="0">
+              <a:buNone/>
+              <a:defRPr sz="1000"/>
+            </a:lvl6pPr>
+            <a:lvl7pPr marL="2743200" indent="0">
+              <a:buNone/>
+              <a:defRPr sz="1000"/>
+            </a:lvl7pPr>
+            <a:lvl8pPr marL="3200400" indent="0">
+              <a:buNone/>
+              <a:defRPr sz="1000"/>
+            </a:lvl8pPr>
+            <a:lvl9pPr marL="3657600" indent="0">
+              <a:buNone/>
+              <a:defRPr sz="1000"/>
+            </a:lvl9pPr>
+          </a:lstStyle>
+          <a:p>
+            <a:pPr lvl="0"/>
+            <a:r>
+              <a:rPr lang="en-US"/>
+              <a:t>Click to edit Master text styles</a:t>
+            </a:r>
+          </a:p>
+        </p:txBody>
+      </p:sp>
+      <p:sp>
+        <p:nvSpPr>
+          <p:cNvPr id="5" name="Date Placeholder 4">
+            <a:extLst>
+              <a:ext uri="{FF2B5EF4-FFF2-40B4-BE49-F238E27FC236}">
+                <a16:creationId xmlns:a16="http://schemas.microsoft.com/office/drawing/2014/main" id="{10F2BF68-344B-4350-B9BF-39BAF19D3575}"/>
+              </a:ext>
+            </a:extLst>
+          </p:cNvPr>
+          <p:cNvSpPr>
+            <a:spLocks noGrp="1"/>
+          </p:cNvSpPr>
+          <p:nvPr>
+            <p:ph type="dt" sz="half" idx="10"/>
+          </p:nvPr>
+        </p:nvSpPr>
+        <p:spPr/>
+        <p:txBody>
+          <a:bodyPr/>
+          <a:lstStyle/>
+          <a:p>
+            <a:fld id="{DFED49D2-CC62-47A6-8FD4-1840AC422660}" type="datetimeFigureOut">
+              <a:rPr lang="en-US" smtClean="0"/>
+              <a:t>9/8/22</a:t>
+            </a:fld>
+            <a:endParaRPr lang="en-US"/>
+          </a:p>
+        </p:txBody>
+      </p:sp>
+      <p:sp>
+        <p:nvSpPr>
+          <p:cNvPr id="6" name="Footer Placeholder 5">
+            <a:extLst>
+              <a:ext uri="{FF2B5EF4-FFF2-40B4-BE49-F238E27FC236}">
+                <a16:creationId xmlns:a16="http://schemas.microsoft.com/office/drawing/2014/main" id="{A0F3E74C-D45A-4301-9476-E1F94A346301}"/>
+              </a:ext>
+            </a:extLst>
+          </p:cNvPr>
+          <p:cNvSpPr>
+            <a:spLocks noGrp="1"/>
+          </p:cNvSpPr>
+          <p:nvPr>
+            <p:ph type="ftr" sz="quarter" idx="11"/>
+          </p:nvPr>
+        </p:nvSpPr>
+        <p:spPr/>
+        <p:txBody>
+          <a:bodyPr/>
+          <a:lstStyle/>
+          <a:p>
+            <a:endParaRPr lang="en-US"/>
+          </a:p>
+        </p:txBody>
+      </p:sp>
+      <p:sp>
+        <p:nvSpPr>
+          <p:cNvPr id="7" name="Slide Number Placeholder 6">
+            <a:extLst>
+              <a:ext uri="{FF2B5EF4-FFF2-40B4-BE49-F238E27FC236}">
+                <a16:creationId xmlns:a16="http://schemas.microsoft.com/office/drawing/2014/main" id="{982C367C-8F2C-49C7-A3EC-CD1CD388F765}"/>
+              </a:ext>
+            </a:extLst>
+          </p:cNvPr>
+          <p:cNvSpPr>
+            <a:spLocks noGrp="1"/>
+          </p:cNvSpPr>
+          <p:nvPr>
+            <p:ph type="sldNum" sz="quarter" idx="12"/>
+          </p:nvPr>
+        </p:nvSpPr>
+        <p:spPr/>
+        <p:txBody>
+          <a:bodyPr/>
+          <a:lstStyle/>
+          <a:p>
+            <a:fld id="{917A5D10-618F-48F3-BDB9-4DB139240047}" type="slidenum">
+              <a:rPr lang="en-US" smtClean="0"/>
+              <a:t>‹#›</a:t>
+            </a:fld>
+            <a:endParaRPr lang="en-US"/>
+          </a:p>
+        </p:txBody>
+      </p:sp>
+    </p:spTree>
+    <p:extLst>
+      <p:ext uri="{BB962C8B-B14F-4D97-AF65-F5344CB8AC3E}">
+        <p14:creationId xmlns:p14="http://schemas.microsoft.com/office/powerpoint/2010/main" val="774652344"/>
+      </p:ext>
+    </p:extLst>
+  </p:cSld>
+  <p:clrMapOvr>
+    <a:masterClrMapping/>
+  </p:clrMapOvr>
+</p:sldLayout>
+</file>
+
+<file path=ppt/slideLayouts/slideLayout11.xml><?xml version="1.0" encoding="utf-8"?>
 <p:sldLayout xmlns:a="http://schemas.openxmlformats.org/drawingml/2006/main" xmlns:r="http://schemas.openxmlformats.org/officeDocument/2006/relationships" xmlns:p="http://schemas.openxmlformats.org/presentationml/2006/main" type="vertTx" preserve="1">
   <p:cSld name="Title and Vertical Text">
     <p:spTree>
@@ -3220,7 +3200,7 @@
           <a:p>
             <a:fld id="{DFED49D2-CC62-47A6-8FD4-1840AC422660}" type="datetimeFigureOut">
               <a:rPr lang="en-US" smtClean="0"/>
-              <a:t>5/7/2022</a:t>
+              <a:t>9/8/22</a:t>
             </a:fld>
             <a:endParaRPr lang="en-US"/>
           </a:p>
@@ -3293,7 +3273,7 @@
 </p:sldLayout>
 </file>
 
-<file path=ppt/slideLayouts/slideLayout11.xml><?xml version="1.0" encoding="utf-8"?>
+<file path=ppt/slideLayouts/slideLayout12.xml><?xml version="1.0" encoding="utf-8"?>
 <p:sldLayout xmlns:a="http://schemas.openxmlformats.org/drawingml/2006/main" xmlns:r="http://schemas.openxmlformats.org/officeDocument/2006/relationships" xmlns:p="http://schemas.openxmlformats.org/presentationml/2006/main" type="vertTitleAndTx" preserve="1">
   <p:cSld name="Vertical Title and Text">
     <p:spTree>
@@ -3428,7 +3408,7 @@
           <a:p>
             <a:fld id="{DFED49D2-CC62-47A6-8FD4-1840AC422660}" type="datetimeFigureOut">
               <a:rPr lang="en-US" smtClean="0"/>
-              <a:t>5/7/2022</a:t>
+              <a:t>9/8/22</a:t>
             </a:fld>
             <a:endParaRPr lang="en-US"/>
           </a:p>
@@ -3501,7 +3481,7 @@
 </p:sldLayout>
 </file>
 
-<file path=ppt/slideLayouts/slideLayout12.xml><?xml version="1.0" encoding="utf-8"?>
+<file path=ppt/slideLayouts/slideLayout13.xml><?xml version="1.0" encoding="utf-8"?>
 <p:sldLayout xmlns:a="http://schemas.openxmlformats.org/drawingml/2006/main" xmlns:r="http://schemas.openxmlformats.org/officeDocument/2006/relationships" xmlns:p="http://schemas.openxmlformats.org/presentationml/2006/main" userDrawn="1">
   <p:cSld name="Section Title Accent Color 1">
     <p:spTree>
@@ -3542,23 +3522,15 @@
           <a:lstStyle>
             <a:lvl1pPr>
               <a:defRPr sz="7056" spc="-98" baseline="0">
-                <a:gradFill>
-                  <a:gsLst>
-                    <a:gs pos="100000">
-                      <a:schemeClr val="tx1"/>
-                    </a:gs>
-                    <a:gs pos="0">
-                      <a:schemeClr val="tx1"/>
-                    </a:gs>
-                  </a:gsLst>
-                  <a:lin ang="5400000" scaled="0"/>
-                </a:gradFill>
+                <a:solidFill>
+                  <a:srgbClr val="002060"/>
+                </a:solidFill>
               </a:defRPr>
             </a:lvl1pPr>
           </a:lstStyle>
           <a:p>
             <a:r>
-              <a:rPr lang="en-US"/>
+              <a:rPr lang="en-US" dirty="0"/>
               <a:t>Section title</a:t>
             </a:r>
           </a:p>
@@ -3580,7 +3552,7 @@
 </p:sldLayout>
 </file>
 
-<file path=ppt/slideLayouts/slideLayout13.xml><?xml version="1.0" encoding="utf-8"?>
+<file path=ppt/slideLayouts/slideLayout14.xml><?xml version="1.0" encoding="utf-8"?>
 <p:sldLayout xmlns:a="http://schemas.openxmlformats.org/drawingml/2006/main" xmlns:r="http://schemas.openxmlformats.org/officeDocument/2006/relationships" xmlns:p="http://schemas.openxmlformats.org/presentationml/2006/main" userDrawn="1">
   <p:cSld name="1_Title and Content">
     <p:spTree>
@@ -3718,7 +3690,7 @@
 </p:sldLayout>
 </file>
 
-<file path=ppt/slideLayouts/slideLayout14.xml><?xml version="1.0" encoding="utf-8"?>
+<file path=ppt/slideLayouts/slideLayout15.xml><?xml version="1.0" encoding="utf-8"?>
 <p:sldLayout xmlns:a="http://schemas.openxmlformats.org/drawingml/2006/main" xmlns:r="http://schemas.openxmlformats.org/officeDocument/2006/relationships" xmlns:p="http://schemas.openxmlformats.org/presentationml/2006/main" userDrawn="1">
   <p:cSld name="2_Title and Content">
     <p:spTree>
@@ -3889,13 +3861,30 @@
             <p:ph type="title"/>
           </p:nvPr>
         </p:nvSpPr>
-        <p:spPr/>
-        <p:txBody>
-          <a:bodyPr/>
-          <a:lstStyle/>
-          <a:p>
-            <a:r>
-              <a:rPr lang="en-US"/>
+        <p:spPr>
+          <a:xfrm>
+            <a:off x="485861" y="29565"/>
+            <a:ext cx="11258725" cy="1325563"/>
+          </a:xfrm>
+        </p:spPr>
+        <p:txBody>
+          <a:bodyPr>
+            <a:normAutofit/>
+          </a:bodyPr>
+          <a:lstStyle>
+            <a:lvl1pPr>
+              <a:defRPr sz="5400">
+                <a:solidFill>
+                  <a:srgbClr val="002060"/>
+                </a:solidFill>
+                <a:latin typeface="Segoe UI" panose="020B0502040204020203" pitchFamily="34" charset="0"/>
+                <a:cs typeface="Segoe UI" panose="020B0502040204020203" pitchFamily="34" charset="0"/>
+              </a:defRPr>
+            </a:lvl1pPr>
+          </a:lstStyle>
+          <a:p>
+            <a:r>
+              <a:rPr lang="en-US" dirty="0"/>
               <a:t>Click to edit Master title style</a:t>
             </a:r>
           </a:p>
@@ -3917,42 +3906,47 @@
             <p:ph idx="1"/>
           </p:nvPr>
         </p:nvSpPr>
-        <p:spPr/>
+        <p:spPr>
+          <a:xfrm>
+            <a:off x="838200" y="1426129"/>
+            <a:ext cx="10515600" cy="4832058"/>
+          </a:xfrm>
+        </p:spPr>
         <p:txBody>
           <a:bodyPr/>
           <a:lstStyle/>
           <a:p>
             <a:pPr lvl="0"/>
             <a:r>
-              <a:rPr lang="en-US"/>
+              <a:rPr lang="en-US" dirty="0"/>
               <a:t>Click to edit Master text styles</a:t>
             </a:r>
           </a:p>
           <a:p>
             <a:pPr lvl="1"/>
             <a:r>
-              <a:rPr lang="en-US"/>
+              <a:rPr lang="en-US" dirty="0"/>
               <a:t>Second level</a:t>
             </a:r>
           </a:p>
           <a:p>
             <a:pPr lvl="2"/>
             <a:r>
-              <a:rPr lang="en-US"/>
+              <a:rPr lang="en-US" dirty="0"/>
               <a:t>Third level</a:t>
             </a:r>
           </a:p>
           <a:p>
             <a:pPr lvl="3"/>
             <a:r>
-              <a:rPr lang="en-US"/>
+              <a:rPr lang="en-US" dirty="0"/>
               <a:t>Fourth level</a:t>
             </a:r>
           </a:p>
           <a:p>
             <a:pPr lvl="4"/>
             <a:r>
-              <a:rPr lang="en-US"/>
+              <a:rPr lang="en-US" dirty="0"/>
               <a:t>Fifth level</a:t>
             </a:r>
           </a:p>
@@ -3981,9 +3975,9 @@
           <a:p>
             <a:fld id="{DFED49D2-CC62-47A6-8FD4-1840AC422660}" type="datetimeFigureOut">
               <a:rPr lang="en-US" smtClean="0"/>
-              <a:t>5/7/2022</a:t>
+              <a:t>9/8/22</a:t>
             </a:fld>
-            <a:endParaRPr lang="en-US"/>
+            <a:endParaRPr lang="en-US" dirty="0"/>
           </a:p>
         </p:txBody>
       </p:sp>
@@ -4055,8 +4049,8 @@
 </file>
 
 <file path=ppt/slideLayouts/slideLayout3.xml><?xml version="1.0" encoding="utf-8"?>
-<p:sldLayout xmlns:a="http://schemas.openxmlformats.org/drawingml/2006/main" xmlns:r="http://schemas.openxmlformats.org/officeDocument/2006/relationships" xmlns:p="http://schemas.openxmlformats.org/presentationml/2006/main" type="secHead" preserve="1">
-  <p:cSld name="Section Header">
+<p:sldLayout xmlns:a="http://schemas.openxmlformats.org/drawingml/2006/main" xmlns:r="http://schemas.openxmlformats.org/officeDocument/2006/relationships" xmlns:p="http://schemas.openxmlformats.org/presentationml/2006/main" preserve="1" userDrawn="1">
+  <p:cSld name="Title, Sub-Title, and Content">
     <p:spTree>
       <p:nvGrpSpPr>
         <p:cNvPr id="1" name=""/>
@@ -4076,6 +4070,282 @@
           <p:cNvPr id="2" name="Title 1">
             <a:extLst>
               <a:ext uri="{FF2B5EF4-FFF2-40B4-BE49-F238E27FC236}">
+                <a16:creationId xmlns:a16="http://schemas.microsoft.com/office/drawing/2014/main" id="{5810B4F0-360B-4EB9-96E3-81C44E0DC963}"/>
+              </a:ext>
+            </a:extLst>
+          </p:cNvPr>
+          <p:cNvSpPr>
+            <a:spLocks noGrp="1"/>
+          </p:cNvSpPr>
+          <p:nvPr>
+            <p:ph type="title"/>
+          </p:nvPr>
+        </p:nvSpPr>
+        <p:spPr>
+          <a:xfrm>
+            <a:off x="487709" y="78937"/>
+            <a:ext cx="11189766" cy="888015"/>
+          </a:xfrm>
+        </p:spPr>
+        <p:txBody>
+          <a:bodyPr anchor="b" anchorCtr="0">
+            <a:normAutofit/>
+          </a:bodyPr>
+          <a:lstStyle>
+            <a:lvl1pPr>
+              <a:defRPr sz="5400" b="1">
+                <a:solidFill>
+                  <a:srgbClr val="002060"/>
+                </a:solidFill>
+                <a:latin typeface="Segoe UI" panose="020B0502040204020203" pitchFamily="34" charset="0"/>
+                <a:cs typeface="Segoe UI" panose="020B0502040204020203" pitchFamily="34" charset="0"/>
+              </a:defRPr>
+            </a:lvl1pPr>
+          </a:lstStyle>
+          <a:p>
+            <a:r>
+              <a:rPr lang="en-US" dirty="0"/>
+              <a:t>Click to edit Master title style</a:t>
+            </a:r>
+          </a:p>
+        </p:txBody>
+      </p:sp>
+      <p:sp>
+        <p:nvSpPr>
+          <p:cNvPr id="3" name="Content Placeholder 2">
+            <a:extLst>
+              <a:ext uri="{FF2B5EF4-FFF2-40B4-BE49-F238E27FC236}">
+                <a16:creationId xmlns:a16="http://schemas.microsoft.com/office/drawing/2014/main" id="{8E140711-1DC8-49A6-B5F5-4132DFE31B9B}"/>
+              </a:ext>
+            </a:extLst>
+          </p:cNvPr>
+          <p:cNvSpPr>
+            <a:spLocks noGrp="1"/>
+          </p:cNvSpPr>
+          <p:nvPr>
+            <p:ph idx="1"/>
+          </p:nvPr>
+        </p:nvSpPr>
+        <p:spPr>
+          <a:xfrm>
+            <a:off x="848436" y="1685557"/>
+            <a:ext cx="10515600" cy="4566909"/>
+          </a:xfrm>
+        </p:spPr>
+        <p:txBody>
+          <a:bodyPr/>
+          <a:lstStyle/>
+          <a:p>
+            <a:pPr lvl="0"/>
+            <a:r>
+              <a:rPr lang="en-US" dirty="0"/>
+              <a:t>Click to edit Master text styles</a:t>
+            </a:r>
+          </a:p>
+          <a:p>
+            <a:pPr lvl="1"/>
+            <a:r>
+              <a:rPr lang="en-US" dirty="0"/>
+              <a:t>Second level</a:t>
+            </a:r>
+          </a:p>
+          <a:p>
+            <a:pPr lvl="2"/>
+            <a:r>
+              <a:rPr lang="en-US" dirty="0"/>
+              <a:t>Third level</a:t>
+            </a:r>
+          </a:p>
+          <a:p>
+            <a:pPr lvl="3"/>
+            <a:r>
+              <a:rPr lang="en-US" dirty="0"/>
+              <a:t>Fourth level</a:t>
+            </a:r>
+          </a:p>
+          <a:p>
+            <a:pPr lvl="4"/>
+            <a:r>
+              <a:rPr lang="en-US" dirty="0"/>
+              <a:t>Fifth level</a:t>
+            </a:r>
+          </a:p>
+        </p:txBody>
+      </p:sp>
+      <p:sp>
+        <p:nvSpPr>
+          <p:cNvPr id="4" name="Date Placeholder 3">
+            <a:extLst>
+              <a:ext uri="{FF2B5EF4-FFF2-40B4-BE49-F238E27FC236}">
+                <a16:creationId xmlns:a16="http://schemas.microsoft.com/office/drawing/2014/main" id="{771645B8-FCD4-4220-8D4A-7939D7A68671}"/>
+              </a:ext>
+            </a:extLst>
+          </p:cNvPr>
+          <p:cNvSpPr>
+            <a:spLocks noGrp="1"/>
+          </p:cNvSpPr>
+          <p:nvPr>
+            <p:ph type="dt" sz="half" idx="10"/>
+          </p:nvPr>
+        </p:nvSpPr>
+        <p:spPr/>
+        <p:txBody>
+          <a:bodyPr/>
+          <a:lstStyle/>
+          <a:p>
+            <a:fld id="{DFED49D2-CC62-47A6-8FD4-1840AC422660}" type="datetimeFigureOut">
+              <a:rPr lang="en-US" smtClean="0"/>
+              <a:t>9/8/22</a:t>
+            </a:fld>
+            <a:endParaRPr lang="en-US"/>
+          </a:p>
+        </p:txBody>
+      </p:sp>
+      <p:sp>
+        <p:nvSpPr>
+          <p:cNvPr id="5" name="Footer Placeholder 4">
+            <a:extLst>
+              <a:ext uri="{FF2B5EF4-FFF2-40B4-BE49-F238E27FC236}">
+                <a16:creationId xmlns:a16="http://schemas.microsoft.com/office/drawing/2014/main" id="{469100D7-3212-49A0-A793-E3173C0B5D14}"/>
+              </a:ext>
+            </a:extLst>
+          </p:cNvPr>
+          <p:cNvSpPr>
+            <a:spLocks noGrp="1"/>
+          </p:cNvSpPr>
+          <p:nvPr>
+            <p:ph type="ftr" sz="quarter" idx="11"/>
+          </p:nvPr>
+        </p:nvSpPr>
+        <p:spPr/>
+        <p:txBody>
+          <a:bodyPr/>
+          <a:lstStyle/>
+          <a:p>
+            <a:endParaRPr lang="en-US"/>
+          </a:p>
+        </p:txBody>
+      </p:sp>
+      <p:sp>
+        <p:nvSpPr>
+          <p:cNvPr id="6" name="Slide Number Placeholder 5">
+            <a:extLst>
+              <a:ext uri="{FF2B5EF4-FFF2-40B4-BE49-F238E27FC236}">
+                <a16:creationId xmlns:a16="http://schemas.microsoft.com/office/drawing/2014/main" id="{AB3A8383-8F48-4AB8-8F64-6C8A9645963E}"/>
+              </a:ext>
+            </a:extLst>
+          </p:cNvPr>
+          <p:cNvSpPr>
+            <a:spLocks noGrp="1"/>
+          </p:cNvSpPr>
+          <p:nvPr>
+            <p:ph type="sldNum" sz="quarter" idx="12"/>
+          </p:nvPr>
+        </p:nvSpPr>
+        <p:spPr/>
+        <p:txBody>
+          <a:bodyPr/>
+          <a:lstStyle/>
+          <a:p>
+            <a:fld id="{917A5D10-618F-48F3-BDB9-4DB139240047}" type="slidenum">
+              <a:rPr lang="en-US" smtClean="0"/>
+              <a:t>‹#›</a:t>
+            </a:fld>
+            <a:endParaRPr lang="en-US"/>
+          </a:p>
+        </p:txBody>
+      </p:sp>
+      <p:sp>
+        <p:nvSpPr>
+          <p:cNvPr id="19" name="Text Placeholder 18">
+            <a:extLst>
+              <a:ext uri="{FF2B5EF4-FFF2-40B4-BE49-F238E27FC236}">
+                <a16:creationId xmlns:a16="http://schemas.microsoft.com/office/drawing/2014/main" id="{738FEA66-B7E9-6710-D9E6-19E07A3DB91A}"/>
+              </a:ext>
+            </a:extLst>
+          </p:cNvPr>
+          <p:cNvSpPr>
+            <a:spLocks noGrp="1"/>
+          </p:cNvSpPr>
+          <p:nvPr>
+            <p:ph type="body" sz="quarter" idx="13" hasCustomPrompt="1"/>
+          </p:nvPr>
+        </p:nvSpPr>
+        <p:spPr>
+          <a:xfrm>
+            <a:off x="491705" y="903894"/>
+            <a:ext cx="11189766" cy="614362"/>
+          </a:xfrm>
+        </p:spPr>
+        <p:txBody>
+          <a:bodyPr>
+            <a:normAutofit/>
+          </a:bodyPr>
+          <a:lstStyle>
+            <a:lvl1pPr marL="0" indent="0">
+              <a:buNone/>
+              <a:defRPr sz="3200" b="1">
+                <a:solidFill>
+                  <a:srgbClr val="7030A0"/>
+                </a:solidFill>
+              </a:defRPr>
+            </a:lvl1pPr>
+          </a:lstStyle>
+          <a:p>
+            <a:pPr lvl="0"/>
+            <a:r>
+              <a:rPr lang="en-US" dirty="0"/>
+              <a:t>Click to add sub-title</a:t>
+            </a:r>
+          </a:p>
+        </p:txBody>
+      </p:sp>
+    </p:spTree>
+    <p:extLst>
+      <p:ext uri="{BB962C8B-B14F-4D97-AF65-F5344CB8AC3E}">
+        <p14:creationId xmlns:p14="http://schemas.microsoft.com/office/powerpoint/2010/main" val="1794283035"/>
+      </p:ext>
+    </p:extLst>
+  </p:cSld>
+  <p:clrMapOvr>
+    <a:masterClrMapping/>
+  </p:clrMapOvr>
+</p:sldLayout>
+</file>
+
+<file path=ppt/slideLayouts/slideLayout4.xml><?xml version="1.0" encoding="utf-8"?>
+<p:sldLayout xmlns:a="http://schemas.openxmlformats.org/drawingml/2006/main" xmlns:r="http://schemas.openxmlformats.org/officeDocument/2006/relationships" xmlns:p="http://schemas.openxmlformats.org/presentationml/2006/main" showMasterSp="0" type="secHead" preserve="1">
+  <p:cSld name="Section Header">
+    <p:bg>
+      <p:bgPr>
+        <a:solidFill>
+          <a:schemeClr val="tx1">
+            <a:lumMod val="85000"/>
+            <a:lumOff val="15000"/>
+          </a:schemeClr>
+        </a:solidFill>
+        <a:effectLst/>
+      </p:bgPr>
+    </p:bg>
+    <p:spTree>
+      <p:nvGrpSpPr>
+        <p:cNvPr id="1" name=""/>
+        <p:cNvGrpSpPr/>
+        <p:nvPr/>
+      </p:nvGrpSpPr>
+      <p:grpSpPr>
+        <a:xfrm>
+          <a:off x="0" y="0"/>
+          <a:ext cx="0" cy="0"/>
+          <a:chOff x="0" y="0"/>
+          <a:chExt cx="0" cy="0"/>
+        </a:xfrm>
+      </p:grpSpPr>
+      <p:sp>
+        <p:nvSpPr>
+          <p:cNvPr id="2" name="Title 1">
+            <a:extLst>
+              <a:ext uri="{FF2B5EF4-FFF2-40B4-BE49-F238E27FC236}">
                 <a16:creationId xmlns:a16="http://schemas.microsoft.com/office/drawing/2014/main" id="{E870AD11-B0DD-4350-A7FF-FA0E289A3E17}"/>
               </a:ext>
             </a:extLst>
@@ -4089,20 +4359,26 @@
         </p:nvSpPr>
         <p:spPr>
           <a:xfrm>
-            <a:off x="831850" y="1709738"/>
-            <a:ext cx="10515600" cy="2852737"/>
+            <a:off x="831850" y="1317852"/>
+            <a:ext cx="10515600" cy="2132919"/>
           </a:xfrm>
         </p:spPr>
         <p:txBody>
-          <a:bodyPr anchor="b"/>
+          <a:bodyPr anchor="b" anchorCtr="1">
+            <a:normAutofit/>
+          </a:bodyPr>
           <a:lstStyle>
             <a:lvl1pPr>
-              <a:defRPr sz="6000"/>
+              <a:defRPr sz="6600">
+                <a:solidFill>
+                  <a:schemeClr val="bg1"/>
+                </a:solidFill>
+              </a:defRPr>
             </a:lvl1pPr>
           </a:lstStyle>
           <a:p>
             <a:r>
-              <a:rPr lang="en-US"/>
+              <a:rPr lang="en-US" dirty="0"/>
               <a:t>Click to edit Master title style</a:t>
             </a:r>
           </a:p>
@@ -4121,25 +4397,25 @@
             <a:spLocks noGrp="1"/>
           </p:cNvSpPr>
           <p:nvPr>
-            <p:ph type="body" idx="1"/>
+            <p:ph type="body" idx="1" hasCustomPrompt="1"/>
           </p:nvPr>
         </p:nvSpPr>
         <p:spPr>
           <a:xfrm>
-            <a:off x="831850" y="4589463"/>
+            <a:off x="831850" y="3450771"/>
             <a:ext cx="10515600" cy="1500187"/>
           </a:xfrm>
         </p:spPr>
         <p:txBody>
-          <a:bodyPr/>
+          <a:bodyPr anchor="t" anchorCtr="1">
+            <a:normAutofit/>
+          </a:bodyPr>
           <a:lstStyle>
             <a:lvl1pPr marL="0" indent="0">
               <a:buNone/>
-              <a:defRPr sz="2400">
+              <a:defRPr sz="4400">
                 <a:solidFill>
-                  <a:schemeClr val="tx1">
-                    <a:tint val="75000"/>
-                  </a:schemeClr>
+                  <a:srgbClr val="9966FF"/>
                 </a:solidFill>
               </a:defRPr>
             </a:lvl1pPr>
@@ -4227,8 +4503,8 @@
           <a:p>
             <a:pPr lvl="0"/>
             <a:r>
-              <a:rPr lang="en-US"/>
-              <a:t>Click to edit Master text styles</a:t>
+              <a:rPr lang="en-US" dirty="0"/>
+              <a:t>Click to add sub-title</a:t>
             </a:r>
           </a:p>
         </p:txBody>
@@ -4256,7 +4532,7 @@
           <a:p>
             <a:fld id="{DFED49D2-CC62-47A6-8FD4-1840AC422660}" type="datetimeFigureOut">
               <a:rPr lang="en-US" smtClean="0"/>
-              <a:t>5/7/2022</a:t>
+              <a:t>9/8/22</a:t>
             </a:fld>
             <a:endParaRPr lang="en-US"/>
           </a:p>
@@ -4316,6 +4592,42 @@
           </a:p>
         </p:txBody>
       </p:sp>
+      <p:pic>
+        <p:nvPicPr>
+          <p:cNvPr id="8" name="Picture 7" descr="Text&#10;&#10;Description automatically generated with medium confidence">
+            <a:extLst>
+              <a:ext uri="{FF2B5EF4-FFF2-40B4-BE49-F238E27FC236}">
+                <a16:creationId xmlns:a16="http://schemas.microsoft.com/office/drawing/2014/main" id="{A35AF375-9C2D-49F8-461B-264347C90D8D}"/>
+              </a:ext>
+            </a:extLst>
+          </p:cNvPr>
+          <p:cNvPicPr>
+            <a:picLocks noChangeAspect="1"/>
+          </p:cNvPicPr>
+          <p:nvPr userDrawn="1"/>
+        </p:nvPicPr>
+        <p:blipFill>
+          <a:blip r:embed="rId2" cstate="print">
+            <a:extLst>
+              <a:ext uri="{28A0092B-C50C-407E-A947-70E740481C1C}">
+                <a14:useLocalDpi xmlns:a14="http://schemas.microsoft.com/office/drawing/2010/main"/>
+              </a:ext>
+            </a:extLst>
+          </a:blip>
+          <a:stretch>
+            <a:fillRect/>
+          </a:stretch>
+        </p:blipFill>
+        <p:spPr>
+          <a:xfrm>
+            <a:off x="8366549" y="-360558"/>
+            <a:ext cx="4173794" cy="1964246"/>
+          </a:xfrm>
+          <a:prstGeom prst="rect">
+            <a:avLst/>
+          </a:prstGeom>
+        </p:spPr>
+      </p:pic>
     </p:spTree>
     <p:extLst>
       <p:ext uri="{BB962C8B-B14F-4D97-AF65-F5344CB8AC3E}">
@@ -4329,7 +4641,7 @@
 </p:sldLayout>
 </file>
 
-<file path=ppt/slideLayouts/slideLayout4.xml><?xml version="1.0" encoding="utf-8"?>
+<file path=ppt/slideLayouts/slideLayout5.xml><?xml version="1.0" encoding="utf-8"?>
 <p:sldLayout xmlns:a="http://schemas.openxmlformats.org/drawingml/2006/main" xmlns:r="http://schemas.openxmlformats.org/officeDocument/2006/relationships" xmlns:p="http://schemas.openxmlformats.org/presentationml/2006/main" type="twoObj" preserve="1">
   <p:cSld name="Two Content">
     <p:spTree>
@@ -4521,7 +4833,7 @@
           <a:p>
             <a:fld id="{DFED49D2-CC62-47A6-8FD4-1840AC422660}" type="datetimeFigureOut">
               <a:rPr lang="en-US" smtClean="0"/>
-              <a:t>5/7/2022</a:t>
+              <a:t>9/8/22</a:t>
             </a:fld>
             <a:endParaRPr lang="en-US"/>
           </a:p>
@@ -4594,7 +4906,7 @@
 </p:sldLayout>
 </file>
 
-<file path=ppt/slideLayouts/slideLayout5.xml><?xml version="1.0" encoding="utf-8"?>
+<file path=ppt/slideLayouts/slideLayout6.xml><?xml version="1.0" encoding="utf-8"?>
 <p:sldLayout xmlns:a="http://schemas.openxmlformats.org/drawingml/2006/main" xmlns:r="http://schemas.openxmlformats.org/officeDocument/2006/relationships" xmlns:p="http://schemas.openxmlformats.org/presentationml/2006/main" type="twoTxTwoObj" preserve="1">
   <p:cSld name="Comparison">
     <p:spTree>
@@ -4933,7 +5245,7 @@
           <a:p>
             <a:fld id="{DFED49D2-CC62-47A6-8FD4-1840AC422660}" type="datetimeFigureOut">
               <a:rPr lang="en-US" smtClean="0"/>
-              <a:t>5/7/2022</a:t>
+              <a:t>9/8/22</a:t>
             </a:fld>
             <a:endParaRPr lang="en-US"/>
           </a:p>
@@ -5006,7 +5318,7 @@
 </p:sldLayout>
 </file>
 
-<file path=ppt/slideLayouts/slideLayout6.xml><?xml version="1.0" encoding="utf-8"?>
+<file path=ppt/slideLayouts/slideLayout7.xml><?xml version="1.0" encoding="utf-8"?>
 <p:sldLayout xmlns:a="http://schemas.openxmlformats.org/drawingml/2006/main" xmlns:r="http://schemas.openxmlformats.org/officeDocument/2006/relationships" xmlns:p="http://schemas.openxmlformats.org/presentationml/2006/main" type="titleOnly" preserve="1">
   <p:cSld name="Title Only">
     <p:spTree>
@@ -5039,7 +5351,12 @@
             <p:ph type="title"/>
           </p:nvPr>
         </p:nvSpPr>
-        <p:spPr/>
+        <p:spPr>
+          <a:xfrm>
+            <a:off x="838200" y="4398"/>
+            <a:ext cx="10515600" cy="1325563"/>
+          </a:xfrm>
+        </p:spPr>
         <p:txBody>
           <a:bodyPr/>
           <a:lstStyle/>
@@ -5074,7 +5391,7 @@
           <a:p>
             <a:fld id="{DFED49D2-CC62-47A6-8FD4-1840AC422660}" type="datetimeFigureOut">
               <a:rPr lang="en-US" smtClean="0"/>
-              <a:t>5/7/2022</a:t>
+              <a:t>9/8/22</a:t>
             </a:fld>
             <a:endParaRPr lang="en-US"/>
           </a:p>
@@ -5147,7 +5464,7 @@
 </p:sldLayout>
 </file>
 
-<file path=ppt/slideLayouts/slideLayout7.xml><?xml version="1.0" encoding="utf-8"?>
+<file path=ppt/slideLayouts/slideLayout8.xml><?xml version="1.0" encoding="utf-8"?>
 <p:sldLayout xmlns:a="http://schemas.openxmlformats.org/drawingml/2006/main" xmlns:r="http://schemas.openxmlformats.org/officeDocument/2006/relationships" xmlns:p="http://schemas.openxmlformats.org/presentationml/2006/main" type="blank" preserve="1">
   <p:cSld name="Blank">
     <p:spTree>
@@ -5187,7 +5504,7 @@
           <a:p>
             <a:fld id="{DFED49D2-CC62-47A6-8FD4-1840AC422660}" type="datetimeFigureOut">
               <a:rPr lang="en-US" smtClean="0"/>
-              <a:t>5/7/2022</a:t>
+              <a:t>9/8/22</a:t>
             </a:fld>
             <a:endParaRPr lang="en-US"/>
           </a:p>
@@ -5260,7 +5577,7 @@
 </p:sldLayout>
 </file>
 
-<file path=ppt/slideLayouts/slideLayout8.xml><?xml version="1.0" encoding="utf-8"?>
+<file path=ppt/slideLayouts/slideLayout9.xml><?xml version="1.0" encoding="utf-8"?>
 <p:sldLayout xmlns:a="http://schemas.openxmlformats.org/drawingml/2006/main" xmlns:r="http://schemas.openxmlformats.org/officeDocument/2006/relationships" xmlns:p="http://schemas.openxmlformats.org/presentationml/2006/main" type="objTx" preserve="1">
   <p:cSld name="Content with Caption">
     <p:spTree>
@@ -5498,7 +5815,7 @@
           <a:p>
             <a:fld id="{DFED49D2-CC62-47A6-8FD4-1840AC422660}" type="datetimeFigureOut">
               <a:rPr lang="en-US" smtClean="0"/>
-              <a:t>5/7/2022</a:t>
+              <a:t>9/8/22</a:t>
             </a:fld>
             <a:endParaRPr lang="en-US"/>
           </a:p>
@@ -5562,294 +5879,6 @@
     <p:extLst>
       <p:ext uri="{BB962C8B-B14F-4D97-AF65-F5344CB8AC3E}">
         <p14:creationId xmlns:p14="http://schemas.microsoft.com/office/powerpoint/2010/main" val="3784463209"/>
-      </p:ext>
-    </p:extLst>
-  </p:cSld>
-  <p:clrMapOvr>
-    <a:masterClrMapping/>
-  </p:clrMapOvr>
-</p:sldLayout>
-</file>
-
-<file path=ppt/slideLayouts/slideLayout9.xml><?xml version="1.0" encoding="utf-8"?>
-<p:sldLayout xmlns:a="http://schemas.openxmlformats.org/drawingml/2006/main" xmlns:r="http://schemas.openxmlformats.org/officeDocument/2006/relationships" xmlns:p="http://schemas.openxmlformats.org/presentationml/2006/main" type="picTx" preserve="1">
-  <p:cSld name="Picture with Caption">
-    <p:spTree>
-      <p:nvGrpSpPr>
-        <p:cNvPr id="1" name=""/>
-        <p:cNvGrpSpPr/>
-        <p:nvPr/>
-      </p:nvGrpSpPr>
-      <p:grpSpPr>
-        <a:xfrm>
-          <a:off x="0" y="0"/>
-          <a:ext cx="0" cy="0"/>
-          <a:chOff x="0" y="0"/>
-          <a:chExt cx="0" cy="0"/>
-        </a:xfrm>
-      </p:grpSpPr>
-      <p:sp>
-        <p:nvSpPr>
-          <p:cNvPr id="2" name="Title 1">
-            <a:extLst>
-              <a:ext uri="{FF2B5EF4-FFF2-40B4-BE49-F238E27FC236}">
-                <a16:creationId xmlns:a16="http://schemas.microsoft.com/office/drawing/2014/main" id="{2E97F801-6C81-4D6B-B7B2-97230A4900CF}"/>
-              </a:ext>
-            </a:extLst>
-          </p:cNvPr>
-          <p:cNvSpPr>
-            <a:spLocks noGrp="1"/>
-          </p:cNvSpPr>
-          <p:nvPr>
-            <p:ph type="title"/>
-          </p:nvPr>
-        </p:nvSpPr>
-        <p:spPr>
-          <a:xfrm>
-            <a:off x="839788" y="457200"/>
-            <a:ext cx="3932237" cy="1600200"/>
-          </a:xfrm>
-        </p:spPr>
-        <p:txBody>
-          <a:bodyPr anchor="b"/>
-          <a:lstStyle>
-            <a:lvl1pPr>
-              <a:defRPr sz="3200"/>
-            </a:lvl1pPr>
-          </a:lstStyle>
-          <a:p>
-            <a:r>
-              <a:rPr lang="en-US"/>
-              <a:t>Click to edit Master title style</a:t>
-            </a:r>
-          </a:p>
-        </p:txBody>
-      </p:sp>
-      <p:sp>
-        <p:nvSpPr>
-          <p:cNvPr id="3" name="Picture Placeholder 2">
-            <a:extLst>
-              <a:ext uri="{FF2B5EF4-FFF2-40B4-BE49-F238E27FC236}">
-                <a16:creationId xmlns:a16="http://schemas.microsoft.com/office/drawing/2014/main" id="{8CBAB416-3074-4995-B313-66AF64E94B6B}"/>
-              </a:ext>
-            </a:extLst>
-          </p:cNvPr>
-          <p:cNvSpPr>
-            <a:spLocks noGrp="1"/>
-          </p:cNvSpPr>
-          <p:nvPr>
-            <p:ph type="pic" idx="1"/>
-          </p:nvPr>
-        </p:nvSpPr>
-        <p:spPr>
-          <a:xfrm>
-            <a:off x="5183188" y="987425"/>
-            <a:ext cx="6172200" cy="4873625"/>
-          </a:xfrm>
-        </p:spPr>
-        <p:txBody>
-          <a:bodyPr/>
-          <a:lstStyle>
-            <a:lvl1pPr marL="0" indent="0">
-              <a:buNone/>
-              <a:defRPr sz="3200"/>
-            </a:lvl1pPr>
-            <a:lvl2pPr marL="457200" indent="0">
-              <a:buNone/>
-              <a:defRPr sz="2800"/>
-            </a:lvl2pPr>
-            <a:lvl3pPr marL="914400" indent="0">
-              <a:buNone/>
-              <a:defRPr sz="2400"/>
-            </a:lvl3pPr>
-            <a:lvl4pPr marL="1371600" indent="0">
-              <a:buNone/>
-              <a:defRPr sz="2000"/>
-            </a:lvl4pPr>
-            <a:lvl5pPr marL="1828800" indent="0">
-              <a:buNone/>
-              <a:defRPr sz="2000"/>
-            </a:lvl5pPr>
-            <a:lvl6pPr marL="2286000" indent="0">
-              <a:buNone/>
-              <a:defRPr sz="2000"/>
-            </a:lvl6pPr>
-            <a:lvl7pPr marL="2743200" indent="0">
-              <a:buNone/>
-              <a:defRPr sz="2000"/>
-            </a:lvl7pPr>
-            <a:lvl8pPr marL="3200400" indent="0">
-              <a:buNone/>
-              <a:defRPr sz="2000"/>
-            </a:lvl8pPr>
-            <a:lvl9pPr marL="3657600" indent="0">
-              <a:buNone/>
-              <a:defRPr sz="2000"/>
-            </a:lvl9pPr>
-          </a:lstStyle>
-          <a:p>
-            <a:endParaRPr lang="en-US"/>
-          </a:p>
-        </p:txBody>
-      </p:sp>
-      <p:sp>
-        <p:nvSpPr>
-          <p:cNvPr id="4" name="Text Placeholder 3">
-            <a:extLst>
-              <a:ext uri="{FF2B5EF4-FFF2-40B4-BE49-F238E27FC236}">
-                <a16:creationId xmlns:a16="http://schemas.microsoft.com/office/drawing/2014/main" id="{7CFFE19C-018D-48CD-8969-93801731930C}"/>
-              </a:ext>
-            </a:extLst>
-          </p:cNvPr>
-          <p:cNvSpPr>
-            <a:spLocks noGrp="1"/>
-          </p:cNvSpPr>
-          <p:nvPr>
-            <p:ph type="body" sz="half" idx="2"/>
-          </p:nvPr>
-        </p:nvSpPr>
-        <p:spPr>
-          <a:xfrm>
-            <a:off x="839788" y="2057400"/>
-            <a:ext cx="3932237" cy="3811588"/>
-          </a:xfrm>
-        </p:spPr>
-        <p:txBody>
-          <a:bodyPr/>
-          <a:lstStyle>
-            <a:lvl1pPr marL="0" indent="0">
-              <a:buNone/>
-              <a:defRPr sz="1600"/>
-            </a:lvl1pPr>
-            <a:lvl2pPr marL="457200" indent="0">
-              <a:buNone/>
-              <a:defRPr sz="1400"/>
-            </a:lvl2pPr>
-            <a:lvl3pPr marL="914400" indent="0">
-              <a:buNone/>
-              <a:defRPr sz="1200"/>
-            </a:lvl3pPr>
-            <a:lvl4pPr marL="1371600" indent="0">
-              <a:buNone/>
-              <a:defRPr sz="1000"/>
-            </a:lvl4pPr>
-            <a:lvl5pPr marL="1828800" indent="0">
-              <a:buNone/>
-              <a:defRPr sz="1000"/>
-            </a:lvl5pPr>
-            <a:lvl6pPr marL="2286000" indent="0">
-              <a:buNone/>
-              <a:defRPr sz="1000"/>
-            </a:lvl6pPr>
-            <a:lvl7pPr marL="2743200" indent="0">
-              <a:buNone/>
-              <a:defRPr sz="1000"/>
-            </a:lvl7pPr>
-            <a:lvl8pPr marL="3200400" indent="0">
-              <a:buNone/>
-              <a:defRPr sz="1000"/>
-            </a:lvl8pPr>
-            <a:lvl9pPr marL="3657600" indent="0">
-              <a:buNone/>
-              <a:defRPr sz="1000"/>
-            </a:lvl9pPr>
-          </a:lstStyle>
-          <a:p>
-            <a:pPr lvl="0"/>
-            <a:r>
-              <a:rPr lang="en-US"/>
-              <a:t>Click to edit Master text styles</a:t>
-            </a:r>
-          </a:p>
-        </p:txBody>
-      </p:sp>
-      <p:sp>
-        <p:nvSpPr>
-          <p:cNvPr id="5" name="Date Placeholder 4">
-            <a:extLst>
-              <a:ext uri="{FF2B5EF4-FFF2-40B4-BE49-F238E27FC236}">
-                <a16:creationId xmlns:a16="http://schemas.microsoft.com/office/drawing/2014/main" id="{10F2BF68-344B-4350-B9BF-39BAF19D3575}"/>
-              </a:ext>
-            </a:extLst>
-          </p:cNvPr>
-          <p:cNvSpPr>
-            <a:spLocks noGrp="1"/>
-          </p:cNvSpPr>
-          <p:nvPr>
-            <p:ph type="dt" sz="half" idx="10"/>
-          </p:nvPr>
-        </p:nvSpPr>
-        <p:spPr/>
-        <p:txBody>
-          <a:bodyPr/>
-          <a:lstStyle/>
-          <a:p>
-            <a:fld id="{DFED49D2-CC62-47A6-8FD4-1840AC422660}" type="datetimeFigureOut">
-              <a:rPr lang="en-US" smtClean="0"/>
-              <a:t>5/7/2022</a:t>
-            </a:fld>
-            <a:endParaRPr lang="en-US"/>
-          </a:p>
-        </p:txBody>
-      </p:sp>
-      <p:sp>
-        <p:nvSpPr>
-          <p:cNvPr id="6" name="Footer Placeholder 5">
-            <a:extLst>
-              <a:ext uri="{FF2B5EF4-FFF2-40B4-BE49-F238E27FC236}">
-                <a16:creationId xmlns:a16="http://schemas.microsoft.com/office/drawing/2014/main" id="{A0F3E74C-D45A-4301-9476-E1F94A346301}"/>
-              </a:ext>
-            </a:extLst>
-          </p:cNvPr>
-          <p:cNvSpPr>
-            <a:spLocks noGrp="1"/>
-          </p:cNvSpPr>
-          <p:nvPr>
-            <p:ph type="ftr" sz="quarter" idx="11"/>
-          </p:nvPr>
-        </p:nvSpPr>
-        <p:spPr/>
-        <p:txBody>
-          <a:bodyPr/>
-          <a:lstStyle/>
-          <a:p>
-            <a:endParaRPr lang="en-US"/>
-          </a:p>
-        </p:txBody>
-      </p:sp>
-      <p:sp>
-        <p:nvSpPr>
-          <p:cNvPr id="7" name="Slide Number Placeholder 6">
-            <a:extLst>
-              <a:ext uri="{FF2B5EF4-FFF2-40B4-BE49-F238E27FC236}">
-                <a16:creationId xmlns:a16="http://schemas.microsoft.com/office/drawing/2014/main" id="{982C367C-8F2C-49C7-A3EC-CD1CD388F765}"/>
-              </a:ext>
-            </a:extLst>
-          </p:cNvPr>
-          <p:cNvSpPr>
-            <a:spLocks noGrp="1"/>
-          </p:cNvSpPr>
-          <p:nvPr>
-            <p:ph type="sldNum" sz="quarter" idx="12"/>
-          </p:nvPr>
-        </p:nvSpPr>
-        <p:spPr/>
-        <p:txBody>
-          <a:bodyPr/>
-          <a:lstStyle/>
-          <a:p>
-            <a:fld id="{917A5D10-618F-48F3-BDB9-4DB139240047}" type="slidenum">
-              <a:rPr lang="en-US" smtClean="0"/>
-              <a:t>‹#›</a:t>
-            </a:fld>
-            <a:endParaRPr lang="en-US"/>
-          </a:p>
-        </p:txBody>
-      </p:sp>
-    </p:spTree>
-    <p:extLst>
-      <p:ext uri="{BB962C8B-B14F-4D97-AF65-F5344CB8AC3E}">
-        <p14:creationId xmlns:p14="http://schemas.microsoft.com/office/powerpoint/2010/main" val="774652344"/>
       </p:ext>
     </p:extLst>
   </p:cSld>
@@ -5913,7 +5942,7 @@
           <a:lstStyle/>
           <a:p>
             <a:r>
-              <a:rPr lang="en-US"/>
+              <a:rPr lang="en-US" dirty="0"/>
               <a:t>Click to edit Master title style</a:t>
             </a:r>
           </a:p>
@@ -5952,35 +5981,35 @@
           <a:p>
             <a:pPr lvl="0"/>
             <a:r>
-              <a:rPr lang="en-US"/>
+              <a:rPr lang="en-US" dirty="0"/>
               <a:t>Click to edit Master text styles</a:t>
             </a:r>
           </a:p>
           <a:p>
             <a:pPr lvl="1"/>
             <a:r>
-              <a:rPr lang="en-US"/>
+              <a:rPr lang="en-US" dirty="0"/>
               <a:t>Second level</a:t>
             </a:r>
           </a:p>
           <a:p>
             <a:pPr lvl="2"/>
             <a:r>
-              <a:rPr lang="en-US"/>
+              <a:rPr lang="en-US" dirty="0"/>
               <a:t>Third level</a:t>
             </a:r>
           </a:p>
           <a:p>
             <a:pPr lvl="3"/>
             <a:r>
-              <a:rPr lang="en-US"/>
+              <a:rPr lang="en-US" dirty="0"/>
               <a:t>Fourth level</a:t>
             </a:r>
           </a:p>
           <a:p>
             <a:pPr lvl="4"/>
             <a:r>
-              <a:rPr lang="en-US"/>
+              <a:rPr lang="en-US" dirty="0"/>
               <a:t>Fifth level</a:t>
             </a:r>
           </a:p>
@@ -6027,7 +6056,7 @@
           <a:p>
             <a:fld id="{DFED49D2-CC62-47A6-8FD4-1840AC422660}" type="datetimeFigureOut">
               <a:rPr lang="en-US" smtClean="0"/>
-              <a:t>5/7/2022</a:t>
+              <a:t>9/8/22</a:t>
             </a:fld>
             <a:endParaRPr lang="en-US"/>
           </a:p>
@@ -6123,6 +6152,42 @@
           </a:p>
         </p:txBody>
       </p:sp>
+      <p:pic>
+        <p:nvPicPr>
+          <p:cNvPr id="8" name="Picture 7" descr="Text&#10;&#10;Description automatically generated">
+            <a:extLst>
+              <a:ext uri="{FF2B5EF4-FFF2-40B4-BE49-F238E27FC236}">
+                <a16:creationId xmlns:a16="http://schemas.microsoft.com/office/drawing/2014/main" id="{301A8B75-9CB5-C41B-C7DE-8AF28044702A}"/>
+              </a:ext>
+            </a:extLst>
+          </p:cNvPr>
+          <p:cNvPicPr>
+            <a:picLocks noChangeAspect="1"/>
+          </p:cNvPicPr>
+          <p:nvPr userDrawn="1"/>
+        </p:nvPicPr>
+        <p:blipFill>
+          <a:blip r:embed="rId17">
+            <a:extLst>
+              <a:ext uri="{28A0092B-C50C-407E-A947-70E740481C1C}">
+                <a14:useLocalDpi xmlns:a14="http://schemas.microsoft.com/office/drawing/2010/main" val="0"/>
+              </a:ext>
+            </a:extLst>
+          </a:blip>
+          <a:stretch>
+            <a:fillRect/>
+          </a:stretch>
+        </p:blipFill>
+        <p:spPr>
+          <a:xfrm>
+            <a:off x="10935552" y="5741630"/>
+            <a:ext cx="1293696" cy="1292499"/>
+          </a:xfrm>
+          <a:prstGeom prst="rect">
+            <a:avLst/>
+          </a:prstGeom>
+        </p:spPr>
+      </p:pic>
     </p:spTree>
     <p:extLst>
       <p:ext uri="{BB962C8B-B14F-4D97-AF65-F5344CB8AC3E}">
@@ -6134,18 +6199,19 @@
   <p:sldLayoutIdLst>
     <p:sldLayoutId id="2147483987" r:id="rId1"/>
     <p:sldLayoutId id="2147483988" r:id="rId2"/>
-    <p:sldLayoutId id="2147483989" r:id="rId3"/>
-    <p:sldLayoutId id="2147483990" r:id="rId4"/>
-    <p:sldLayoutId id="2147483991" r:id="rId5"/>
-    <p:sldLayoutId id="2147483992" r:id="rId6"/>
-    <p:sldLayoutId id="2147483993" r:id="rId7"/>
-    <p:sldLayoutId id="2147483994" r:id="rId8"/>
-    <p:sldLayoutId id="2147483995" r:id="rId9"/>
-    <p:sldLayoutId id="2147483996" r:id="rId10"/>
-    <p:sldLayoutId id="2147483997" r:id="rId11"/>
-    <p:sldLayoutId id="2147484017" r:id="rId12"/>
-    <p:sldLayoutId id="2147484018" r:id="rId13"/>
-    <p:sldLayoutId id="2147484019" r:id="rId14"/>
+    <p:sldLayoutId id="2147484020" r:id="rId3"/>
+    <p:sldLayoutId id="2147483989" r:id="rId4"/>
+    <p:sldLayoutId id="2147483990" r:id="rId5"/>
+    <p:sldLayoutId id="2147483991" r:id="rId6"/>
+    <p:sldLayoutId id="2147483992" r:id="rId7"/>
+    <p:sldLayoutId id="2147483993" r:id="rId8"/>
+    <p:sldLayoutId id="2147483994" r:id="rId9"/>
+    <p:sldLayoutId id="2147483995" r:id="rId10"/>
+    <p:sldLayoutId id="2147483996" r:id="rId11"/>
+    <p:sldLayoutId id="2147483997" r:id="rId12"/>
+    <p:sldLayoutId id="2147484017" r:id="rId13"/>
+    <p:sldLayoutId id="2147484018" r:id="rId14"/>
+    <p:sldLayoutId id="2147484019" r:id="rId15"/>
   </p:sldLayoutIdLst>
   <p:txStyles>
     <p:titleStyle>
@@ -6157,13 +6223,13 @@
           <a:spcPct val="0"/>
         </a:spcBef>
         <a:buNone/>
-        <a:defRPr sz="4400" kern="1200">
+        <a:defRPr sz="5400" b="1" kern="1200">
           <a:solidFill>
-            <a:schemeClr val="tx1"/>
+            <a:srgbClr val="002060"/>
           </a:solidFill>
-          <a:latin typeface="+mj-lt"/>
-          <a:ea typeface="+mj-ea"/>
-          <a:cs typeface="+mj-cs"/>
+          <a:latin typeface="Segoe UI" panose="020B0502040204020203" pitchFamily="34" charset="0"/>
+          <a:ea typeface="Segoe UI Historic" panose="020B0502040204020203" pitchFamily="34" charset="0"/>
+          <a:cs typeface="Segoe UI" panose="020B0502040204020203" pitchFamily="34" charset="0"/>
         </a:defRPr>
       </a:lvl1pPr>
     </p:titleStyle>
@@ -6181,9 +6247,9 @@
           <a:solidFill>
             <a:schemeClr val="tx1"/>
           </a:solidFill>
-          <a:latin typeface="+mn-lt"/>
+          <a:latin typeface="Segoe UI" panose="020B0502040204020203" pitchFamily="34" charset="0"/>
           <a:ea typeface="+mn-ea"/>
-          <a:cs typeface="+mn-cs"/>
+          <a:cs typeface="Segoe UI" panose="020B0502040204020203" pitchFamily="34" charset="0"/>
         </a:defRPr>
       </a:lvl1pPr>
       <a:lvl2pPr marL="685800" indent="-228600" algn="l" defTabSz="914400" rtl="0" eaLnBrk="1" latinLnBrk="0" hangingPunct="1">
@@ -6199,9 +6265,9 @@
           <a:solidFill>
             <a:schemeClr val="tx1"/>
           </a:solidFill>
-          <a:latin typeface="+mn-lt"/>
+          <a:latin typeface="Segoe UI" panose="020B0502040204020203" pitchFamily="34" charset="0"/>
           <a:ea typeface="+mn-ea"/>
-          <a:cs typeface="+mn-cs"/>
+          <a:cs typeface="Segoe UI" panose="020B0502040204020203" pitchFamily="34" charset="0"/>
         </a:defRPr>
       </a:lvl2pPr>
       <a:lvl3pPr marL="1143000" indent="-228600" algn="l" defTabSz="914400" rtl="0" eaLnBrk="1" latinLnBrk="0" hangingPunct="1">
@@ -6217,9 +6283,9 @@
           <a:solidFill>
             <a:schemeClr val="tx1"/>
           </a:solidFill>
-          <a:latin typeface="+mn-lt"/>
+          <a:latin typeface="Segoe UI" panose="020B0502040204020203" pitchFamily="34" charset="0"/>
           <a:ea typeface="+mn-ea"/>
-          <a:cs typeface="+mn-cs"/>
+          <a:cs typeface="Segoe UI" panose="020B0502040204020203" pitchFamily="34" charset="0"/>
         </a:defRPr>
       </a:lvl3pPr>
       <a:lvl4pPr marL="1600200" indent="-228600" algn="l" defTabSz="914400" rtl="0" eaLnBrk="1" latinLnBrk="0" hangingPunct="1">
@@ -6235,9 +6301,9 @@
           <a:solidFill>
             <a:schemeClr val="tx1"/>
           </a:solidFill>
-          <a:latin typeface="+mn-lt"/>
+          <a:latin typeface="Segoe UI" panose="020B0502040204020203" pitchFamily="34" charset="0"/>
           <a:ea typeface="+mn-ea"/>
-          <a:cs typeface="+mn-cs"/>
+          <a:cs typeface="Segoe UI" panose="020B0502040204020203" pitchFamily="34" charset="0"/>
         </a:defRPr>
       </a:lvl4pPr>
       <a:lvl5pPr marL="2057400" indent="-228600" algn="l" defTabSz="914400" rtl="0" eaLnBrk="1" latinLnBrk="0" hangingPunct="1">
@@ -6253,9 +6319,9 @@
           <a:solidFill>
             <a:schemeClr val="tx1"/>
           </a:solidFill>
-          <a:latin typeface="+mn-lt"/>
+          <a:latin typeface="Segoe UI" panose="020B0502040204020203" pitchFamily="34" charset="0"/>
           <a:ea typeface="+mn-ea"/>
-          <a:cs typeface="+mn-cs"/>
+          <a:cs typeface="Segoe UI" panose="020B0502040204020203" pitchFamily="34" charset="0"/>
         </a:defRPr>
       </a:lvl5pPr>
       <a:lvl6pPr marL="2514600" indent="-228600" algn="l" defTabSz="914400" rtl="0" eaLnBrk="1" latinLnBrk="0" hangingPunct="1">
@@ -6465,17 +6531,14 @@
             <a:spLocks noGrp="1"/>
           </p:cNvSpPr>
           <p:nvPr>
-            <p:ph type="title"/>
-          </p:nvPr>
-        </p:nvSpPr>
-        <p:spPr>
-          <a:xfrm>
-            <a:off x="892161" y="2967576"/>
-            <a:ext cx="10407677" cy="1161921"/>
-          </a:xfrm>
-        </p:spPr>
-        <p:txBody>
-          <a:bodyPr/>
+            <p:ph type="ctrTitle"/>
+          </p:nvPr>
+        </p:nvSpPr>
+        <p:spPr/>
+        <p:txBody>
+          <a:bodyPr>
+            <a:normAutofit/>
+          </a:bodyPr>
           <a:lstStyle/>
           <a:p>
             <a:pPr algn="ctr"/>
@@ -6496,41 +6559,31 @@
           </a:p>
         </p:txBody>
       </p:sp>
-      <p:pic>
-        <p:nvPicPr>
-          <p:cNvPr id="3" name="Picture 2" descr="Text&#10;&#10;Description automatically generated">
+      <p:sp>
+        <p:nvSpPr>
+          <p:cNvPr id="2" name="Subtitle 1">
             <a:extLst>
               <a:ext uri="{FF2B5EF4-FFF2-40B4-BE49-F238E27FC236}">
-                <a16:creationId xmlns:a16="http://schemas.microsoft.com/office/drawing/2014/main" id="{7AA56A81-301A-4BE1-AB67-85FD3129756D}"/>
+                <a16:creationId xmlns:a16="http://schemas.microsoft.com/office/drawing/2014/main" id="{8FF79584-2A68-E4C0-6F82-610A3B2D774A}"/>
               </a:ext>
             </a:extLst>
           </p:cNvPr>
-          <p:cNvPicPr>
-            <a:picLocks noChangeAspect="1"/>
-          </p:cNvPicPr>
-          <p:nvPr/>
-        </p:nvPicPr>
-        <p:blipFill rotWithShape="1">
-          <a:blip r:embed="rId3" cstate="print">
-            <a:extLst>
-              <a:ext uri="{28A0092B-C50C-407E-A947-70E740481C1C}">
-                <a14:useLocalDpi xmlns:a14="http://schemas.microsoft.com/office/drawing/2010/main"/>
-              </a:ext>
-            </a:extLst>
-          </a:blip>
-          <a:srcRect/>
-          <a:stretch/>
-        </p:blipFill>
-        <p:spPr>
-          <a:xfrm>
-            <a:off x="1629054" y="322729"/>
-            <a:ext cx="8586780" cy="2227730"/>
-          </a:xfrm>
-          <a:prstGeom prst="rect">
-            <a:avLst/>
-          </a:prstGeom>
-        </p:spPr>
-      </p:pic>
+          <p:cNvSpPr>
+            <a:spLocks noGrp="1"/>
+          </p:cNvSpPr>
+          <p:nvPr>
+            <p:ph type="subTitle" idx="1"/>
+          </p:nvPr>
+        </p:nvSpPr>
+        <p:spPr/>
+        <p:txBody>
+          <a:bodyPr/>
+          <a:lstStyle/>
+          <a:p>
+            <a:endParaRPr lang="en-US" dirty="0"/>
+          </a:p>
+        </p:txBody>
+      </p:sp>
     </p:spTree>
     <p:extLst>
       <p:ext uri="{BB962C8B-B14F-4D97-AF65-F5344CB8AC3E}">
@@ -6541,26 +6594,12 @@
   <p:clrMapOvr>
     <a:masterClrMapping/>
   </p:clrMapOvr>
-  <p:transition>
-    <p:fade/>
-  </p:transition>
 </p:sld>
 </file>
 
 <file path=ppt/slides/slide10.xml><?xml version="1.0" encoding="utf-8"?>
 <p:sld xmlns:a="http://schemas.openxmlformats.org/drawingml/2006/main" xmlns:r="http://schemas.openxmlformats.org/officeDocument/2006/relationships" xmlns:p="http://schemas.openxmlformats.org/presentationml/2006/main">
   <p:cSld>
-    <p:bg>
-      <p:bgPr>
-        <a:solidFill>
-          <a:schemeClr val="tx1">
-            <a:lumMod val="85000"/>
-            <a:lumOff val="15000"/>
-          </a:schemeClr>
-        </a:solidFill>
-        <a:effectLst/>
-      </p:bgPr>
-    </p:bg>
     <p:spTree>
       <p:nvGrpSpPr>
         <p:cNvPr id="1" name=""/>
@@ -6577,118 +6616,70 @@
       </p:grpSpPr>
       <p:sp>
         <p:nvSpPr>
-          <p:cNvPr id="4" name="Title 3"/>
-          <p:cNvSpPr>
-            <a:spLocks noGrp="1"/>
-          </p:cNvSpPr>
-          <p:nvPr>
-            <p:ph type="title"/>
-          </p:nvPr>
-        </p:nvSpPr>
-        <p:spPr>
-          <a:xfrm>
-            <a:off x="269240" y="2084173"/>
-            <a:ext cx="11653523" cy="1909818"/>
-          </a:xfrm>
-        </p:spPr>
-        <p:txBody>
-          <a:bodyPr/>
-          <a:lstStyle/>
-          <a:p>
-            <a:pPr algn="ctr"/>
-            <a:r>
-              <a:rPr lang="en-US" dirty="0">
-                <a:ln w="3175">
-                  <a:noFill/>
-                </a:ln>
-                <a:solidFill>
-                  <a:schemeClr val="bg1"/>
-                </a:solidFill>
-                <a:latin typeface="Segoe UI Light" panose="020B0502040204020203" pitchFamily="34" charset="0"/>
-                <a:ea typeface="+mn-ea"/>
-                <a:cs typeface="Segoe UI Light" panose="020B0502040204020203" pitchFamily="34" charset="0"/>
-              </a:rPr>
-              <a:t>Challenge X Topic Header</a:t>
-            </a:r>
-            <a:br>
-              <a:rPr lang="en-US" dirty="0">
-                <a:ln w="3175">
-                  <a:noFill/>
-                </a:ln>
-                <a:solidFill>
-                  <a:srgbClr val="9966FF"/>
-                </a:solidFill>
-                <a:latin typeface="Segoe UI Light" panose="020B0502040204020203" pitchFamily="34" charset="0"/>
-                <a:ea typeface="+mn-ea"/>
-                <a:cs typeface="Segoe UI Light" panose="020B0502040204020203" pitchFamily="34" charset="0"/>
-              </a:rPr>
-            </a:br>
-            <a:r>
-              <a:rPr lang="en-US" sz="5400" dirty="0">
-                <a:ln w="3175">
-                  <a:noFill/>
-                </a:ln>
-                <a:solidFill>
-                  <a:srgbClr val="9966FF"/>
-                </a:solidFill>
-                <a:latin typeface="Segoe UI Light" panose="020B0502040204020203" pitchFamily="34" charset="0"/>
-                <a:ea typeface="+mn-ea"/>
-                <a:cs typeface="Segoe UI Light" panose="020B0502040204020203" pitchFamily="34" charset="0"/>
-              </a:rPr>
-              <a:t>Sub-Topic Title</a:t>
-            </a:r>
-          </a:p>
-        </p:txBody>
-      </p:sp>
-      <p:pic>
-        <p:nvPicPr>
-          <p:cNvPr id="3" name="Picture 2" descr="Text&#10;&#10;Description automatically generated with medium confidence">
+          <p:cNvPr id="2" name="Title 1">
             <a:extLst>
               <a:ext uri="{FF2B5EF4-FFF2-40B4-BE49-F238E27FC236}">
-                <a16:creationId xmlns:a16="http://schemas.microsoft.com/office/drawing/2014/main" id="{2BCF1BC1-7334-4A86-88BC-15FA13857E9D}"/>
+                <a16:creationId xmlns:a16="http://schemas.microsoft.com/office/drawing/2014/main" id="{FD22A5CE-6B55-7E50-78D7-F315E2D5FE09}"/>
               </a:ext>
             </a:extLst>
           </p:cNvPr>
-          <p:cNvPicPr>
-            <a:picLocks noChangeAspect="1"/>
-          </p:cNvPicPr>
-          <p:nvPr/>
-        </p:nvPicPr>
-        <p:blipFill>
-          <a:blip r:embed="rId3" cstate="print">
+          <p:cNvSpPr>
+            <a:spLocks noGrp="1"/>
+          </p:cNvSpPr>
+          <p:nvPr>
+            <p:ph type="title"/>
+          </p:nvPr>
+        </p:nvSpPr>
+        <p:spPr/>
+        <p:txBody>
+          <a:bodyPr/>
+          <a:lstStyle/>
+          <a:p>
+            <a:r>
+              <a:rPr lang="en-US" dirty="0"/>
+              <a:t>Challenge X Topic Header</a:t>
+            </a:r>
+          </a:p>
+        </p:txBody>
+      </p:sp>
+      <p:sp>
+        <p:nvSpPr>
+          <p:cNvPr id="3" name="Text Placeholder 2">
             <a:extLst>
-              <a:ext uri="{28A0092B-C50C-407E-A947-70E740481C1C}">
-                <a14:useLocalDpi xmlns:a14="http://schemas.microsoft.com/office/drawing/2010/main"/>
+              <a:ext uri="{FF2B5EF4-FFF2-40B4-BE49-F238E27FC236}">
+                <a16:creationId xmlns:a16="http://schemas.microsoft.com/office/drawing/2014/main" id="{26CFF82C-2B76-41AB-EE30-AFED414A7980}"/>
               </a:ext>
             </a:extLst>
-          </a:blip>
-          <a:stretch>
-            <a:fillRect/>
-          </a:stretch>
-        </p:blipFill>
-        <p:spPr>
-          <a:xfrm>
-            <a:off x="0" y="61540"/>
-            <a:ext cx="4173794" cy="1964246"/>
-          </a:xfrm>
-          <a:prstGeom prst="rect">
-            <a:avLst/>
-          </a:prstGeom>
-        </p:spPr>
-      </p:pic>
+          </p:cNvPr>
+          <p:cNvSpPr>
+            <a:spLocks noGrp="1"/>
+          </p:cNvSpPr>
+          <p:nvPr>
+            <p:ph type="body" idx="1"/>
+          </p:nvPr>
+        </p:nvSpPr>
+        <p:spPr/>
+        <p:txBody>
+          <a:bodyPr/>
+          <a:lstStyle/>
+          <a:p>
+            <a:r>
+              <a:rPr lang="en-US" dirty="0"/>
+              <a:t>Sub-Topic Title</a:t>
+            </a:r>
+          </a:p>
+        </p:txBody>
+      </p:sp>
     </p:spTree>
     <p:extLst>
       <p:ext uri="{BB962C8B-B14F-4D97-AF65-F5344CB8AC3E}">
-        <p14:creationId xmlns:p14="http://schemas.microsoft.com/office/powerpoint/2010/main" val="408945047"/>
+        <p14:creationId xmlns:p14="http://schemas.microsoft.com/office/powerpoint/2010/main" val="3089467722"/>
       </p:ext>
     </p:extLst>
   </p:cSld>
   <p:clrMapOvr>
     <a:masterClrMapping/>
   </p:clrMapOvr>
-  <p:transition>
-    <p:fade/>
-  </p:transition>
 </p:sld>
 </file>
 
@@ -6725,12 +6716,7 @@
             <p:ph type="title"/>
           </p:nvPr>
         </p:nvSpPr>
-        <p:spPr>
-          <a:xfrm>
-            <a:off x="664029" y="149987"/>
-            <a:ext cx="10515600" cy="1325563"/>
-          </a:xfrm>
-        </p:spPr>
+        <p:spPr/>
         <p:txBody>
           <a:bodyPr>
             <a:normAutofit fontScale="90000"/>
@@ -6746,24 +6732,6 @@
                 <a:cs typeface="Segoe UI" panose="020B0502040204020203" pitchFamily="34" charset="0"/>
               </a:rPr>
               <a:t>Title Segoe UI 54pt</a:t>
-            </a:r>
-            <a:br>
-              <a:rPr lang="en-US" sz="5400" dirty="0">
-                <a:solidFill>
-                  <a:srgbClr val="002060"/>
-                </a:solidFill>
-                <a:latin typeface="Impact" panose="020B0806030902050204" pitchFamily="34" charset="0"/>
-              </a:rPr>
-            </a:br>
-            <a:r>
-              <a:rPr lang="en-US" sz="3600" b="1" dirty="0">
-                <a:solidFill>
-                  <a:srgbClr val="7030A0"/>
-                </a:solidFill>
-                <a:latin typeface="Segoe UI" panose="020B0502040204020203" pitchFamily="34" charset="0"/>
-                <a:cs typeface="Segoe UI" panose="020B0502040204020203" pitchFamily="34" charset="0"/>
-              </a:rPr>
-              <a:t>Slide Subtitle Segoe UI 32pt</a:t>
             </a:r>
             <a:endParaRPr lang="en-US" sz="5400" b="1" dirty="0">
               <a:solidFill>
@@ -6791,12 +6759,7 @@
             <p:ph idx="1"/>
           </p:nvPr>
         </p:nvSpPr>
-        <p:spPr>
-          <a:xfrm>
-            <a:off x="838200" y="1987477"/>
-            <a:ext cx="10515600" cy="4351338"/>
-          </a:xfrm>
-        </p:spPr>
+        <p:spPr/>
         <p:txBody>
           <a:bodyPr/>
           <a:lstStyle/>
@@ -7408,46 +7371,45 @@
           </a:p>
         </p:txBody>
       </p:sp>
-      <p:pic>
-        <p:nvPicPr>
-          <p:cNvPr id="6" name="Picture 5" descr="Text&#10;&#10;Description automatically generated">
+      <p:sp>
+        <p:nvSpPr>
+          <p:cNvPr id="4" name="Text Placeholder 3">
             <a:extLst>
               <a:ext uri="{FF2B5EF4-FFF2-40B4-BE49-F238E27FC236}">
-                <a16:creationId xmlns:a16="http://schemas.microsoft.com/office/drawing/2014/main" id="{C21AE78C-0E7C-3F0C-145E-F3B8BCAF5C45}"/>
+                <a16:creationId xmlns:a16="http://schemas.microsoft.com/office/drawing/2014/main" id="{91051B93-082E-F159-F4B6-DDC0E3942FE4}"/>
               </a:ext>
             </a:extLst>
           </p:cNvPr>
-          <p:cNvPicPr>
-            <a:picLocks noChangeAspect="1"/>
-          </p:cNvPicPr>
-          <p:nvPr/>
-        </p:nvPicPr>
-        <p:blipFill>
-          <a:blip r:embed="rId3" cstate="print">
-            <a:extLst>
-              <a:ext uri="{28A0092B-C50C-407E-A947-70E740481C1C}">
-                <a14:useLocalDpi xmlns:a14="http://schemas.microsoft.com/office/drawing/2010/main"/>
-              </a:ext>
-            </a:extLst>
-          </a:blip>
-          <a:stretch>
-            <a:fillRect/>
-          </a:stretch>
-        </p:blipFill>
-        <p:spPr>
-          <a:xfrm>
-            <a:off x="8698523" y="-229216"/>
-            <a:ext cx="3622431" cy="1704766"/>
-          </a:xfrm>
-          <a:prstGeom prst="rect">
-            <a:avLst/>
-          </a:prstGeom>
-        </p:spPr>
-      </p:pic>
+          <p:cNvSpPr>
+            <a:spLocks noGrp="1"/>
+          </p:cNvSpPr>
+          <p:nvPr>
+            <p:ph type="body" sz="quarter" idx="13"/>
+          </p:nvPr>
+        </p:nvSpPr>
+        <p:spPr/>
+        <p:txBody>
+          <a:bodyPr/>
+          <a:lstStyle/>
+          <a:p>
+            <a:r>
+              <a:rPr lang="en-US" sz="3200" b="1" dirty="0">
+                <a:solidFill>
+                  <a:srgbClr val="7030A0"/>
+                </a:solidFill>
+                <a:latin typeface="Segoe UI" panose="020B0502040204020203" pitchFamily="34" charset="0"/>
+                <a:cs typeface="Segoe UI" panose="020B0502040204020203" pitchFamily="34" charset="0"/>
+              </a:rPr>
+              <a:t>Slide Subtitle Segoe UI 32pt</a:t>
+            </a:r>
+            <a:endParaRPr lang="en-US" dirty="0"/>
+          </a:p>
+        </p:txBody>
+      </p:sp>
     </p:spTree>
     <p:extLst>
       <p:ext uri="{BB962C8B-B14F-4D97-AF65-F5344CB8AC3E}">
-        <p14:creationId xmlns:p14="http://schemas.microsoft.com/office/powerpoint/2010/main" val="2702180618"/>
+        <p14:creationId xmlns:p14="http://schemas.microsoft.com/office/powerpoint/2010/main" val="2692993621"/>
       </p:ext>
     </p:extLst>
   </p:cSld>
@@ -7486,7 +7448,9 @@
         </p:nvSpPr>
         <p:spPr/>
         <p:txBody>
-          <a:bodyPr/>
+          <a:bodyPr>
+            <a:normAutofit/>
+          </a:bodyPr>
           <a:lstStyle/>
           <a:p>
             <a:r>
@@ -7499,15 +7463,145 @@
               </a:rPr>
               <a:t>Challenge #X</a:t>
             </a:r>
-            <a:br>
-              <a:rPr lang="en-US" sz="5400" b="1" dirty="0">
-                <a:solidFill>
-                  <a:srgbClr val="002060"/>
-                </a:solidFill>
-                <a:latin typeface="Segoe UI" panose="020B0502040204020203" pitchFamily="34" charset="0"/>
-                <a:cs typeface="Segoe UI" panose="020B0502040204020203" pitchFamily="34" charset="0"/>
-              </a:rPr>
-            </a:br>
+            <a:endParaRPr lang="en-US" sz="3200" b="1" dirty="0">
+              <a:solidFill>
+                <a:srgbClr val="7030A0"/>
+              </a:solidFill>
+              <a:latin typeface="Segoe UI" panose="020B0502040204020203" pitchFamily="34" charset="0"/>
+              <a:cs typeface="Segoe UI" panose="020B0502040204020203" pitchFamily="34" charset="0"/>
+            </a:endParaRPr>
+          </a:p>
+        </p:txBody>
+      </p:sp>
+      <p:sp>
+        <p:nvSpPr>
+          <p:cNvPr id="4" name="Content Placeholder 3">
+            <a:extLst>
+              <a:ext uri="{FF2B5EF4-FFF2-40B4-BE49-F238E27FC236}">
+                <a16:creationId xmlns:a16="http://schemas.microsoft.com/office/drawing/2014/main" id="{072FDFA0-CC9F-E8E1-863B-9F616F3536D9}"/>
+              </a:ext>
+            </a:extLst>
+          </p:cNvPr>
+          <p:cNvSpPr>
+            <a:spLocks noGrp="1"/>
+          </p:cNvSpPr>
+          <p:nvPr>
+            <p:ph idx="1"/>
+          </p:nvPr>
+        </p:nvSpPr>
+        <p:spPr/>
+        <p:txBody>
+          <a:bodyPr/>
+          <a:lstStyle/>
+          <a:p>
+            <a:r>
+              <a:rPr lang="en-US" sz="3200" dirty="0">
+                <a:latin typeface="Segoe UI" panose="020B0502040204020203" pitchFamily="34" charset="0"/>
+                <a:cs typeface="Segoe UI" panose="020B0502040204020203" pitchFamily="34" charset="0"/>
+              </a:rPr>
+              <a:t>Key challenge goal #1</a:t>
+            </a:r>
+          </a:p>
+          <a:p>
+            <a:pPr lvl="1"/>
+            <a:r>
+              <a:rPr lang="en-US" sz="2800" dirty="0">
+                <a:latin typeface="Segoe UI" panose="020B0502040204020203" pitchFamily="34" charset="0"/>
+                <a:cs typeface="Segoe UI" panose="020B0502040204020203" pitchFamily="34" charset="0"/>
+              </a:rPr>
+              <a:t>Challenge goal details/specifications</a:t>
+            </a:r>
+          </a:p>
+          <a:p>
+            <a:pPr lvl="1"/>
+            <a:r>
+              <a:rPr lang="en-US" sz="2800" dirty="0">
+                <a:latin typeface="Segoe UI" panose="020B0502040204020203" pitchFamily="34" charset="0"/>
+                <a:cs typeface="Segoe UI" panose="020B0502040204020203" pitchFamily="34" charset="0"/>
+              </a:rPr>
+              <a:t>Takes inputs: </a:t>
+            </a:r>
+          </a:p>
+          <a:p>
+            <a:pPr lvl="2"/>
+            <a:r>
+              <a:rPr lang="en-US" sz="2400" dirty="0">
+                <a:latin typeface="Segoe UI" panose="020B0502040204020203" pitchFamily="34" charset="0"/>
+                <a:cs typeface="Segoe UI" panose="020B0502040204020203" pitchFamily="34" charset="0"/>
+              </a:rPr>
+              <a:t>Location</a:t>
+            </a:r>
+          </a:p>
+          <a:p>
+            <a:pPr lvl="2"/>
+            <a:r>
+              <a:rPr lang="en-US" sz="2400" dirty="0">
+                <a:latin typeface="Segoe UI" panose="020B0502040204020203" pitchFamily="34" charset="0"/>
+                <a:cs typeface="Segoe UI" panose="020B0502040204020203" pitchFamily="34" charset="0"/>
+              </a:rPr>
+              <a:t>A unique storage account name</a:t>
+            </a:r>
+          </a:p>
+          <a:p>
+            <a:pPr lvl="1"/>
+            <a:r>
+              <a:rPr lang="en-US" sz="2800" dirty="0">
+                <a:latin typeface="Segoe UI" panose="020B0502040204020203" pitchFamily="34" charset="0"/>
+                <a:cs typeface="Segoe UI" panose="020B0502040204020203" pitchFamily="34" charset="0"/>
+              </a:rPr>
+              <a:t>Returns output:</a:t>
+            </a:r>
+          </a:p>
+          <a:p>
+            <a:pPr lvl="2"/>
+            <a:r>
+              <a:rPr lang="en-US" sz="2400" dirty="0">
+                <a:latin typeface="Segoe UI" panose="020B0502040204020203" pitchFamily="34" charset="0"/>
+                <a:cs typeface="Segoe UI" panose="020B0502040204020203" pitchFamily="34" charset="0"/>
+              </a:rPr>
+              <a:t> storage account ID</a:t>
+            </a:r>
+          </a:p>
+          <a:p>
+            <a:r>
+              <a:rPr lang="en-US" sz="3200" dirty="0">
+                <a:latin typeface="Segoe UI" panose="020B0502040204020203" pitchFamily="34" charset="0"/>
+                <a:cs typeface="Segoe UI" panose="020B0502040204020203" pitchFamily="34" charset="0"/>
+              </a:rPr>
+              <a:t>Key challenge goal #2</a:t>
+            </a:r>
+          </a:p>
+          <a:p>
+            <a:r>
+              <a:rPr lang="en-US" sz="3200" dirty="0">
+                <a:latin typeface="Segoe UI" panose="020B0502040204020203" pitchFamily="34" charset="0"/>
+                <a:cs typeface="Segoe UI" panose="020B0502040204020203" pitchFamily="34" charset="0"/>
+              </a:rPr>
+              <a:t>Key challenge goal #3</a:t>
+            </a:r>
+          </a:p>
+          <a:p>
+            <a:endParaRPr lang="en-US" dirty="0"/>
+          </a:p>
+        </p:txBody>
+      </p:sp>
+      <p:sp>
+        <p:nvSpPr>
+          <p:cNvPr id="2" name="Text Placeholder 1"/>
+          <p:cNvSpPr>
+            <a:spLocks noGrp="1"/>
+          </p:cNvSpPr>
+          <p:nvPr>
+            <p:ph type="body" sz="quarter" idx="13"/>
+          </p:nvPr>
+        </p:nvSpPr>
+        <p:spPr/>
+        <p:txBody>
+          <a:bodyPr>
+            <a:normAutofit/>
+          </a:bodyPr>
+          <a:lstStyle/>
+          <a:p>
             <a:r>
               <a:rPr lang="en-US" sz="3200" b="1" dirty="0">
                 <a:solidFill>
@@ -7518,155 +7612,13 @@
               </a:rPr>
               <a:t>&lt;Insert Challenge #X Title here&gt;</a:t>
             </a:r>
-          </a:p>
-        </p:txBody>
-      </p:sp>
-      <p:sp>
-        <p:nvSpPr>
-          <p:cNvPr id="2" name="Text Placeholder 1"/>
-          <p:cNvSpPr>
-            <a:spLocks noGrp="1"/>
-          </p:cNvSpPr>
-          <p:nvPr>
-            <p:ph type="body" sz="quarter" idx="10"/>
-          </p:nvPr>
-        </p:nvSpPr>
-        <p:spPr>
-          <a:xfrm>
-            <a:off x="550985" y="1890296"/>
-            <a:ext cx="11374096" cy="4556504"/>
-          </a:xfrm>
-        </p:spPr>
-        <p:txBody>
-          <a:bodyPr>
-            <a:normAutofit/>
-          </a:bodyPr>
-          <a:lstStyle/>
-          <a:p>
-            <a:r>
-              <a:rPr lang="en-US" sz="3200" dirty="0">
-                <a:latin typeface="Segoe UI" panose="020B0502040204020203" pitchFamily="34" charset="0"/>
-                <a:cs typeface="Segoe UI" panose="020B0502040204020203" pitchFamily="34" charset="0"/>
-              </a:rPr>
-              <a:t>Key challenge goal #1</a:t>
-            </a:r>
-          </a:p>
-          <a:p>
-            <a:pPr lvl="1"/>
-            <a:r>
-              <a:rPr lang="en-US" sz="2800" dirty="0">
-                <a:latin typeface="Segoe UI" panose="020B0502040204020203" pitchFamily="34" charset="0"/>
-                <a:cs typeface="Segoe UI" panose="020B0502040204020203" pitchFamily="34" charset="0"/>
-              </a:rPr>
-              <a:t>Challenge goal details/specifications</a:t>
-            </a:r>
-          </a:p>
-          <a:p>
-            <a:pPr lvl="1"/>
-            <a:r>
-              <a:rPr lang="en-US" sz="2800" dirty="0">
-                <a:latin typeface="Segoe UI" panose="020B0502040204020203" pitchFamily="34" charset="0"/>
-                <a:cs typeface="Segoe UI" panose="020B0502040204020203" pitchFamily="34" charset="0"/>
-              </a:rPr>
-              <a:t>Takes inputs: </a:t>
-            </a:r>
-          </a:p>
-          <a:p>
-            <a:pPr lvl="2"/>
-            <a:r>
-              <a:rPr lang="en-US" sz="2400" dirty="0">
-                <a:latin typeface="Segoe UI" panose="020B0502040204020203" pitchFamily="34" charset="0"/>
-                <a:cs typeface="Segoe UI" panose="020B0502040204020203" pitchFamily="34" charset="0"/>
-              </a:rPr>
-              <a:t>Location</a:t>
-            </a:r>
-          </a:p>
-          <a:p>
-            <a:pPr lvl="2"/>
-            <a:r>
-              <a:rPr lang="en-US" sz="2400" dirty="0">
-                <a:latin typeface="Segoe UI" panose="020B0502040204020203" pitchFamily="34" charset="0"/>
-                <a:cs typeface="Segoe UI" panose="020B0502040204020203" pitchFamily="34" charset="0"/>
-              </a:rPr>
-              <a:t>A unique storage account name</a:t>
-            </a:r>
-          </a:p>
-          <a:p>
-            <a:pPr lvl="1"/>
-            <a:r>
-              <a:rPr lang="en-US" sz="2800" dirty="0">
-                <a:latin typeface="Segoe UI" panose="020B0502040204020203" pitchFamily="34" charset="0"/>
-                <a:cs typeface="Segoe UI" panose="020B0502040204020203" pitchFamily="34" charset="0"/>
-              </a:rPr>
-              <a:t>Returns output:</a:t>
-            </a:r>
-          </a:p>
-          <a:p>
-            <a:pPr lvl="2"/>
-            <a:r>
-              <a:rPr lang="en-US" sz="2400" dirty="0">
-                <a:latin typeface="Segoe UI" panose="020B0502040204020203" pitchFamily="34" charset="0"/>
-                <a:cs typeface="Segoe UI" panose="020B0502040204020203" pitchFamily="34" charset="0"/>
-              </a:rPr>
-              <a:t> storage account ID</a:t>
-            </a:r>
-          </a:p>
-          <a:p>
-            <a:r>
-              <a:rPr lang="en-US" sz="3200" dirty="0">
-                <a:latin typeface="Segoe UI" panose="020B0502040204020203" pitchFamily="34" charset="0"/>
-                <a:cs typeface="Segoe UI" panose="020B0502040204020203" pitchFamily="34" charset="0"/>
-              </a:rPr>
-              <a:t>Key challenge goal #2</a:t>
-            </a:r>
-          </a:p>
-          <a:p>
-            <a:r>
-              <a:rPr lang="en-US" sz="3200" dirty="0">
-                <a:latin typeface="Segoe UI" panose="020B0502040204020203" pitchFamily="34" charset="0"/>
-                <a:cs typeface="Segoe UI" panose="020B0502040204020203" pitchFamily="34" charset="0"/>
-              </a:rPr>
-              <a:t>Key challenge goal #3</a:t>
-            </a:r>
-          </a:p>
-        </p:txBody>
-      </p:sp>
-      <p:pic>
-        <p:nvPicPr>
-          <p:cNvPr id="5" name="Picture 4" descr="Text&#10;&#10;Description automatically generated">
-            <a:extLst>
-              <a:ext uri="{FF2B5EF4-FFF2-40B4-BE49-F238E27FC236}">
-                <a16:creationId xmlns:a16="http://schemas.microsoft.com/office/drawing/2014/main" id="{2D626920-EFD5-05E1-4B50-98C1F77DE5DC}"/>
-              </a:ext>
-            </a:extLst>
-          </p:cNvPr>
-          <p:cNvPicPr>
-            <a:picLocks noChangeAspect="1"/>
-          </p:cNvPicPr>
-          <p:nvPr/>
-        </p:nvPicPr>
-        <p:blipFill>
-          <a:blip r:embed="rId3" cstate="print">
-            <a:extLst>
-              <a:ext uri="{28A0092B-C50C-407E-A947-70E740481C1C}">
-                <a14:useLocalDpi xmlns:a14="http://schemas.microsoft.com/office/drawing/2010/main"/>
-              </a:ext>
-            </a:extLst>
-          </a:blip>
-          <a:stretch>
-            <a:fillRect/>
-          </a:stretch>
-        </p:blipFill>
-        <p:spPr>
-          <a:xfrm>
-            <a:off x="8698523" y="-229216"/>
-            <a:ext cx="3622431" cy="1704766"/>
-          </a:xfrm>
-          <a:prstGeom prst="rect">
-            <a:avLst/>
-          </a:prstGeom>
-        </p:spPr>
-      </p:pic>
+            <a:endParaRPr lang="en-US" sz="3200" dirty="0">
+              <a:latin typeface="Segoe UI" panose="020B0502040204020203" pitchFamily="34" charset="0"/>
+              <a:cs typeface="Segoe UI" panose="020B0502040204020203" pitchFamily="34" charset="0"/>
+            </a:endParaRPr>
+          </a:p>
+        </p:txBody>
+      </p:sp>
     </p:spTree>
     <p:extLst>
       <p:ext uri="{BB962C8B-B14F-4D97-AF65-F5344CB8AC3E}">
@@ -7677,9 +7629,6 @@
   <p:clrMapOvr>
     <a:masterClrMapping/>
   </p:clrMapOvr>
-  <p:transition>
-    <p:fade/>
-  </p:transition>
 </p:sld>
 </file>
 
@@ -7718,17 +7667,14 @@
             <a:spLocks noGrp="1"/>
           </p:cNvSpPr>
           <p:nvPr>
-            <p:ph type="title"/>
-          </p:nvPr>
-        </p:nvSpPr>
-        <p:spPr>
-          <a:xfrm>
-            <a:off x="892161" y="2967576"/>
-            <a:ext cx="10407677" cy="2139175"/>
-          </a:xfrm>
-        </p:spPr>
-        <p:txBody>
-          <a:bodyPr/>
+            <p:ph type="ctrTitle"/>
+          </p:nvPr>
+        </p:nvSpPr>
+        <p:spPr/>
+        <p:txBody>
+          <a:bodyPr>
+            <a:normAutofit/>
+          </a:bodyPr>
           <a:lstStyle/>
           <a:p>
             <a:pPr algn="ctr"/>
@@ -7746,25 +7692,42 @@
               </a:rPr>
               <a:t>Thank You for Attending!</a:t>
             </a:r>
-            <a:br>
-              <a:rPr lang="en-US" dirty="0">
-                <a:ln w="3175">
-                  <a:noFill/>
-                </a:ln>
-                <a:solidFill>
-                  <a:srgbClr val="9966FF"/>
-                </a:solidFill>
-                <a:latin typeface="Segoe UI" panose="020B0502040204020203" pitchFamily="34" charset="0"/>
-                <a:ea typeface="+mn-ea"/>
-                <a:cs typeface="Segoe UI" panose="020B0502040204020203" pitchFamily="34" charset="0"/>
-              </a:rPr>
-            </a:br>
-            <a:r>
-              <a:rPr lang="en-US" dirty="0">
+            <a:endParaRPr lang="en-US" dirty="0">
+              <a:solidFill>
+                <a:srgbClr val="FFC000"/>
+              </a:solidFill>
+            </a:endParaRPr>
+          </a:p>
+        </p:txBody>
+      </p:sp>
+      <p:sp>
+        <p:nvSpPr>
+          <p:cNvPr id="2" name="Subtitle 1">
+            <a:extLst>
+              <a:ext uri="{FF2B5EF4-FFF2-40B4-BE49-F238E27FC236}">
+                <a16:creationId xmlns:a16="http://schemas.microsoft.com/office/drawing/2014/main" id="{0E644413-C720-E12C-4003-B83B0D3EB8D2}"/>
+              </a:ext>
+            </a:extLst>
+          </p:cNvPr>
+          <p:cNvSpPr>
+            <a:spLocks noGrp="1"/>
+          </p:cNvSpPr>
+          <p:nvPr>
+            <p:ph type="subTitle" idx="1"/>
+          </p:nvPr>
+        </p:nvSpPr>
+        <p:spPr/>
+        <p:txBody>
+          <a:bodyPr>
+            <a:normAutofit/>
+          </a:bodyPr>
+          <a:lstStyle/>
+          <a:p>
+            <a:r>
+              <a:rPr lang="en-US" sz="4800" b="1" dirty="0">
                 <a:solidFill>
                   <a:srgbClr val="FFC000"/>
                 </a:solidFill>
-                <a:latin typeface="+mn-lt"/>
                 <a:hlinkClick r:id="rId3">
                   <a:extLst>
                     <a:ext uri="{A12FA001-AC4F-418D-AE19-62706E023703}">
@@ -7775,58 +7738,10 @@
               </a:rPr>
               <a:t>https://aka.ms/wth</a:t>
             </a:r>
-            <a:r>
-              <a:rPr lang="en-US" dirty="0">
-                <a:solidFill>
-                  <a:srgbClr val="FFC000"/>
-                </a:solidFill>
-                <a:latin typeface="+mn-lt"/>
-              </a:rPr>
-              <a:t> </a:t>
-            </a:r>
-            <a:endParaRPr lang="en-US" dirty="0">
-              <a:solidFill>
-                <a:srgbClr val="FFC000"/>
-              </a:solidFill>
-            </a:endParaRPr>
-          </a:p>
-        </p:txBody>
-      </p:sp>
-      <p:pic>
-        <p:nvPicPr>
-          <p:cNvPr id="3" name="Picture 2" descr="Text&#10;&#10;Description automatically generated">
-            <a:extLst>
-              <a:ext uri="{FF2B5EF4-FFF2-40B4-BE49-F238E27FC236}">
-                <a16:creationId xmlns:a16="http://schemas.microsoft.com/office/drawing/2014/main" id="{7AA56A81-301A-4BE1-AB67-85FD3129756D}"/>
-              </a:ext>
-            </a:extLst>
-          </p:cNvPr>
-          <p:cNvPicPr>
-            <a:picLocks noChangeAspect="1"/>
-          </p:cNvPicPr>
-          <p:nvPr/>
-        </p:nvPicPr>
-        <p:blipFill rotWithShape="1">
-          <a:blip r:embed="rId4" cstate="print">
-            <a:extLst>
-              <a:ext uri="{28A0092B-C50C-407E-A947-70E740481C1C}">
-                <a14:useLocalDpi xmlns:a14="http://schemas.microsoft.com/office/drawing/2010/main"/>
-              </a:ext>
-            </a:extLst>
-          </a:blip>
-          <a:srcRect/>
-          <a:stretch/>
-        </p:blipFill>
-        <p:spPr>
-          <a:xfrm>
-            <a:off x="1629054" y="322729"/>
-            <a:ext cx="8586780" cy="2227730"/>
-          </a:xfrm>
-          <a:prstGeom prst="rect">
-            <a:avLst/>
-          </a:prstGeom>
-        </p:spPr>
-      </p:pic>
+            <a:endParaRPr lang="en-US" sz="4800" b="1" dirty="0"/>
+          </a:p>
+        </p:txBody>
+      </p:sp>
     </p:spTree>
     <p:extLst>
       <p:ext uri="{BB962C8B-B14F-4D97-AF65-F5344CB8AC3E}">
@@ -7837,9 +7752,6 @@
   <p:clrMapOvr>
     <a:masterClrMapping/>
   </p:clrMapOvr>
-  <p:transition>
-    <p:fade/>
-  </p:transition>
 </p:sld>
 </file>
 
@@ -8598,7 +8510,9 @@
         </p:nvSpPr>
         <p:spPr/>
         <p:txBody>
-          <a:bodyPr/>
+          <a:bodyPr>
+            <a:normAutofit/>
+          </a:bodyPr>
           <a:lstStyle/>
           <a:p>
             <a:r>
@@ -8611,9 +8525,145 @@
               </a:rPr>
               <a:t>Challenge Zero</a:t>
             </a:r>
-            <a:br>
-              <a:rPr lang="en-US" dirty="0"/>
-            </a:br>
+            <a:endParaRPr lang="en-US" sz="3200" b="1" dirty="0">
+              <a:solidFill>
+                <a:srgbClr val="7030A0"/>
+              </a:solidFill>
+              <a:latin typeface="Segoe UI" panose="020B0502040204020203" pitchFamily="34" charset="0"/>
+              <a:cs typeface="Segoe UI" panose="020B0502040204020203" pitchFamily="34" charset="0"/>
+            </a:endParaRPr>
+          </a:p>
+        </p:txBody>
+      </p:sp>
+      <p:sp>
+        <p:nvSpPr>
+          <p:cNvPr id="4" name="Content Placeholder 3">
+            <a:extLst>
+              <a:ext uri="{FF2B5EF4-FFF2-40B4-BE49-F238E27FC236}">
+                <a16:creationId xmlns:a16="http://schemas.microsoft.com/office/drawing/2014/main" id="{31D3DF15-4403-D489-FA65-6DA8B097E53F}"/>
+              </a:ext>
+            </a:extLst>
+          </p:cNvPr>
+          <p:cNvSpPr>
+            <a:spLocks noGrp="1"/>
+          </p:cNvSpPr>
+          <p:nvPr>
+            <p:ph idx="1"/>
+          </p:nvPr>
+        </p:nvSpPr>
+        <p:spPr/>
+        <p:txBody>
+          <a:bodyPr/>
+          <a:lstStyle/>
+          <a:p>
+            <a:r>
+              <a:rPr lang="en-US" sz="2800" dirty="0">
+                <a:latin typeface="Segoe UI" panose="020B0502040204020203" pitchFamily="34" charset="0"/>
+                <a:cs typeface="Segoe UI" panose="020B0502040204020203" pitchFamily="34" charset="0"/>
+                <a:hlinkClick r:id="rId3"/>
+              </a:rPr>
+              <a:t>Install Windows Subsystem for Linux</a:t>
+            </a:r>
+            <a:r>
+              <a:rPr lang="en-US" sz="2800" dirty="0">
+                <a:latin typeface="Segoe UI" panose="020B0502040204020203" pitchFamily="34" charset="0"/>
+                <a:cs typeface="Segoe UI" panose="020B0502040204020203" pitchFamily="34" charset="0"/>
+              </a:rPr>
+              <a:t> (Bash Shell)</a:t>
+            </a:r>
+          </a:p>
+          <a:p>
+            <a:r>
+              <a:rPr lang="en-US" sz="2800" dirty="0">
+                <a:latin typeface="Segoe UI" panose="020B0502040204020203" pitchFamily="34" charset="0"/>
+                <a:cs typeface="Segoe UI" panose="020B0502040204020203" pitchFamily="34" charset="0"/>
+                <a:hlinkClick r:id="rId4"/>
+              </a:rPr>
+              <a:t>Install the Azure CLI</a:t>
+            </a:r>
+            <a:r>
+              <a:rPr lang="en-US" sz="2800" dirty="0">
+                <a:latin typeface="Segoe UI" panose="020B0502040204020203" pitchFamily="34" charset="0"/>
+                <a:cs typeface="Segoe UI" panose="020B0502040204020203" pitchFamily="34" charset="0"/>
+              </a:rPr>
+              <a:t> (in WSL if on Windows!) </a:t>
+            </a:r>
+          </a:p>
+          <a:p>
+            <a:r>
+              <a:rPr lang="en-US" sz="2800" dirty="0">
+                <a:latin typeface="Segoe UI" panose="020B0502040204020203" pitchFamily="34" charset="0"/>
+                <a:cs typeface="Segoe UI" panose="020B0502040204020203" pitchFamily="34" charset="0"/>
+                <a:hlinkClick r:id="rId5"/>
+              </a:rPr>
+              <a:t>Install PowerShell Cmdlets for Azure</a:t>
+            </a:r>
+            <a:endParaRPr lang="en-US" sz="2800" dirty="0">
+              <a:latin typeface="Segoe UI" panose="020B0502040204020203" pitchFamily="34" charset="0"/>
+              <a:cs typeface="Segoe UI" panose="020B0502040204020203" pitchFamily="34" charset="0"/>
+            </a:endParaRPr>
+          </a:p>
+          <a:p>
+            <a:r>
+              <a:rPr lang="en-US" sz="2800" dirty="0">
+                <a:latin typeface="Segoe UI" panose="020B0502040204020203" pitchFamily="34" charset="0"/>
+                <a:cs typeface="Segoe UI" panose="020B0502040204020203" pitchFamily="34" charset="0"/>
+                <a:hlinkClick r:id="rId6"/>
+              </a:rPr>
+              <a:t>Install Visual Studio Code</a:t>
+            </a:r>
+            <a:endParaRPr lang="en-US" sz="2800" dirty="0">
+              <a:latin typeface="Segoe UI" panose="020B0502040204020203" pitchFamily="34" charset="0"/>
+              <a:cs typeface="Segoe UI" panose="020B0502040204020203" pitchFamily="34" charset="0"/>
+            </a:endParaRPr>
+          </a:p>
+          <a:p>
+            <a:r>
+              <a:rPr lang="en-US" sz="2800" dirty="0">
+                <a:latin typeface="Segoe UI" panose="020B0502040204020203" pitchFamily="34" charset="0"/>
+                <a:cs typeface="Segoe UI" panose="020B0502040204020203" pitchFamily="34" charset="0"/>
+                <a:hlinkClick r:id="rId7"/>
+              </a:rPr>
+              <a:t>Install ARM Tools extension for VS Code</a:t>
+            </a:r>
+            <a:endParaRPr lang="en-US" sz="2800" dirty="0">
+              <a:latin typeface="Segoe UI" panose="020B0502040204020203" pitchFamily="34" charset="0"/>
+              <a:cs typeface="Segoe UI" panose="020B0502040204020203" pitchFamily="34" charset="0"/>
+            </a:endParaRPr>
+          </a:p>
+          <a:p>
+            <a:r>
+              <a:rPr lang="en-US" sz="2800" dirty="0">
+                <a:latin typeface="Segoe UI" panose="020B0502040204020203" pitchFamily="34" charset="0"/>
+                <a:cs typeface="Segoe UI" panose="020B0502040204020203" pitchFamily="34" charset="0"/>
+                <a:hlinkClick r:id="rId8"/>
+              </a:rPr>
+              <a:t>Install Bicep extension for VS Code</a:t>
+            </a:r>
+            <a:endParaRPr lang="en-US" sz="2800" dirty="0">
+              <a:latin typeface="Segoe UI" panose="020B0502040204020203" pitchFamily="34" charset="0"/>
+              <a:cs typeface="Segoe UI" panose="020B0502040204020203" pitchFamily="34" charset="0"/>
+            </a:endParaRPr>
+          </a:p>
+        </p:txBody>
+      </p:sp>
+      <p:sp>
+        <p:nvSpPr>
+          <p:cNvPr id="2" name="Text Placeholder 1"/>
+          <p:cNvSpPr>
+            <a:spLocks noGrp="1"/>
+          </p:cNvSpPr>
+          <p:nvPr>
+            <p:ph type="body" sz="quarter" idx="13"/>
+          </p:nvPr>
+        </p:nvSpPr>
+        <p:spPr/>
+        <p:txBody>
+          <a:bodyPr>
+            <a:normAutofit/>
+          </a:bodyPr>
+          <a:lstStyle/>
+          <a:p>
             <a:r>
               <a:rPr lang="en-US" sz="3200" b="1" dirty="0">
                 <a:solidFill>
@@ -8624,158 +8674,13 @@
               </a:rPr>
               <a:t>Get your machines ready!</a:t>
             </a:r>
-          </a:p>
-        </p:txBody>
-      </p:sp>
-      <p:sp>
-        <p:nvSpPr>
-          <p:cNvPr id="2" name="Text Placeholder 1"/>
-          <p:cNvSpPr>
-            <a:spLocks noGrp="1"/>
-          </p:cNvSpPr>
-          <p:nvPr>
-            <p:ph type="body" sz="quarter" idx="10"/>
-          </p:nvPr>
-        </p:nvSpPr>
-        <p:spPr>
-          <a:xfrm>
-            <a:off x="271558" y="2189047"/>
-            <a:ext cx="11653523" cy="4159280"/>
-          </a:xfrm>
-        </p:spPr>
-        <p:txBody>
-          <a:bodyPr>
-            <a:normAutofit/>
-          </a:bodyPr>
-          <a:lstStyle/>
-          <a:p>
-            <a:r>
-              <a:rPr lang="en-US" sz="3200" dirty="0">
-                <a:latin typeface="Segoe UI" panose="020B0502040204020203" pitchFamily="34" charset="0"/>
-                <a:cs typeface="Segoe UI" panose="020B0502040204020203" pitchFamily="34" charset="0"/>
-                <a:hlinkClick r:id="rId3"/>
-              </a:rPr>
-              <a:t>Install Windows Subsystem for Linux</a:t>
-            </a:r>
-            <a:r>
-              <a:rPr lang="en-US" sz="3200" dirty="0">
-                <a:latin typeface="Segoe UI" panose="020B0502040204020203" pitchFamily="34" charset="0"/>
-                <a:cs typeface="Segoe UI" panose="020B0502040204020203" pitchFamily="34" charset="0"/>
-              </a:rPr>
-              <a:t> (Bash Shell)</a:t>
-            </a:r>
-          </a:p>
-          <a:p>
-            <a:r>
-              <a:rPr lang="en-US" sz="3200" dirty="0">
-                <a:latin typeface="Segoe UI" panose="020B0502040204020203" pitchFamily="34" charset="0"/>
-                <a:cs typeface="Segoe UI" panose="020B0502040204020203" pitchFamily="34" charset="0"/>
-                <a:hlinkClick r:id="rId4"/>
-              </a:rPr>
-              <a:t>Install the Azure CLI</a:t>
-            </a:r>
-            <a:r>
-              <a:rPr lang="en-US" sz="3200" dirty="0">
-                <a:latin typeface="Segoe UI" panose="020B0502040204020203" pitchFamily="34" charset="0"/>
-                <a:cs typeface="Segoe UI" panose="020B0502040204020203" pitchFamily="34" charset="0"/>
-              </a:rPr>
-              <a:t> (in WSL if on Windows!) </a:t>
-            </a:r>
-          </a:p>
-          <a:p>
-            <a:r>
-              <a:rPr lang="en-US" sz="3200" dirty="0">
-                <a:latin typeface="Segoe UI" panose="020B0502040204020203" pitchFamily="34" charset="0"/>
-                <a:cs typeface="Segoe UI" panose="020B0502040204020203" pitchFamily="34" charset="0"/>
-                <a:hlinkClick r:id="rId5"/>
-              </a:rPr>
-              <a:t>Install PowerShell Cmdlets for Azure</a:t>
-            </a:r>
             <a:endParaRPr lang="en-US" sz="3200" dirty="0">
               <a:latin typeface="Segoe UI" panose="020B0502040204020203" pitchFamily="34" charset="0"/>
               <a:cs typeface="Segoe UI" panose="020B0502040204020203" pitchFamily="34" charset="0"/>
             </a:endParaRPr>
           </a:p>
-          <a:p>
-            <a:r>
-              <a:rPr lang="en-US" sz="3200" dirty="0">
-                <a:latin typeface="Segoe UI" panose="020B0502040204020203" pitchFamily="34" charset="0"/>
-                <a:cs typeface="Segoe UI" panose="020B0502040204020203" pitchFamily="34" charset="0"/>
-                <a:hlinkClick r:id="rId6"/>
-              </a:rPr>
-              <a:t>Install Visual Studio Code</a:t>
-            </a:r>
-            <a:endParaRPr lang="en-US" sz="3200" dirty="0">
-              <a:latin typeface="Segoe UI" panose="020B0502040204020203" pitchFamily="34" charset="0"/>
-              <a:cs typeface="Segoe UI" panose="020B0502040204020203" pitchFamily="34" charset="0"/>
-            </a:endParaRPr>
-          </a:p>
-          <a:p>
-            <a:r>
-              <a:rPr lang="en-US" sz="3200" dirty="0">
-                <a:latin typeface="Segoe UI" panose="020B0502040204020203" pitchFamily="34" charset="0"/>
-                <a:cs typeface="Segoe UI" panose="020B0502040204020203" pitchFamily="34" charset="0"/>
-                <a:hlinkClick r:id="rId7"/>
-              </a:rPr>
-              <a:t>Install ARM Tools extension for VS Code</a:t>
-            </a:r>
-            <a:endParaRPr lang="en-US" sz="3200" dirty="0">
-              <a:latin typeface="Segoe UI" panose="020B0502040204020203" pitchFamily="34" charset="0"/>
-              <a:cs typeface="Segoe UI" panose="020B0502040204020203" pitchFamily="34" charset="0"/>
-            </a:endParaRPr>
-          </a:p>
-          <a:p>
-            <a:r>
-              <a:rPr lang="en-US" sz="3200" dirty="0">
-                <a:latin typeface="Segoe UI" panose="020B0502040204020203" pitchFamily="34" charset="0"/>
-                <a:cs typeface="Segoe UI" panose="020B0502040204020203" pitchFamily="34" charset="0"/>
-                <a:hlinkClick r:id="rId8"/>
-              </a:rPr>
-              <a:t>Install Bicep extension for VS Code</a:t>
-            </a:r>
-            <a:endParaRPr lang="en-US" sz="3200" dirty="0">
-              <a:latin typeface="Segoe UI" panose="020B0502040204020203" pitchFamily="34" charset="0"/>
-              <a:cs typeface="Segoe UI" panose="020B0502040204020203" pitchFamily="34" charset="0"/>
-            </a:endParaRPr>
-          </a:p>
-        </p:txBody>
-      </p:sp>
-      <p:pic>
-        <p:nvPicPr>
-          <p:cNvPr id="5" name="Picture 4" descr="Text&#10;&#10;Description automatically generated">
-            <a:extLst>
-              <a:ext uri="{FF2B5EF4-FFF2-40B4-BE49-F238E27FC236}">
-                <a16:creationId xmlns:a16="http://schemas.microsoft.com/office/drawing/2014/main" id="{E0B65B75-A899-CEC2-AF21-4ADBC08BF99E}"/>
-              </a:ext>
-            </a:extLst>
-          </p:cNvPr>
-          <p:cNvPicPr>
-            <a:picLocks noChangeAspect="1"/>
-          </p:cNvPicPr>
-          <p:nvPr/>
-        </p:nvPicPr>
-        <p:blipFill>
-          <a:blip r:embed="rId9" cstate="print">
-            <a:extLst>
-              <a:ext uri="{28A0092B-C50C-407E-A947-70E740481C1C}">
-                <a14:useLocalDpi xmlns:a14="http://schemas.microsoft.com/office/drawing/2010/main"/>
-              </a:ext>
-            </a:extLst>
-          </a:blip>
-          <a:stretch>
-            <a:fillRect/>
-          </a:stretch>
-        </p:blipFill>
-        <p:spPr>
-          <a:xfrm>
-            <a:off x="8698523" y="-229216"/>
-            <a:ext cx="3622431" cy="1704766"/>
-          </a:xfrm>
-          <a:prstGeom prst="rect">
-            <a:avLst/>
-          </a:prstGeom>
-        </p:spPr>
-      </p:pic>
+        </p:txBody>
+      </p:sp>
     </p:spTree>
     <p:extLst>
       <p:ext uri="{BB962C8B-B14F-4D97-AF65-F5344CB8AC3E}">
@@ -8786,26 +8691,12 @@
   <p:clrMapOvr>
     <a:masterClrMapping/>
   </p:clrMapOvr>
-  <p:transition>
-    <p:fade/>
-  </p:transition>
 </p:sld>
 </file>
 
 <file path=ppt/slides/slide4.xml><?xml version="1.0" encoding="utf-8"?>
 <p:sld xmlns:a="http://schemas.openxmlformats.org/drawingml/2006/main" xmlns:r="http://schemas.openxmlformats.org/officeDocument/2006/relationships" xmlns:p="http://schemas.openxmlformats.org/presentationml/2006/main">
   <p:cSld>
-    <p:bg>
-      <p:bgPr>
-        <a:solidFill>
-          <a:schemeClr val="tx1">
-            <a:lumMod val="85000"/>
-            <a:lumOff val="15000"/>
-          </a:schemeClr>
-        </a:solidFill>
-        <a:effectLst/>
-      </p:bgPr>
-    </p:bg>
     <p:spTree>
       <p:nvGrpSpPr>
         <p:cNvPr id="1" name=""/>
@@ -8822,118 +8713,70 @@
       </p:grpSpPr>
       <p:sp>
         <p:nvSpPr>
-          <p:cNvPr id="4" name="Title 3"/>
-          <p:cNvSpPr>
-            <a:spLocks noGrp="1"/>
-          </p:cNvSpPr>
-          <p:nvPr>
-            <p:ph type="title"/>
-          </p:nvPr>
-        </p:nvSpPr>
-        <p:spPr>
-          <a:xfrm>
-            <a:off x="269240" y="2084173"/>
-            <a:ext cx="11653523" cy="1909818"/>
-          </a:xfrm>
-        </p:spPr>
-        <p:txBody>
-          <a:bodyPr/>
-          <a:lstStyle/>
-          <a:p>
-            <a:pPr algn="ctr"/>
-            <a:r>
-              <a:rPr lang="en-US" dirty="0">
-                <a:ln w="3175">
-                  <a:noFill/>
-                </a:ln>
-                <a:solidFill>
-                  <a:schemeClr val="bg1"/>
-                </a:solidFill>
-                <a:latin typeface="Segoe UI Light" panose="020B0502040204020203" pitchFamily="34" charset="0"/>
-                <a:ea typeface="+mn-ea"/>
-                <a:cs typeface="Segoe UI Light" panose="020B0502040204020203" pitchFamily="34" charset="0"/>
-              </a:rPr>
-              <a:t>Challenge 1 Topic Header</a:t>
-            </a:r>
-            <a:br>
-              <a:rPr lang="en-US" dirty="0">
-                <a:ln w="3175">
-                  <a:noFill/>
-                </a:ln>
-                <a:solidFill>
-                  <a:srgbClr val="9966FF"/>
-                </a:solidFill>
-                <a:latin typeface="Segoe UI Light" panose="020B0502040204020203" pitchFamily="34" charset="0"/>
-                <a:ea typeface="+mn-ea"/>
-                <a:cs typeface="Segoe UI Light" panose="020B0502040204020203" pitchFamily="34" charset="0"/>
-              </a:rPr>
-            </a:br>
-            <a:r>
-              <a:rPr lang="en-US" sz="5400" dirty="0">
-                <a:ln w="3175">
-                  <a:noFill/>
-                </a:ln>
-                <a:solidFill>
-                  <a:srgbClr val="9966FF"/>
-                </a:solidFill>
-                <a:latin typeface="Segoe UI Light" panose="020B0502040204020203" pitchFamily="34" charset="0"/>
-                <a:ea typeface="+mn-ea"/>
-                <a:cs typeface="Segoe UI Light" panose="020B0502040204020203" pitchFamily="34" charset="0"/>
-              </a:rPr>
-              <a:t>Sub-Topic Title</a:t>
-            </a:r>
-          </a:p>
-        </p:txBody>
-      </p:sp>
-      <p:pic>
-        <p:nvPicPr>
-          <p:cNvPr id="3" name="Picture 2" descr="Text&#10;&#10;Description automatically generated with medium confidence">
+          <p:cNvPr id="2" name="Title 1">
             <a:extLst>
               <a:ext uri="{FF2B5EF4-FFF2-40B4-BE49-F238E27FC236}">
-                <a16:creationId xmlns:a16="http://schemas.microsoft.com/office/drawing/2014/main" id="{2BCF1BC1-7334-4A86-88BC-15FA13857E9D}"/>
+                <a16:creationId xmlns:a16="http://schemas.microsoft.com/office/drawing/2014/main" id="{B0B3C1D8-997A-3307-B567-5C31F43276DE}"/>
               </a:ext>
             </a:extLst>
           </p:cNvPr>
-          <p:cNvPicPr>
-            <a:picLocks noChangeAspect="1"/>
-          </p:cNvPicPr>
-          <p:nvPr/>
-        </p:nvPicPr>
-        <p:blipFill>
-          <a:blip r:embed="rId3" cstate="print">
+          <p:cNvSpPr>
+            <a:spLocks noGrp="1"/>
+          </p:cNvSpPr>
+          <p:nvPr>
+            <p:ph type="title"/>
+          </p:nvPr>
+        </p:nvSpPr>
+        <p:spPr/>
+        <p:txBody>
+          <a:bodyPr/>
+          <a:lstStyle/>
+          <a:p>
+            <a:r>
+              <a:rPr lang="en-US" dirty="0"/>
+              <a:t>Challenge 1 Topic Header</a:t>
+            </a:r>
+          </a:p>
+        </p:txBody>
+      </p:sp>
+      <p:sp>
+        <p:nvSpPr>
+          <p:cNvPr id="3" name="Text Placeholder 2">
             <a:extLst>
-              <a:ext uri="{28A0092B-C50C-407E-A947-70E740481C1C}">
-                <a14:useLocalDpi xmlns:a14="http://schemas.microsoft.com/office/drawing/2010/main"/>
+              <a:ext uri="{FF2B5EF4-FFF2-40B4-BE49-F238E27FC236}">
+                <a16:creationId xmlns:a16="http://schemas.microsoft.com/office/drawing/2014/main" id="{2F3AC27F-55BE-EAA1-2E0E-6E854A75AFEC}"/>
               </a:ext>
             </a:extLst>
-          </a:blip>
-          <a:stretch>
-            <a:fillRect/>
-          </a:stretch>
-        </p:blipFill>
-        <p:spPr>
-          <a:xfrm>
-            <a:off x="0" y="61540"/>
-            <a:ext cx="4173794" cy="1964246"/>
-          </a:xfrm>
-          <a:prstGeom prst="rect">
-            <a:avLst/>
-          </a:prstGeom>
-        </p:spPr>
-      </p:pic>
+          </p:cNvPr>
+          <p:cNvSpPr>
+            <a:spLocks noGrp="1"/>
+          </p:cNvSpPr>
+          <p:nvPr>
+            <p:ph type="body" idx="1"/>
+          </p:nvPr>
+        </p:nvSpPr>
+        <p:spPr/>
+        <p:txBody>
+          <a:bodyPr/>
+          <a:lstStyle/>
+          <a:p>
+            <a:r>
+              <a:rPr lang="en-US" dirty="0"/>
+              <a:t>Sub-Topic Title</a:t>
+            </a:r>
+          </a:p>
+        </p:txBody>
+      </p:sp>
     </p:spTree>
     <p:extLst>
       <p:ext uri="{BB962C8B-B14F-4D97-AF65-F5344CB8AC3E}">
-        <p14:creationId xmlns:p14="http://schemas.microsoft.com/office/powerpoint/2010/main" val="1894882050"/>
+        <p14:creationId xmlns:p14="http://schemas.microsoft.com/office/powerpoint/2010/main" val="2990754167"/>
       </p:ext>
     </p:extLst>
   </p:cSld>
   <p:clrMapOvr>
     <a:masterClrMapping/>
   </p:clrMapOvr>
-  <p:transition>
-    <p:fade/>
-  </p:transition>
 </p:sld>
 </file>
 
@@ -8970,12 +8813,7 @@
             <p:ph type="title"/>
           </p:nvPr>
         </p:nvSpPr>
-        <p:spPr>
-          <a:xfrm>
-            <a:off x="664029" y="149987"/>
-            <a:ext cx="10515600" cy="1325563"/>
-          </a:xfrm>
-        </p:spPr>
+        <p:spPr/>
         <p:txBody>
           <a:bodyPr>
             <a:normAutofit fontScale="90000"/>
@@ -8991,24 +8829,6 @@
                 <a:cs typeface="Segoe UI" panose="020B0502040204020203" pitchFamily="34" charset="0"/>
               </a:rPr>
               <a:t>Title Segoe UI 54pt</a:t>
-            </a:r>
-            <a:br>
-              <a:rPr lang="en-US" sz="5400" dirty="0">
-                <a:solidFill>
-                  <a:srgbClr val="002060"/>
-                </a:solidFill>
-                <a:latin typeface="Impact" panose="020B0806030902050204" pitchFamily="34" charset="0"/>
-              </a:rPr>
-            </a:br>
-            <a:r>
-              <a:rPr lang="en-US" sz="3600" b="1" dirty="0">
-                <a:solidFill>
-                  <a:srgbClr val="7030A0"/>
-                </a:solidFill>
-                <a:latin typeface="Segoe UI" panose="020B0502040204020203" pitchFamily="34" charset="0"/>
-                <a:cs typeface="Segoe UI" panose="020B0502040204020203" pitchFamily="34" charset="0"/>
-              </a:rPr>
-              <a:t>Slide Subtitle Segoe UI 32pt</a:t>
             </a:r>
             <a:endParaRPr lang="en-US" sz="5400" b="1" dirty="0">
               <a:solidFill>
@@ -9036,12 +8856,7 @@
             <p:ph idx="1"/>
           </p:nvPr>
         </p:nvSpPr>
-        <p:spPr>
-          <a:xfrm>
-            <a:off x="838200" y="1987477"/>
-            <a:ext cx="10515600" cy="4351338"/>
-          </a:xfrm>
-        </p:spPr>
+        <p:spPr/>
         <p:txBody>
           <a:bodyPr/>
           <a:lstStyle/>
@@ -9653,42 +9468,41 @@
           </a:p>
         </p:txBody>
       </p:sp>
-      <p:pic>
-        <p:nvPicPr>
-          <p:cNvPr id="6" name="Picture 5" descr="Text&#10;&#10;Description automatically generated">
+      <p:sp>
+        <p:nvSpPr>
+          <p:cNvPr id="4" name="Text Placeholder 3">
             <a:extLst>
               <a:ext uri="{FF2B5EF4-FFF2-40B4-BE49-F238E27FC236}">
-                <a16:creationId xmlns:a16="http://schemas.microsoft.com/office/drawing/2014/main" id="{C21AE78C-0E7C-3F0C-145E-F3B8BCAF5C45}"/>
+                <a16:creationId xmlns:a16="http://schemas.microsoft.com/office/drawing/2014/main" id="{91051B93-082E-F159-F4B6-DDC0E3942FE4}"/>
               </a:ext>
             </a:extLst>
           </p:cNvPr>
-          <p:cNvPicPr>
-            <a:picLocks noChangeAspect="1"/>
-          </p:cNvPicPr>
-          <p:nvPr/>
-        </p:nvPicPr>
-        <p:blipFill>
-          <a:blip r:embed="rId3" cstate="print">
-            <a:extLst>
-              <a:ext uri="{28A0092B-C50C-407E-A947-70E740481C1C}">
-                <a14:useLocalDpi xmlns:a14="http://schemas.microsoft.com/office/drawing/2010/main"/>
-              </a:ext>
-            </a:extLst>
-          </a:blip>
-          <a:stretch>
-            <a:fillRect/>
-          </a:stretch>
-        </p:blipFill>
-        <p:spPr>
-          <a:xfrm>
-            <a:off x="8698523" y="-229216"/>
-            <a:ext cx="3622431" cy="1704766"/>
-          </a:xfrm>
-          <a:prstGeom prst="rect">
-            <a:avLst/>
-          </a:prstGeom>
-        </p:spPr>
-      </p:pic>
+          <p:cNvSpPr>
+            <a:spLocks noGrp="1"/>
+          </p:cNvSpPr>
+          <p:nvPr>
+            <p:ph type="body" sz="quarter" idx="13"/>
+          </p:nvPr>
+        </p:nvSpPr>
+        <p:spPr/>
+        <p:txBody>
+          <a:bodyPr/>
+          <a:lstStyle/>
+          <a:p>
+            <a:r>
+              <a:rPr lang="en-US" sz="3200" b="1" dirty="0">
+                <a:solidFill>
+                  <a:srgbClr val="7030A0"/>
+                </a:solidFill>
+                <a:latin typeface="Segoe UI" panose="020B0502040204020203" pitchFamily="34" charset="0"/>
+                <a:cs typeface="Segoe UI" panose="020B0502040204020203" pitchFamily="34" charset="0"/>
+              </a:rPr>
+              <a:t>Slide Subtitle Segoe UI 32pt</a:t>
+            </a:r>
+            <a:endParaRPr lang="en-US" dirty="0"/>
+          </a:p>
+        </p:txBody>
+      </p:sp>
     </p:spTree>
     <p:extLst>
       <p:ext uri="{BB962C8B-B14F-4D97-AF65-F5344CB8AC3E}">
@@ -9731,7 +9545,9 @@
         </p:nvSpPr>
         <p:spPr/>
         <p:txBody>
-          <a:bodyPr/>
+          <a:bodyPr>
+            <a:normAutofit/>
+          </a:bodyPr>
           <a:lstStyle/>
           <a:p>
             <a:r>
@@ -9744,25 +9560,13 @@
               </a:rPr>
               <a:t>Challenge #1</a:t>
             </a:r>
-            <a:br>
-              <a:rPr lang="en-US" sz="5400" b="1" dirty="0">
-                <a:solidFill>
-                  <a:srgbClr val="002060"/>
-                </a:solidFill>
-                <a:latin typeface="Segoe UI" panose="020B0502040204020203" pitchFamily="34" charset="0"/>
-                <a:cs typeface="Segoe UI" panose="020B0502040204020203" pitchFamily="34" charset="0"/>
-              </a:rPr>
-            </a:br>
-            <a:r>
-              <a:rPr lang="en-US" sz="3200" b="1" dirty="0">
-                <a:solidFill>
-                  <a:srgbClr val="7030A0"/>
-                </a:solidFill>
-                <a:latin typeface="Segoe UI" panose="020B0502040204020203" pitchFamily="34" charset="0"/>
-                <a:cs typeface="Segoe UI" panose="020B0502040204020203" pitchFamily="34" charset="0"/>
-              </a:rPr>
-              <a:t>&lt;Insert Challenge #1 Title here&gt;</a:t>
-            </a:r>
+            <a:endParaRPr lang="en-US" sz="3200" b="1" dirty="0">
+              <a:solidFill>
+                <a:srgbClr val="7030A0"/>
+              </a:solidFill>
+              <a:latin typeface="Segoe UI" panose="020B0502040204020203" pitchFamily="34" charset="0"/>
+              <a:cs typeface="Segoe UI" panose="020B0502040204020203" pitchFamily="34" charset="0"/>
+            </a:endParaRPr>
           </a:p>
         </p:txBody>
       </p:sp>
@@ -9773,15 +9577,10 @@
             <a:spLocks noGrp="1"/>
           </p:cNvSpPr>
           <p:nvPr>
-            <p:ph type="body" sz="quarter" idx="10"/>
-          </p:nvPr>
-        </p:nvSpPr>
-        <p:spPr>
-          <a:xfrm>
-            <a:off x="550985" y="1890296"/>
-            <a:ext cx="11374096" cy="4556504"/>
-          </a:xfrm>
-        </p:spPr>
+            <p:ph idx="1"/>
+          </p:nvPr>
+        </p:nvSpPr>
+        <p:spPr/>
         <p:txBody>
           <a:bodyPr>
             <a:normAutofit/>
@@ -9876,42 +9675,130 @@
           </a:p>
         </p:txBody>
       </p:sp>
-      <p:pic>
-        <p:nvPicPr>
-          <p:cNvPr id="5" name="Picture 4" descr="Text&#10;&#10;Description automatically generated">
+      <p:sp>
+        <p:nvSpPr>
+          <p:cNvPr id="8" name="Text Placeholder 7">
             <a:extLst>
               <a:ext uri="{FF2B5EF4-FFF2-40B4-BE49-F238E27FC236}">
-                <a16:creationId xmlns:a16="http://schemas.microsoft.com/office/drawing/2014/main" id="{2D626920-EFD5-05E1-4B50-98C1F77DE5DC}"/>
+                <a16:creationId xmlns:a16="http://schemas.microsoft.com/office/drawing/2014/main" id="{E3048B16-5BF1-7CB9-7FB4-FEF3812F70B0}"/>
               </a:ext>
             </a:extLst>
           </p:cNvPr>
-          <p:cNvPicPr>
-            <a:picLocks noChangeAspect="1"/>
-          </p:cNvPicPr>
-          <p:nvPr/>
-        </p:nvPicPr>
-        <p:blipFill>
-          <a:blip r:embed="rId3" cstate="print">
+          <p:cNvSpPr>
+            <a:spLocks noGrp="1"/>
+          </p:cNvSpPr>
+          <p:nvPr>
+            <p:ph type="body" sz="quarter" idx="13"/>
+          </p:nvPr>
+        </p:nvSpPr>
+        <p:spPr/>
+        <p:txBody>
+          <a:bodyPr/>
+          <a:lstStyle/>
+          <a:p>
+            <a:r>
+              <a:rPr lang="en-US" dirty="0"/>
+              <a:t>&lt;Insert Challenge #1 Title Here&gt;</a:t>
+            </a:r>
+          </a:p>
+        </p:txBody>
+      </p:sp>
+      <p:sp>
+        <p:nvSpPr>
+          <p:cNvPr id="4" name="TextBox 3">
             <a:extLst>
-              <a:ext uri="{28A0092B-C50C-407E-A947-70E740481C1C}">
-                <a14:useLocalDpi xmlns:a14="http://schemas.microsoft.com/office/drawing/2010/main"/>
+              <a:ext uri="{FF2B5EF4-FFF2-40B4-BE49-F238E27FC236}">
+                <a16:creationId xmlns:a16="http://schemas.microsoft.com/office/drawing/2014/main" id="{63CFF63D-04FB-705F-FDE7-615DA747FAC4}"/>
               </a:ext>
             </a:extLst>
-          </a:blip>
-          <a:stretch>
-            <a:fillRect/>
-          </a:stretch>
-        </p:blipFill>
+          </p:cNvPr>
+          <p:cNvSpPr txBox="1"/>
+          <p:nvPr/>
+        </p:nvSpPr>
         <p:spPr>
           <a:xfrm>
-            <a:off x="8698523" y="-229216"/>
-            <a:ext cx="3622431" cy="1704766"/>
+            <a:off x="5034987" y="1307939"/>
+            <a:ext cx="184731" cy="369332"/>
           </a:xfrm>
           <a:prstGeom prst="rect">
             <a:avLst/>
           </a:prstGeom>
+          <a:noFill/>
         </p:spPr>
-      </p:pic>
+        <p:txBody>
+          <a:bodyPr wrap="none" rtlCol="0">
+            <a:spAutoFit/>
+          </a:bodyPr>
+          <a:lstStyle/>
+          <a:p>
+            <a:endParaRPr lang="en-US" dirty="0"/>
+          </a:p>
+        </p:txBody>
+      </p:sp>
+      <p:sp>
+        <p:nvSpPr>
+          <p:cNvPr id="6" name="TextBox 5">
+            <a:extLst>
+              <a:ext uri="{FF2B5EF4-FFF2-40B4-BE49-F238E27FC236}">
+                <a16:creationId xmlns:a16="http://schemas.microsoft.com/office/drawing/2014/main" id="{AB9110E3-5DA2-43FD-3338-F621924160AB}"/>
+              </a:ext>
+            </a:extLst>
+          </p:cNvPr>
+          <p:cNvSpPr txBox="1"/>
+          <p:nvPr/>
+        </p:nvSpPr>
+        <p:spPr>
+          <a:xfrm>
+            <a:off x="5775767" y="1088020"/>
+            <a:ext cx="184731" cy="369332"/>
+          </a:xfrm>
+          <a:prstGeom prst="rect">
+            <a:avLst/>
+          </a:prstGeom>
+          <a:noFill/>
+        </p:spPr>
+        <p:txBody>
+          <a:bodyPr wrap="none" rtlCol="0">
+            <a:spAutoFit/>
+          </a:bodyPr>
+          <a:lstStyle/>
+          <a:p>
+            <a:endParaRPr lang="en-US" dirty="0"/>
+          </a:p>
+        </p:txBody>
+      </p:sp>
+      <p:sp>
+        <p:nvSpPr>
+          <p:cNvPr id="7" name="TextBox 6">
+            <a:extLst>
+              <a:ext uri="{FF2B5EF4-FFF2-40B4-BE49-F238E27FC236}">
+                <a16:creationId xmlns:a16="http://schemas.microsoft.com/office/drawing/2014/main" id="{42E1B2F0-C4E0-E0F5-983F-767CA58230D0}"/>
+              </a:ext>
+            </a:extLst>
+          </p:cNvPr>
+          <p:cNvSpPr txBox="1"/>
+          <p:nvPr/>
+        </p:nvSpPr>
+        <p:spPr>
+          <a:xfrm>
+            <a:off x="6111433" y="1157468"/>
+            <a:ext cx="184731" cy="369332"/>
+          </a:xfrm>
+          <a:prstGeom prst="rect">
+            <a:avLst/>
+          </a:prstGeom>
+          <a:noFill/>
+        </p:spPr>
+        <p:txBody>
+          <a:bodyPr wrap="none" rtlCol="0">
+            <a:spAutoFit/>
+          </a:bodyPr>
+          <a:lstStyle/>
+          <a:p>
+            <a:endParaRPr lang="en-US" dirty="0"/>
+          </a:p>
+        </p:txBody>
+      </p:sp>
     </p:spTree>
     <p:extLst>
       <p:ext uri="{BB962C8B-B14F-4D97-AF65-F5344CB8AC3E}">
@@ -9922,26 +9809,12 @@
   <p:clrMapOvr>
     <a:masterClrMapping/>
   </p:clrMapOvr>
-  <p:transition>
-    <p:fade/>
-  </p:transition>
 </p:sld>
 </file>
 
 <file path=ppt/slides/slide7.xml><?xml version="1.0" encoding="utf-8"?>
 <p:sld xmlns:a="http://schemas.openxmlformats.org/drawingml/2006/main" xmlns:r="http://schemas.openxmlformats.org/officeDocument/2006/relationships" xmlns:p="http://schemas.openxmlformats.org/presentationml/2006/main">
   <p:cSld>
-    <p:bg>
-      <p:bgPr>
-        <a:solidFill>
-          <a:schemeClr val="tx1">
-            <a:lumMod val="85000"/>
-            <a:lumOff val="15000"/>
-          </a:schemeClr>
-        </a:solidFill>
-        <a:effectLst/>
-      </p:bgPr>
-    </p:bg>
     <p:spTree>
       <p:nvGrpSpPr>
         <p:cNvPr id="1" name=""/>
@@ -9958,118 +9831,70 @@
       </p:grpSpPr>
       <p:sp>
         <p:nvSpPr>
-          <p:cNvPr id="4" name="Title 3"/>
-          <p:cNvSpPr>
-            <a:spLocks noGrp="1"/>
-          </p:cNvSpPr>
-          <p:nvPr>
-            <p:ph type="title"/>
-          </p:nvPr>
-        </p:nvSpPr>
-        <p:spPr>
-          <a:xfrm>
-            <a:off x="269240" y="2084173"/>
-            <a:ext cx="11653523" cy="1909818"/>
-          </a:xfrm>
-        </p:spPr>
-        <p:txBody>
-          <a:bodyPr/>
-          <a:lstStyle/>
-          <a:p>
-            <a:pPr algn="ctr"/>
-            <a:r>
-              <a:rPr lang="en-US" dirty="0">
-                <a:ln w="3175">
-                  <a:noFill/>
-                </a:ln>
-                <a:solidFill>
-                  <a:schemeClr val="bg1"/>
-                </a:solidFill>
-                <a:latin typeface="Segoe UI Light" panose="020B0502040204020203" pitchFamily="34" charset="0"/>
-                <a:ea typeface="+mn-ea"/>
-                <a:cs typeface="Segoe UI Light" panose="020B0502040204020203" pitchFamily="34" charset="0"/>
-              </a:rPr>
-              <a:t>Challenge 2 Topic Header</a:t>
-            </a:r>
-            <a:br>
-              <a:rPr lang="en-US" dirty="0">
-                <a:ln w="3175">
-                  <a:noFill/>
-                </a:ln>
-                <a:solidFill>
-                  <a:srgbClr val="9966FF"/>
-                </a:solidFill>
-                <a:latin typeface="Segoe UI Light" panose="020B0502040204020203" pitchFamily="34" charset="0"/>
-                <a:ea typeface="+mn-ea"/>
-                <a:cs typeface="Segoe UI Light" panose="020B0502040204020203" pitchFamily="34" charset="0"/>
-              </a:rPr>
-            </a:br>
-            <a:r>
-              <a:rPr lang="en-US" sz="5400" dirty="0">
-                <a:ln w="3175">
-                  <a:noFill/>
-                </a:ln>
-                <a:solidFill>
-                  <a:srgbClr val="9966FF"/>
-                </a:solidFill>
-                <a:latin typeface="Segoe UI Light" panose="020B0502040204020203" pitchFamily="34" charset="0"/>
-                <a:ea typeface="+mn-ea"/>
-                <a:cs typeface="Segoe UI Light" panose="020B0502040204020203" pitchFamily="34" charset="0"/>
-              </a:rPr>
-              <a:t>Sub-Topic Title</a:t>
-            </a:r>
-          </a:p>
-        </p:txBody>
-      </p:sp>
-      <p:pic>
-        <p:nvPicPr>
-          <p:cNvPr id="3" name="Picture 2" descr="Text&#10;&#10;Description automatically generated with medium confidence">
+          <p:cNvPr id="2" name="Title 1">
             <a:extLst>
               <a:ext uri="{FF2B5EF4-FFF2-40B4-BE49-F238E27FC236}">
-                <a16:creationId xmlns:a16="http://schemas.microsoft.com/office/drawing/2014/main" id="{2BCF1BC1-7334-4A86-88BC-15FA13857E9D}"/>
+                <a16:creationId xmlns:a16="http://schemas.microsoft.com/office/drawing/2014/main" id="{08C237E2-611E-B3D5-B7A0-DB2A1638DB33}"/>
               </a:ext>
             </a:extLst>
           </p:cNvPr>
-          <p:cNvPicPr>
-            <a:picLocks noChangeAspect="1"/>
-          </p:cNvPicPr>
-          <p:nvPr/>
-        </p:nvPicPr>
-        <p:blipFill>
-          <a:blip r:embed="rId3" cstate="print">
+          <p:cNvSpPr>
+            <a:spLocks noGrp="1"/>
+          </p:cNvSpPr>
+          <p:nvPr>
+            <p:ph type="title"/>
+          </p:nvPr>
+        </p:nvSpPr>
+        <p:spPr/>
+        <p:txBody>
+          <a:bodyPr/>
+          <a:lstStyle/>
+          <a:p>
+            <a:r>
+              <a:rPr lang="en-US" dirty="0"/>
+              <a:t>Challenge 2 Topic Header</a:t>
+            </a:r>
+          </a:p>
+        </p:txBody>
+      </p:sp>
+      <p:sp>
+        <p:nvSpPr>
+          <p:cNvPr id="3" name="Text Placeholder 2">
             <a:extLst>
-              <a:ext uri="{28A0092B-C50C-407E-A947-70E740481C1C}">
-                <a14:useLocalDpi xmlns:a14="http://schemas.microsoft.com/office/drawing/2010/main"/>
+              <a:ext uri="{FF2B5EF4-FFF2-40B4-BE49-F238E27FC236}">
+                <a16:creationId xmlns:a16="http://schemas.microsoft.com/office/drawing/2014/main" id="{22AD97D8-5C57-D744-5FAB-7CD4DEC21FB5}"/>
               </a:ext>
             </a:extLst>
-          </a:blip>
-          <a:stretch>
-            <a:fillRect/>
-          </a:stretch>
-        </p:blipFill>
-        <p:spPr>
-          <a:xfrm>
-            <a:off x="0" y="61540"/>
-            <a:ext cx="4173794" cy="1964246"/>
-          </a:xfrm>
-          <a:prstGeom prst="rect">
-            <a:avLst/>
-          </a:prstGeom>
-        </p:spPr>
-      </p:pic>
+          </p:cNvPr>
+          <p:cNvSpPr>
+            <a:spLocks noGrp="1"/>
+          </p:cNvSpPr>
+          <p:nvPr>
+            <p:ph type="body" idx="1"/>
+          </p:nvPr>
+        </p:nvSpPr>
+        <p:spPr/>
+        <p:txBody>
+          <a:bodyPr/>
+          <a:lstStyle/>
+          <a:p>
+            <a:r>
+              <a:rPr lang="en-US" dirty="0"/>
+              <a:t>Sub-Topic Tile</a:t>
+            </a:r>
+          </a:p>
+        </p:txBody>
+      </p:sp>
     </p:spTree>
     <p:extLst>
       <p:ext uri="{BB962C8B-B14F-4D97-AF65-F5344CB8AC3E}">
-        <p14:creationId xmlns:p14="http://schemas.microsoft.com/office/powerpoint/2010/main" val="3787412681"/>
+        <p14:creationId xmlns:p14="http://schemas.microsoft.com/office/powerpoint/2010/main" val="1304008667"/>
       </p:ext>
     </p:extLst>
   </p:cSld>
   <p:clrMapOvr>
     <a:masterClrMapping/>
   </p:clrMapOvr>
-  <p:transition>
-    <p:fade/>
-  </p:transition>
 </p:sld>
 </file>
 
@@ -10106,12 +9931,7 @@
             <p:ph type="title"/>
           </p:nvPr>
         </p:nvSpPr>
-        <p:spPr>
-          <a:xfrm>
-            <a:off x="664029" y="149987"/>
-            <a:ext cx="10515600" cy="1325563"/>
-          </a:xfrm>
-        </p:spPr>
+        <p:spPr/>
         <p:txBody>
           <a:bodyPr>
             <a:normAutofit fontScale="90000"/>
@@ -10127,24 +9947,6 @@
                 <a:cs typeface="Segoe UI" panose="020B0502040204020203" pitchFamily="34" charset="0"/>
               </a:rPr>
               <a:t>Title Segoe UI 54pt</a:t>
-            </a:r>
-            <a:br>
-              <a:rPr lang="en-US" sz="5400" dirty="0">
-                <a:solidFill>
-                  <a:srgbClr val="002060"/>
-                </a:solidFill>
-                <a:latin typeface="Impact" panose="020B0806030902050204" pitchFamily="34" charset="0"/>
-              </a:rPr>
-            </a:br>
-            <a:r>
-              <a:rPr lang="en-US" sz="3600" b="1" dirty="0">
-                <a:solidFill>
-                  <a:srgbClr val="7030A0"/>
-                </a:solidFill>
-                <a:latin typeface="Segoe UI" panose="020B0502040204020203" pitchFamily="34" charset="0"/>
-                <a:cs typeface="Segoe UI" panose="020B0502040204020203" pitchFamily="34" charset="0"/>
-              </a:rPr>
-              <a:t>Slide Subtitle Segoe UI 32pt</a:t>
             </a:r>
             <a:endParaRPr lang="en-US" sz="5400" b="1" dirty="0">
               <a:solidFill>
@@ -10172,12 +9974,7 @@
             <p:ph idx="1"/>
           </p:nvPr>
         </p:nvSpPr>
-        <p:spPr>
-          <a:xfrm>
-            <a:off x="838200" y="1987477"/>
-            <a:ext cx="10515600" cy="4351338"/>
-          </a:xfrm>
-        </p:spPr>
+        <p:spPr/>
         <p:txBody>
           <a:bodyPr/>
           <a:lstStyle/>
@@ -10789,46 +10586,45 @@
           </a:p>
         </p:txBody>
       </p:sp>
-      <p:pic>
-        <p:nvPicPr>
-          <p:cNvPr id="6" name="Picture 5" descr="Text&#10;&#10;Description automatically generated">
+      <p:sp>
+        <p:nvSpPr>
+          <p:cNvPr id="4" name="Text Placeholder 3">
             <a:extLst>
               <a:ext uri="{FF2B5EF4-FFF2-40B4-BE49-F238E27FC236}">
-                <a16:creationId xmlns:a16="http://schemas.microsoft.com/office/drawing/2014/main" id="{C21AE78C-0E7C-3F0C-145E-F3B8BCAF5C45}"/>
+                <a16:creationId xmlns:a16="http://schemas.microsoft.com/office/drawing/2014/main" id="{91051B93-082E-F159-F4B6-DDC0E3942FE4}"/>
               </a:ext>
             </a:extLst>
           </p:cNvPr>
-          <p:cNvPicPr>
-            <a:picLocks noChangeAspect="1"/>
-          </p:cNvPicPr>
-          <p:nvPr/>
-        </p:nvPicPr>
-        <p:blipFill>
-          <a:blip r:embed="rId3" cstate="print">
-            <a:extLst>
-              <a:ext uri="{28A0092B-C50C-407E-A947-70E740481C1C}">
-                <a14:useLocalDpi xmlns:a14="http://schemas.microsoft.com/office/drawing/2010/main"/>
-              </a:ext>
-            </a:extLst>
-          </a:blip>
-          <a:stretch>
-            <a:fillRect/>
-          </a:stretch>
-        </p:blipFill>
-        <p:spPr>
-          <a:xfrm>
-            <a:off x="8698523" y="-229216"/>
-            <a:ext cx="3622431" cy="1704766"/>
-          </a:xfrm>
-          <a:prstGeom prst="rect">
-            <a:avLst/>
-          </a:prstGeom>
-        </p:spPr>
-      </p:pic>
+          <p:cNvSpPr>
+            <a:spLocks noGrp="1"/>
+          </p:cNvSpPr>
+          <p:nvPr>
+            <p:ph type="body" sz="quarter" idx="13"/>
+          </p:nvPr>
+        </p:nvSpPr>
+        <p:spPr/>
+        <p:txBody>
+          <a:bodyPr/>
+          <a:lstStyle/>
+          <a:p>
+            <a:r>
+              <a:rPr lang="en-US" sz="3200" b="1" dirty="0">
+                <a:solidFill>
+                  <a:srgbClr val="7030A0"/>
+                </a:solidFill>
+                <a:latin typeface="Segoe UI" panose="020B0502040204020203" pitchFamily="34" charset="0"/>
+                <a:cs typeface="Segoe UI" panose="020B0502040204020203" pitchFamily="34" charset="0"/>
+              </a:rPr>
+              <a:t>Slide Subtitle Segoe UI 32pt</a:t>
+            </a:r>
+            <a:endParaRPr lang="en-US" dirty="0"/>
+          </a:p>
+        </p:txBody>
+      </p:sp>
     </p:spTree>
     <p:extLst>
       <p:ext uri="{BB962C8B-B14F-4D97-AF65-F5344CB8AC3E}">
-        <p14:creationId xmlns:p14="http://schemas.microsoft.com/office/powerpoint/2010/main" val="980316941"/>
+        <p14:creationId xmlns:p14="http://schemas.microsoft.com/office/powerpoint/2010/main" val="1693316930"/>
       </p:ext>
     </p:extLst>
   </p:cSld>
@@ -10867,7 +10663,9 @@
         </p:nvSpPr>
         <p:spPr/>
         <p:txBody>
-          <a:bodyPr/>
+          <a:bodyPr>
+            <a:normAutofit/>
+          </a:bodyPr>
           <a:lstStyle/>
           <a:p>
             <a:r>
@@ -10880,15 +10678,145 @@
               </a:rPr>
               <a:t>Challenge #2</a:t>
             </a:r>
-            <a:br>
-              <a:rPr lang="en-US" sz="5400" b="1" dirty="0">
-                <a:solidFill>
-                  <a:srgbClr val="002060"/>
-                </a:solidFill>
-                <a:latin typeface="Segoe UI" panose="020B0502040204020203" pitchFamily="34" charset="0"/>
-                <a:cs typeface="Segoe UI" panose="020B0502040204020203" pitchFamily="34" charset="0"/>
-              </a:rPr>
-            </a:br>
+            <a:endParaRPr lang="en-US" sz="3200" b="1" dirty="0">
+              <a:solidFill>
+                <a:srgbClr val="7030A0"/>
+              </a:solidFill>
+              <a:latin typeface="Segoe UI" panose="020B0502040204020203" pitchFamily="34" charset="0"/>
+              <a:cs typeface="Segoe UI" panose="020B0502040204020203" pitchFamily="34" charset="0"/>
+            </a:endParaRPr>
+          </a:p>
+        </p:txBody>
+      </p:sp>
+      <p:sp>
+        <p:nvSpPr>
+          <p:cNvPr id="4" name="Content Placeholder 3">
+            <a:extLst>
+              <a:ext uri="{FF2B5EF4-FFF2-40B4-BE49-F238E27FC236}">
+                <a16:creationId xmlns:a16="http://schemas.microsoft.com/office/drawing/2014/main" id="{06F7F96E-1EA5-9285-4DB4-502802165248}"/>
+              </a:ext>
+            </a:extLst>
+          </p:cNvPr>
+          <p:cNvSpPr>
+            <a:spLocks noGrp="1"/>
+          </p:cNvSpPr>
+          <p:nvPr>
+            <p:ph idx="1"/>
+          </p:nvPr>
+        </p:nvSpPr>
+        <p:spPr/>
+        <p:txBody>
+          <a:bodyPr/>
+          <a:lstStyle/>
+          <a:p>
+            <a:r>
+              <a:rPr lang="en-US" sz="3200" dirty="0">
+                <a:latin typeface="Segoe UI" panose="020B0502040204020203" pitchFamily="34" charset="0"/>
+                <a:cs typeface="Segoe UI" panose="020B0502040204020203" pitchFamily="34" charset="0"/>
+              </a:rPr>
+              <a:t>Key challenge goal #1</a:t>
+            </a:r>
+          </a:p>
+          <a:p>
+            <a:pPr lvl="1"/>
+            <a:r>
+              <a:rPr lang="en-US" sz="2800" dirty="0">
+                <a:latin typeface="Segoe UI" panose="020B0502040204020203" pitchFamily="34" charset="0"/>
+                <a:cs typeface="Segoe UI" panose="020B0502040204020203" pitchFamily="34" charset="0"/>
+              </a:rPr>
+              <a:t>Challenge goal details/specifications</a:t>
+            </a:r>
+          </a:p>
+          <a:p>
+            <a:pPr lvl="1"/>
+            <a:r>
+              <a:rPr lang="en-US" sz="2800" dirty="0">
+                <a:latin typeface="Segoe UI" panose="020B0502040204020203" pitchFamily="34" charset="0"/>
+                <a:cs typeface="Segoe UI" panose="020B0502040204020203" pitchFamily="34" charset="0"/>
+              </a:rPr>
+              <a:t>Takes inputs: </a:t>
+            </a:r>
+          </a:p>
+          <a:p>
+            <a:pPr lvl="2"/>
+            <a:r>
+              <a:rPr lang="en-US" sz="2400" dirty="0">
+                <a:latin typeface="Segoe UI" panose="020B0502040204020203" pitchFamily="34" charset="0"/>
+                <a:cs typeface="Segoe UI" panose="020B0502040204020203" pitchFamily="34" charset="0"/>
+              </a:rPr>
+              <a:t>Location</a:t>
+            </a:r>
+          </a:p>
+          <a:p>
+            <a:pPr lvl="2"/>
+            <a:r>
+              <a:rPr lang="en-US" sz="2400" dirty="0">
+                <a:latin typeface="Segoe UI" panose="020B0502040204020203" pitchFamily="34" charset="0"/>
+                <a:cs typeface="Segoe UI" panose="020B0502040204020203" pitchFamily="34" charset="0"/>
+              </a:rPr>
+              <a:t>A unique storage account name</a:t>
+            </a:r>
+          </a:p>
+          <a:p>
+            <a:pPr lvl="1"/>
+            <a:r>
+              <a:rPr lang="en-US" sz="2800" dirty="0">
+                <a:latin typeface="Segoe UI" panose="020B0502040204020203" pitchFamily="34" charset="0"/>
+                <a:cs typeface="Segoe UI" panose="020B0502040204020203" pitchFamily="34" charset="0"/>
+              </a:rPr>
+              <a:t>Returns output:</a:t>
+            </a:r>
+          </a:p>
+          <a:p>
+            <a:pPr lvl="2"/>
+            <a:r>
+              <a:rPr lang="en-US" sz="2400" dirty="0">
+                <a:latin typeface="Segoe UI" panose="020B0502040204020203" pitchFamily="34" charset="0"/>
+                <a:cs typeface="Segoe UI" panose="020B0502040204020203" pitchFamily="34" charset="0"/>
+              </a:rPr>
+              <a:t> storage account ID</a:t>
+            </a:r>
+          </a:p>
+          <a:p>
+            <a:r>
+              <a:rPr lang="en-US" sz="3200" dirty="0">
+                <a:latin typeface="Segoe UI" panose="020B0502040204020203" pitchFamily="34" charset="0"/>
+                <a:cs typeface="Segoe UI" panose="020B0502040204020203" pitchFamily="34" charset="0"/>
+              </a:rPr>
+              <a:t>Key challenge goal #2</a:t>
+            </a:r>
+          </a:p>
+          <a:p>
+            <a:r>
+              <a:rPr lang="en-US" sz="3200" dirty="0">
+                <a:latin typeface="Segoe UI" panose="020B0502040204020203" pitchFamily="34" charset="0"/>
+                <a:cs typeface="Segoe UI" panose="020B0502040204020203" pitchFamily="34" charset="0"/>
+              </a:rPr>
+              <a:t>Key challenge goal #3</a:t>
+            </a:r>
+          </a:p>
+          <a:p>
+            <a:endParaRPr lang="en-US" dirty="0"/>
+          </a:p>
+        </p:txBody>
+      </p:sp>
+      <p:sp>
+        <p:nvSpPr>
+          <p:cNvPr id="2" name="Text Placeholder 1"/>
+          <p:cNvSpPr>
+            <a:spLocks noGrp="1"/>
+          </p:cNvSpPr>
+          <p:nvPr>
+            <p:ph type="body" sz="quarter" idx="13"/>
+          </p:nvPr>
+        </p:nvSpPr>
+        <p:spPr/>
+        <p:txBody>
+          <a:bodyPr>
+            <a:normAutofit/>
+          </a:bodyPr>
+          <a:lstStyle/>
+          <a:p>
             <a:r>
               <a:rPr lang="en-US" sz="3200" b="1" dirty="0">
                 <a:solidFill>
@@ -10899,155 +10827,13 @@
               </a:rPr>
               <a:t>&lt;Insert Challenge #2 Title here&gt;</a:t>
             </a:r>
-          </a:p>
-        </p:txBody>
-      </p:sp>
-      <p:sp>
-        <p:nvSpPr>
-          <p:cNvPr id="2" name="Text Placeholder 1"/>
-          <p:cNvSpPr>
-            <a:spLocks noGrp="1"/>
-          </p:cNvSpPr>
-          <p:nvPr>
-            <p:ph type="body" sz="quarter" idx="10"/>
-          </p:nvPr>
-        </p:nvSpPr>
-        <p:spPr>
-          <a:xfrm>
-            <a:off x="550985" y="1890296"/>
-            <a:ext cx="11374096" cy="4556504"/>
-          </a:xfrm>
-        </p:spPr>
-        <p:txBody>
-          <a:bodyPr>
-            <a:normAutofit/>
-          </a:bodyPr>
-          <a:lstStyle/>
-          <a:p>
-            <a:r>
-              <a:rPr lang="en-US" sz="3200" dirty="0">
-                <a:latin typeface="Segoe UI" panose="020B0502040204020203" pitchFamily="34" charset="0"/>
-                <a:cs typeface="Segoe UI" panose="020B0502040204020203" pitchFamily="34" charset="0"/>
-              </a:rPr>
-              <a:t>Key challenge goal #1</a:t>
-            </a:r>
-          </a:p>
-          <a:p>
-            <a:pPr lvl="1"/>
-            <a:r>
-              <a:rPr lang="en-US" sz="2800" dirty="0">
-                <a:latin typeface="Segoe UI" panose="020B0502040204020203" pitchFamily="34" charset="0"/>
-                <a:cs typeface="Segoe UI" panose="020B0502040204020203" pitchFamily="34" charset="0"/>
-              </a:rPr>
-              <a:t>Challenge goal details/specifications</a:t>
-            </a:r>
-          </a:p>
-          <a:p>
-            <a:pPr lvl="1"/>
-            <a:r>
-              <a:rPr lang="en-US" sz="2800" dirty="0">
-                <a:latin typeface="Segoe UI" panose="020B0502040204020203" pitchFamily="34" charset="0"/>
-                <a:cs typeface="Segoe UI" panose="020B0502040204020203" pitchFamily="34" charset="0"/>
-              </a:rPr>
-              <a:t>Takes inputs: </a:t>
-            </a:r>
-          </a:p>
-          <a:p>
-            <a:pPr lvl="2"/>
-            <a:r>
-              <a:rPr lang="en-US" sz="2400" dirty="0">
-                <a:latin typeface="Segoe UI" panose="020B0502040204020203" pitchFamily="34" charset="0"/>
-                <a:cs typeface="Segoe UI" panose="020B0502040204020203" pitchFamily="34" charset="0"/>
-              </a:rPr>
-              <a:t>Location</a:t>
-            </a:r>
-          </a:p>
-          <a:p>
-            <a:pPr lvl="2"/>
-            <a:r>
-              <a:rPr lang="en-US" sz="2400" dirty="0">
-                <a:latin typeface="Segoe UI" panose="020B0502040204020203" pitchFamily="34" charset="0"/>
-                <a:cs typeface="Segoe UI" panose="020B0502040204020203" pitchFamily="34" charset="0"/>
-              </a:rPr>
-              <a:t>A unique storage account name</a:t>
-            </a:r>
-          </a:p>
-          <a:p>
-            <a:pPr lvl="1"/>
-            <a:r>
-              <a:rPr lang="en-US" sz="2800" dirty="0">
-                <a:latin typeface="Segoe UI" panose="020B0502040204020203" pitchFamily="34" charset="0"/>
-                <a:cs typeface="Segoe UI" panose="020B0502040204020203" pitchFamily="34" charset="0"/>
-              </a:rPr>
-              <a:t>Returns output:</a:t>
-            </a:r>
-          </a:p>
-          <a:p>
-            <a:pPr lvl="2"/>
-            <a:r>
-              <a:rPr lang="en-US" sz="2400" dirty="0">
-                <a:latin typeface="Segoe UI" panose="020B0502040204020203" pitchFamily="34" charset="0"/>
-                <a:cs typeface="Segoe UI" panose="020B0502040204020203" pitchFamily="34" charset="0"/>
-              </a:rPr>
-              <a:t> storage account ID</a:t>
-            </a:r>
-          </a:p>
-          <a:p>
-            <a:r>
-              <a:rPr lang="en-US" sz="3200" dirty="0">
-                <a:latin typeface="Segoe UI" panose="020B0502040204020203" pitchFamily="34" charset="0"/>
-                <a:cs typeface="Segoe UI" panose="020B0502040204020203" pitchFamily="34" charset="0"/>
-              </a:rPr>
-              <a:t>Key challenge goal #2</a:t>
-            </a:r>
-          </a:p>
-          <a:p>
-            <a:r>
-              <a:rPr lang="en-US" sz="3200" dirty="0">
-                <a:latin typeface="Segoe UI" panose="020B0502040204020203" pitchFamily="34" charset="0"/>
-                <a:cs typeface="Segoe UI" panose="020B0502040204020203" pitchFamily="34" charset="0"/>
-              </a:rPr>
-              <a:t>Key challenge goal #3</a:t>
-            </a:r>
-          </a:p>
-        </p:txBody>
-      </p:sp>
-      <p:pic>
-        <p:nvPicPr>
-          <p:cNvPr id="5" name="Picture 4" descr="Text&#10;&#10;Description automatically generated">
-            <a:extLst>
-              <a:ext uri="{FF2B5EF4-FFF2-40B4-BE49-F238E27FC236}">
-                <a16:creationId xmlns:a16="http://schemas.microsoft.com/office/drawing/2014/main" id="{2D626920-EFD5-05E1-4B50-98C1F77DE5DC}"/>
-              </a:ext>
-            </a:extLst>
-          </p:cNvPr>
-          <p:cNvPicPr>
-            <a:picLocks noChangeAspect="1"/>
-          </p:cNvPicPr>
-          <p:nvPr/>
-        </p:nvPicPr>
-        <p:blipFill>
-          <a:blip r:embed="rId3" cstate="print">
-            <a:extLst>
-              <a:ext uri="{28A0092B-C50C-407E-A947-70E740481C1C}">
-                <a14:useLocalDpi xmlns:a14="http://schemas.microsoft.com/office/drawing/2010/main"/>
-              </a:ext>
-            </a:extLst>
-          </a:blip>
-          <a:stretch>
-            <a:fillRect/>
-          </a:stretch>
-        </p:blipFill>
-        <p:spPr>
-          <a:xfrm>
-            <a:off x="8698523" y="-229216"/>
-            <a:ext cx="3622431" cy="1704766"/>
-          </a:xfrm>
-          <a:prstGeom prst="rect">
-            <a:avLst/>
-          </a:prstGeom>
-        </p:spPr>
-      </p:pic>
+            <a:endParaRPr lang="en-US" sz="3200" dirty="0">
+              <a:latin typeface="Segoe UI" panose="020B0502040204020203" pitchFamily="34" charset="0"/>
+              <a:cs typeface="Segoe UI" panose="020B0502040204020203" pitchFamily="34" charset="0"/>
+            </a:endParaRPr>
+          </a:p>
+        </p:txBody>
+      </p:sp>
     </p:spTree>
     <p:extLst>
       <p:ext uri="{BB962C8B-B14F-4D97-AF65-F5344CB8AC3E}">
@@ -11058,9 +10844,6 @@
   <p:clrMapOvr>
     <a:masterClrMapping/>
   </p:clrMapOvr>
-  <p:transition>
-    <p:fade/>
-  </p:transition>
 </p:sld>
 </file>
 
@@ -11881,6 +11664,332 @@
 </a:theme>
 </file>
 
+<file path=customXml/item1.xml><?xml version="1.0" encoding="utf-8"?>
+<p:properties xmlns:p="http://schemas.microsoft.com/office/2006/metadata/properties" xmlns:xsi="http://www.w3.org/2001/XMLSchema-instance" xmlns:pc="http://schemas.microsoft.com/office/infopath/2007/PartnerControls">
+  <documentManagement>
+    <_ip_UnifiedCompliancePolicyUIAction xmlns="http://schemas.microsoft.com/sharepoint/v3" xsi:nil="true"/>
+    <_ip_UnifiedCompliancePolicyProperties xmlns="http://schemas.microsoft.com/sharepoint/v3" xsi:nil="true"/>
+    <TaxCatchAll xmlns="230e9df3-be65-4c73-a93b-d1236ebd677e" xsi:nil="true"/>
+    <OneNoteFluid_FileOrder xmlns="d5681aaf-e75d-4680-b6a5-67eaf1333073" xsi:nil="true"/>
+    <lcf76f155ced4ddcb4097134ff3c332f xmlns="d5681aaf-e75d-4680-b6a5-67eaf1333073">
+      <Terms xmlns="http://schemas.microsoft.com/office/infopath/2007/PartnerControls"/>
+    </lcf76f155ced4ddcb4097134ff3c332f>
+  </documentManagement>
+</p:properties>
+</file>
+
+<file path=customXml/item2.xml><?xml version="1.0" encoding="utf-8"?>
+<?mso-contentType ?>
+<FormTemplates xmlns="http://schemas.microsoft.com/sharepoint/v3/contenttype/forms">
+  <Display>DocumentLibraryForm</Display>
+  <Edit>DocumentLibraryForm</Edit>
+  <New>DocumentLibraryForm</New>
+</FormTemplates>
+</file>
+
+<file path=customXml/item3.xml><?xml version="1.0" encoding="utf-8"?>
+<ct:contentTypeSchema xmlns:ct="http://schemas.microsoft.com/office/2006/metadata/contentType" xmlns:ma="http://schemas.microsoft.com/office/2006/metadata/properties/metaAttributes" ct:_="" ma:_="" ma:contentTypeName="Document" ma:contentTypeID="0x0101002D60DD8F652F1944BE71621823B93445" ma:contentTypeVersion="20" ma:contentTypeDescription="Create a new document." ma:contentTypeScope="" ma:versionID="ca9162edec49feb2fee0b4551a61220d">
+  <xsd:schema xmlns:xsd="http://www.w3.org/2001/XMLSchema" xmlns:xs="http://www.w3.org/2001/XMLSchema" xmlns:p="http://schemas.microsoft.com/office/2006/metadata/properties" xmlns:ns1="http://schemas.microsoft.com/sharepoint/v3" xmlns:ns2="d5681aaf-e75d-4680-b6a5-67eaf1333073" xmlns:ns3="230e9df3-be65-4c73-a93b-d1236ebd677e" xmlns:ns4="15d470b8-ee0f-4c7c-b3dd-47210eefc9bb" targetNamespace="http://schemas.microsoft.com/office/2006/metadata/properties" ma:root="true" ma:fieldsID="257895244c366e75573991e6fb322f55" ns1:_="" ns2:_="" ns3:_="" ns4:_="">
+    <xsd:import namespace="http://schemas.microsoft.com/sharepoint/v3"/>
+    <xsd:import namespace="d5681aaf-e75d-4680-b6a5-67eaf1333073"/>
+    <xsd:import namespace="230e9df3-be65-4c73-a93b-d1236ebd677e"/>
+    <xsd:import namespace="15d470b8-ee0f-4c7c-b3dd-47210eefc9bb"/>
+    <xsd:element name="properties">
+      <xsd:complexType>
+        <xsd:sequence>
+          <xsd:element name="documentManagement">
+            <xsd:complexType>
+              <xsd:all>
+                <xsd:element ref="ns2:MediaServiceMetadata" minOccurs="0"/>
+                <xsd:element ref="ns2:MediaServiceFastMetadata" minOccurs="0"/>
+                <xsd:element ref="ns2:MediaServiceOCR" minOccurs="0"/>
+                <xsd:element ref="ns2:MediaServiceGenerationTime" minOccurs="0"/>
+                <xsd:element ref="ns2:MediaServiceEventHashCode" minOccurs="0"/>
+                <xsd:element ref="ns2:MediaServiceAutoKeyPoints" minOccurs="0"/>
+                <xsd:element ref="ns2:MediaServiceKeyPoints" minOccurs="0"/>
+                <xsd:element ref="ns2:lcf76f155ced4ddcb4097134ff3c332f" minOccurs="0"/>
+                <xsd:element ref="ns3:TaxCatchAll" minOccurs="0"/>
+                <xsd:element ref="ns2:OneNoteFluid_FileOrder" minOccurs="0"/>
+                <xsd:element ref="ns1:_ip_UnifiedCompliancePolicyProperties" minOccurs="0"/>
+                <xsd:element ref="ns1:_ip_UnifiedCompliancePolicyUIAction" minOccurs="0"/>
+                <xsd:element ref="ns4:SharedWithUsers" minOccurs="0"/>
+                <xsd:element ref="ns4:SharedWithDetails" minOccurs="0"/>
+                <xsd:element ref="ns2:MediaServiceSearchProperties" minOccurs="0"/>
+                <xsd:element ref="ns2:MediaServiceDocTags" minOccurs="0"/>
+                <xsd:element ref="ns2:MediaServiceDateTaken" minOccurs="0"/>
+                <xsd:element ref="ns2:MediaLengthInSeconds" minOccurs="0"/>
+              </xsd:all>
+            </xsd:complexType>
+          </xsd:element>
+        </xsd:sequence>
+      </xsd:complexType>
+    </xsd:element>
+  </xsd:schema>
+  <xsd:schema xmlns:xsd="http://www.w3.org/2001/XMLSchema" xmlns:xs="http://www.w3.org/2001/XMLSchema" xmlns:dms="http://schemas.microsoft.com/office/2006/documentManagement/types" xmlns:pc="http://schemas.microsoft.com/office/infopath/2007/PartnerControls" targetNamespace="http://schemas.microsoft.com/sharepoint/v3" elementFormDefault="qualified">
+    <xsd:import namespace="http://schemas.microsoft.com/office/2006/documentManagement/types"/>
+    <xsd:import namespace="http://schemas.microsoft.com/office/infopath/2007/PartnerControls"/>
+    <xsd:element name="_ip_UnifiedCompliancePolicyProperties" ma:index="19" nillable="true" ma:displayName="Unified Compliance Policy Properties" ma:hidden="true" ma:internalName="_ip_UnifiedCompliancePolicyProperties">
+      <xsd:simpleType>
+        <xsd:restriction base="dms:Note"/>
+      </xsd:simpleType>
+    </xsd:element>
+    <xsd:element name="_ip_UnifiedCompliancePolicyUIAction" ma:index="20" nillable="true" ma:displayName="Unified Compliance Policy UI Action" ma:hidden="true" ma:internalName="_ip_UnifiedCompliancePolicyUIAction">
+      <xsd:simpleType>
+        <xsd:restriction base="dms:Text"/>
+      </xsd:simpleType>
+    </xsd:element>
+  </xsd:schema>
+  <xsd:schema xmlns:xsd="http://www.w3.org/2001/XMLSchema" xmlns:xs="http://www.w3.org/2001/XMLSchema" xmlns:dms="http://schemas.microsoft.com/office/2006/documentManagement/types" xmlns:pc="http://schemas.microsoft.com/office/infopath/2007/PartnerControls" targetNamespace="d5681aaf-e75d-4680-b6a5-67eaf1333073" elementFormDefault="qualified">
+    <xsd:import namespace="http://schemas.microsoft.com/office/2006/documentManagement/types"/>
+    <xsd:import namespace="http://schemas.microsoft.com/office/infopath/2007/PartnerControls"/>
+    <xsd:element name="MediaServiceMetadata" ma:index="8" nillable="true" ma:displayName="MediaServiceMetadata" ma:hidden="true" ma:internalName="MediaServiceMetadata" ma:readOnly="true">
+      <xsd:simpleType>
+        <xsd:restriction base="dms:Note"/>
+      </xsd:simpleType>
+    </xsd:element>
+    <xsd:element name="MediaServiceFastMetadata" ma:index="9" nillable="true" ma:displayName="MediaServiceFastMetadata" ma:hidden="true" ma:internalName="MediaServiceFastMetadata" ma:readOnly="true">
+      <xsd:simpleType>
+        <xsd:restriction base="dms:Note"/>
+      </xsd:simpleType>
+    </xsd:element>
+    <xsd:element name="MediaServiceOCR" ma:index="10" nillable="true" ma:displayName="Extracted Text" ma:internalName="MediaServiceOCR" ma:readOnly="true">
+      <xsd:simpleType>
+        <xsd:restriction base="dms:Note">
+          <xsd:maxLength value="255"/>
+        </xsd:restriction>
+      </xsd:simpleType>
+    </xsd:element>
+    <xsd:element name="MediaServiceGenerationTime" ma:index="11" nillable="true" ma:displayName="MediaServiceGenerationTime" ma:hidden="true" ma:internalName="MediaServiceGenerationTime" ma:readOnly="true">
+      <xsd:simpleType>
+        <xsd:restriction base="dms:Text"/>
+      </xsd:simpleType>
+    </xsd:element>
+    <xsd:element name="MediaServiceEventHashCode" ma:index="12" nillable="true" ma:displayName="MediaServiceEventHashCode" ma:hidden="true" ma:internalName="MediaServiceEventHashCode" ma:readOnly="true">
+      <xsd:simpleType>
+        <xsd:restriction base="dms:Text"/>
+      </xsd:simpleType>
+    </xsd:element>
+    <xsd:element name="MediaServiceAutoKeyPoints" ma:index="13" nillable="true" ma:displayName="MediaServiceAutoKeyPoints" ma:hidden="true" ma:internalName="MediaServiceAutoKeyPoints" ma:readOnly="true">
+      <xsd:simpleType>
+        <xsd:restriction base="dms:Note"/>
+      </xsd:simpleType>
+    </xsd:element>
+    <xsd:element name="MediaServiceKeyPoints" ma:index="14" nillable="true" ma:displayName="KeyPoints" ma:internalName="MediaServiceKeyPoints" ma:readOnly="true">
+      <xsd:simpleType>
+        <xsd:restriction base="dms:Note">
+          <xsd:maxLength value="255"/>
+        </xsd:restriction>
+      </xsd:simpleType>
+    </xsd:element>
+    <xsd:element name="lcf76f155ced4ddcb4097134ff3c332f" ma:index="16" nillable="true" ma:taxonomy="true" ma:internalName="lcf76f155ced4ddcb4097134ff3c332f" ma:taxonomyFieldName="MediaServiceImageTags" ma:displayName="Image Tags" ma:readOnly="false" ma:fieldId="{5cf76f15-5ced-4ddc-b409-7134ff3c332f}" ma:taxonomyMulti="true" ma:sspId="e385fb40-52d4-4fae-9c5b-3e8ff8a5878e" ma:termSetId="09814cd3-568e-fe90-9814-8d621ff8fb84" ma:anchorId="fba54fb3-c3e1-fe81-a776-ca4b69148c4d" ma:open="true" ma:isKeyword="false">
+      <xsd:complexType>
+        <xsd:sequence>
+          <xsd:element ref="pc:Terms" minOccurs="0" maxOccurs="1"/>
+        </xsd:sequence>
+      </xsd:complexType>
+    </xsd:element>
+    <xsd:element name="OneNoteFluid_FileOrder" ma:index="18" nillable="true" ma:displayName="OneNoteFluid_FileOrder" ma:internalName="OneNoteFluid_FileOrder">
+      <xsd:simpleType>
+        <xsd:restriction base="dms:Text">
+          <xsd:maxLength value="255"/>
+        </xsd:restriction>
+      </xsd:simpleType>
+    </xsd:element>
+    <xsd:element name="MediaServiceSearchProperties" ma:index="23" nillable="true" ma:displayName="MediaServiceSearchProperties" ma:hidden="true" ma:internalName="MediaServiceSearchProperties" ma:readOnly="true">
+      <xsd:simpleType>
+        <xsd:restriction base="dms:Note"/>
+      </xsd:simpleType>
+    </xsd:element>
+    <xsd:element name="MediaServiceDocTags" ma:index="24" nillable="true" ma:displayName="MediaServiceDocTags" ma:hidden="true" ma:internalName="MediaServiceDocTags" ma:readOnly="true">
+      <xsd:simpleType>
+        <xsd:restriction base="dms:Note"/>
+      </xsd:simpleType>
+    </xsd:element>
+    <xsd:element name="MediaServiceDateTaken" ma:index="25" nillable="true" ma:displayName="MediaServiceDateTaken" ma:hidden="true" ma:indexed="true" ma:internalName="MediaServiceDateTaken" ma:readOnly="true">
+      <xsd:simpleType>
+        <xsd:restriction base="dms:Text"/>
+      </xsd:simpleType>
+    </xsd:element>
+    <xsd:element name="MediaLengthInSeconds" ma:index="26" nillable="true" ma:displayName="MediaLengthInSeconds" ma:hidden="true" ma:internalName="MediaLengthInSeconds" ma:readOnly="true">
+      <xsd:simpleType>
+        <xsd:restriction base="dms:Unknown"/>
+      </xsd:simpleType>
+    </xsd:element>
+  </xsd:schema>
+  <xsd:schema xmlns:xsd="http://www.w3.org/2001/XMLSchema" xmlns:xs="http://www.w3.org/2001/XMLSchema" xmlns:dms="http://schemas.microsoft.com/office/2006/documentManagement/types" xmlns:pc="http://schemas.microsoft.com/office/infopath/2007/PartnerControls" targetNamespace="230e9df3-be65-4c73-a93b-d1236ebd677e" elementFormDefault="qualified">
+    <xsd:import namespace="http://schemas.microsoft.com/office/2006/documentManagement/types"/>
+    <xsd:import namespace="http://schemas.microsoft.com/office/infopath/2007/PartnerControls"/>
+    <xsd:element name="TaxCatchAll" ma:index="17" nillable="true" ma:displayName="Taxonomy Catch All Column" ma:hidden="true" ma:list="{b6b72968-36bd-4383-8b6e-1cc99c113b15}" ma:internalName="TaxCatchAll" ma:showField="CatchAllData" ma:web="15d470b8-ee0f-4c7c-b3dd-47210eefc9bb">
+      <xsd:complexType>
+        <xsd:complexContent>
+          <xsd:extension base="dms:MultiChoiceLookup">
+            <xsd:sequence>
+              <xsd:element name="Value" type="dms:Lookup" maxOccurs="unbounded" minOccurs="0" nillable="true"/>
+            </xsd:sequence>
+          </xsd:extension>
+        </xsd:complexContent>
+      </xsd:complexType>
+    </xsd:element>
+  </xsd:schema>
+  <xsd:schema xmlns:xsd="http://www.w3.org/2001/XMLSchema" xmlns:xs="http://www.w3.org/2001/XMLSchema" xmlns:dms="http://schemas.microsoft.com/office/2006/documentManagement/types" xmlns:pc="http://schemas.microsoft.com/office/infopath/2007/PartnerControls" targetNamespace="15d470b8-ee0f-4c7c-b3dd-47210eefc9bb" elementFormDefault="qualified">
+    <xsd:import namespace="http://schemas.microsoft.com/office/2006/documentManagement/types"/>
+    <xsd:import namespace="http://schemas.microsoft.com/office/infopath/2007/PartnerControls"/>
+    <xsd:element name="SharedWithUsers" ma:index="21" nillable="true" ma:displayName="Shared With" ma:internalName="SharedWithUsers" ma:readOnly="true">
+      <xsd:complexType>
+        <xsd:complexContent>
+          <xsd:extension base="dms:UserMulti">
+            <xsd:sequence>
+              <xsd:element name="UserInfo" minOccurs="0" maxOccurs="unbounded">
+                <xsd:complexType>
+                  <xsd:sequence>
+                    <xsd:element name="DisplayName" type="xsd:string" minOccurs="0"/>
+                    <xsd:element name="AccountId" type="dms:UserId" minOccurs="0" nillable="true"/>
+                    <xsd:element name="AccountType" type="xsd:string" minOccurs="0"/>
+                  </xsd:sequence>
+                </xsd:complexType>
+              </xsd:element>
+            </xsd:sequence>
+          </xsd:extension>
+        </xsd:complexContent>
+      </xsd:complexType>
+    </xsd:element>
+    <xsd:element name="SharedWithDetails" ma:index="22" nillable="true" ma:displayName="Shared With Details" ma:internalName="SharedWithDetails" ma:readOnly="true">
+      <xsd:simpleType>
+        <xsd:restriction base="dms:Note">
+          <xsd:maxLength value="255"/>
+        </xsd:restriction>
+      </xsd:simpleType>
+    </xsd:element>
+  </xsd:schema>
+  <xsd:schema xmlns="http://schemas.openxmlformats.org/package/2006/metadata/core-properties" xmlns:xsd="http://www.w3.org/2001/XMLSchema" xmlns:xsi="http://www.w3.org/2001/XMLSchema-instance" xmlns:dc="http://purl.org/dc/elements/1.1/" xmlns:dcterms="http://purl.org/dc/terms/" xmlns:odoc="http://schemas.microsoft.com/internal/obd" targetNamespace="http://schemas.openxmlformats.org/package/2006/metadata/core-properties" elementFormDefault="qualified" attributeFormDefault="unqualified" blockDefault="#all">
+    <xsd:import namespace="http://purl.org/dc/elements/1.1/" schemaLocation="http://dublincore.org/schemas/xmls/qdc/2003/04/02/dc.xsd"/>
+    <xsd:import namespace="http://purl.org/dc/terms/" schemaLocation="http://dublincore.org/schemas/xmls/qdc/2003/04/02/dcterms.xsd"/>
+    <xsd:element name="coreProperties" type="CT_coreProperties"/>
+    <xsd:complexType name="CT_coreProperties">
+      <xsd:all>
+        <xsd:element ref="dc:creator" minOccurs="0" maxOccurs="1"/>
+        <xsd:element ref="dcterms:created" minOccurs="0" maxOccurs="1"/>
+        <xsd:element ref="dc:identifier" minOccurs="0" maxOccurs="1"/>
+        <xsd:element name="contentType" minOccurs="0" maxOccurs="1" type="xsd:string" ma:index="0" ma:displayName="Content Type"/>
+        <xsd:element ref="dc:title" minOccurs="0" maxOccurs="1" ma:index="4" ma:displayName="Title"/>
+        <xsd:element ref="dc:subject" minOccurs="0" maxOccurs="1"/>
+        <xsd:element ref="dc:description" minOccurs="0" maxOccurs="1"/>
+        <xsd:element name="keywords" minOccurs="0" maxOccurs="1" type="xsd:string"/>
+        <xsd:element ref="dc:language" minOccurs="0" maxOccurs="1"/>
+        <xsd:element name="category" minOccurs="0" maxOccurs="1" type="xsd:string"/>
+        <xsd:element name="version" minOccurs="0" maxOccurs="1" type="xsd:string"/>
+        <xsd:element name="revision" minOccurs="0" maxOccurs="1" type="xsd:string">
+          <xsd:annotation>
+            <xsd:documentation>
+                        This value indicates the number of saves or revisions. The application is responsible for updating this value after each revision.
+                    </xsd:documentation>
+          </xsd:annotation>
+        </xsd:element>
+        <xsd:element name="lastModifiedBy" minOccurs="0" maxOccurs="1" type="xsd:string"/>
+        <xsd:element ref="dcterms:modified" minOccurs="0" maxOccurs="1"/>
+        <xsd:element name="contentStatus" minOccurs="0" maxOccurs="1" type="xsd:string"/>
+      </xsd:all>
+    </xsd:complexType>
+  </xsd:schema>
+  <xs:schema xmlns:pc="http://schemas.microsoft.com/office/infopath/2007/PartnerControls" xmlns:xs="http://www.w3.org/2001/XMLSchema" targetNamespace="http://schemas.microsoft.com/office/infopath/2007/PartnerControls" elementFormDefault="qualified" attributeFormDefault="unqualified">
+    <xs:element name="Person">
+      <xs:complexType>
+        <xs:sequence>
+          <xs:element ref="pc:DisplayName" minOccurs="0"/>
+          <xs:element ref="pc:AccountId" minOccurs="0"/>
+          <xs:element ref="pc:AccountType" minOccurs="0"/>
+        </xs:sequence>
+      </xs:complexType>
+    </xs:element>
+    <xs:element name="DisplayName" type="xs:string"/>
+    <xs:element name="AccountId" type="xs:string"/>
+    <xs:element name="AccountType" type="xs:string"/>
+    <xs:element name="BDCAssociatedEntity">
+      <xs:complexType>
+        <xs:sequence>
+          <xs:element ref="pc:BDCEntity" minOccurs="0" maxOccurs="unbounded"/>
+        </xs:sequence>
+        <xs:attribute ref="pc:EntityNamespace"/>
+        <xs:attribute ref="pc:EntityName"/>
+        <xs:attribute ref="pc:SystemInstanceName"/>
+        <xs:attribute ref="pc:AssociationName"/>
+      </xs:complexType>
+    </xs:element>
+    <xs:attribute name="EntityNamespace" type="xs:string"/>
+    <xs:attribute name="EntityName" type="xs:string"/>
+    <xs:attribute name="SystemInstanceName" type="xs:string"/>
+    <xs:attribute name="AssociationName" type="xs:string"/>
+    <xs:element name="BDCEntity">
+      <xs:complexType>
+        <xs:sequence>
+          <xs:element ref="pc:EntityDisplayName" minOccurs="0"/>
+          <xs:element ref="pc:EntityInstanceReference" minOccurs="0"/>
+          <xs:element ref="pc:EntityId1" minOccurs="0"/>
+          <xs:element ref="pc:EntityId2" minOccurs="0"/>
+          <xs:element ref="pc:EntityId3" minOccurs="0"/>
+          <xs:element ref="pc:EntityId4" minOccurs="0"/>
+          <xs:element ref="pc:EntityId5" minOccurs="0"/>
+        </xs:sequence>
+      </xs:complexType>
+    </xs:element>
+    <xs:element name="EntityDisplayName" type="xs:string"/>
+    <xs:element name="EntityInstanceReference" type="xs:string"/>
+    <xs:element name="EntityId1" type="xs:string"/>
+    <xs:element name="EntityId2" type="xs:string"/>
+    <xs:element name="EntityId3" type="xs:string"/>
+    <xs:element name="EntityId4" type="xs:string"/>
+    <xs:element name="EntityId5" type="xs:string"/>
+    <xs:element name="Terms">
+      <xs:complexType>
+        <xs:sequence>
+          <xs:element ref="pc:TermInfo" minOccurs="0" maxOccurs="unbounded"/>
+        </xs:sequence>
+      </xs:complexType>
+    </xs:element>
+    <xs:element name="TermInfo">
+      <xs:complexType>
+        <xs:sequence>
+          <xs:element ref="pc:TermName" minOccurs="0"/>
+          <xs:element ref="pc:TermId" minOccurs="0"/>
+        </xs:sequence>
+      </xs:complexType>
+    </xs:element>
+    <xs:element name="TermName" type="xs:string"/>
+    <xs:element name="TermId" type="xs:string"/>
+  </xs:schema>
+</ct:contentTypeSchema>
+</file>
+
+<file path=customXml/itemProps1.xml><?xml version="1.0" encoding="utf-8"?>
+<ds:datastoreItem xmlns:ds="http://schemas.openxmlformats.org/officeDocument/2006/customXml" ds:itemID="{FE1AEC35-FA48-4D92-B146-8AAF6D580B36}">
+  <ds:schemaRefs>
+    <ds:schemaRef ds:uri="http://schemas.microsoft.com/office/2006/documentManagement/types"/>
+    <ds:schemaRef ds:uri="http://purl.org/dc/dcmitype/"/>
+    <ds:schemaRef ds:uri="http://purl.org/dc/elements/1.1/"/>
+    <ds:schemaRef ds:uri="http://schemas.microsoft.com/sharepoint/v3"/>
+    <ds:schemaRef ds:uri="http://schemas.microsoft.com/office/infopath/2007/PartnerControls"/>
+    <ds:schemaRef ds:uri="http://schemas.microsoft.com/office/2006/metadata/properties"/>
+    <ds:schemaRef ds:uri="http://purl.org/dc/terms/"/>
+    <ds:schemaRef ds:uri="230e9df3-be65-4c73-a93b-d1236ebd677e"/>
+    <ds:schemaRef ds:uri="http://schemas.openxmlformats.org/package/2006/metadata/core-properties"/>
+    <ds:schemaRef ds:uri="d5681aaf-e75d-4680-b6a5-67eaf1333073"/>
+    <ds:schemaRef ds:uri="http://www.w3.org/XML/1998/namespace"/>
+  </ds:schemaRefs>
+</ds:datastoreItem>
+</file>
+
+<file path=customXml/itemProps2.xml><?xml version="1.0" encoding="utf-8"?>
+<ds:datastoreItem xmlns:ds="http://schemas.openxmlformats.org/officeDocument/2006/customXml" ds:itemID="{FA84066F-CF25-477A-816A-71B1599BA426}">
+  <ds:schemaRefs>
+    <ds:schemaRef ds:uri="http://schemas.microsoft.com/sharepoint/v3/contenttype/forms"/>
+  </ds:schemaRefs>
+</ds:datastoreItem>
+</file>
+
+<file path=customXml/itemProps3.xml><?xml version="1.0" encoding="utf-8"?>
+<ds:datastoreItem xmlns:ds="http://schemas.openxmlformats.org/officeDocument/2006/customXml" ds:itemID="{D297C88A-D0C3-4811-9063-F2652EC3F003}"/>
+</file>
+
 <file path=docMetadata/LabelInfo.xml><?xml version="1.0" encoding="utf-8"?>
 <clbl:labelList xmlns:clbl="http://schemas.microsoft.com/office/2020/mipLabelMetadata">
   <clbl:label id="{f42aa342-8706-4288-bd11-ebb85995028c}" enabled="1" method="Standard" siteId="{72f988bf-86f1-41af-91ab-2d7cd011db47}" removed="0"/>
